--- a/ppt/理解张量.pptx
+++ b/ppt/理解张量.pptx
@@ -6,7 +6,7 @@
     <p:sldMasterId id="2147483654" r:id="rId3"/>
   </p:sldMasterIdLst>
   <p:notesMasterIdLst>
-    <p:notesMasterId r:id="rId10"/>
+    <p:notesMasterId r:id="rId9"/>
   </p:notesMasterIdLst>
   <p:sldIdLst>
     <p:sldId id="274" r:id="rId4"/>
@@ -14,10 +14,11 @@
     <p:sldId id="342" r:id="rId6"/>
     <p:sldId id="321" r:id="rId7"/>
     <p:sldId id="343" r:id="rId8"/>
-    <p:sldId id="344" r:id="rId9"/>
-    <p:sldId id="348" r:id="rId11"/>
-    <p:sldId id="345" r:id="rId12"/>
-    <p:sldId id="300" r:id="rId13"/>
+    <p:sldId id="351" r:id="rId10"/>
+    <p:sldId id="344" r:id="rId11"/>
+    <p:sldId id="348" r:id="rId12"/>
+    <p:sldId id="345" r:id="rId13"/>
+    <p:sldId id="300" r:id="rId14"/>
   </p:sldIdLst>
   <p:sldSz cx="12192000" cy="6858000"/>
   <p:notesSz cx="6858000" cy="9144000"/>
@@ -555,6 +556,94 @@
 </file>
 
 <file path=ppt/notesSlides/notesSlide3.xml><?xml version="1.0" encoding="utf-8"?>
+<p:notes xmlns:a="http://schemas.openxmlformats.org/drawingml/2006/main" xmlns:r="http://schemas.openxmlformats.org/officeDocument/2006/relationships" xmlns:p="http://schemas.openxmlformats.org/presentationml/2006/main">
+  <p:cSld>
+    <p:spTree>
+      <p:nvGrpSpPr>
+        <p:cNvPr id="1" name=""/>
+        <p:cNvGrpSpPr/>
+        <p:nvPr/>
+      </p:nvGrpSpPr>
+      <p:grpSpPr/>
+      <p:sp>
+        <p:nvSpPr>
+          <p:cNvPr id="2" name="Slide Image Placeholder 1"/>
+          <p:cNvSpPr/>
+          <p:nvPr>
+            <p:ph type="sldImg" idx="2"/>
+          </p:nvPr>
+        </p:nvSpPr>
+        <p:spPr/>
+      </p:sp>
+      <p:sp>
+        <p:nvSpPr>
+          <p:cNvPr id="3" name="Text Placeholder 2"/>
+          <p:cNvSpPr/>
+          <p:nvPr>
+            <p:ph type="body" idx="3"/>
+          </p:nvPr>
+        </p:nvSpPr>
+        <p:spPr/>
+        <p:txBody>
+          <a:bodyPr/>
+          <a:p>
+            <a:endParaRPr lang="en-US"/>
+          </a:p>
+        </p:txBody>
+      </p:sp>
+    </p:spTree>
+  </p:cSld>
+  <p:clrMapOvr>
+    <a:masterClrMapping/>
+  </p:clrMapOvr>
+</p:notes>
+</file>
+
+<file path=ppt/notesSlides/notesSlide4.xml><?xml version="1.0" encoding="utf-8"?>
+<p:notes xmlns:a="http://schemas.openxmlformats.org/drawingml/2006/main" xmlns:r="http://schemas.openxmlformats.org/officeDocument/2006/relationships" xmlns:p="http://schemas.openxmlformats.org/presentationml/2006/main">
+  <p:cSld>
+    <p:spTree>
+      <p:nvGrpSpPr>
+        <p:cNvPr id="1" name=""/>
+        <p:cNvGrpSpPr/>
+        <p:nvPr/>
+      </p:nvGrpSpPr>
+      <p:grpSpPr/>
+      <p:sp>
+        <p:nvSpPr>
+          <p:cNvPr id="2" name="Slide Image Placeholder 1"/>
+          <p:cNvSpPr/>
+          <p:nvPr>
+            <p:ph type="sldImg" idx="2"/>
+          </p:nvPr>
+        </p:nvSpPr>
+        <p:spPr/>
+      </p:sp>
+      <p:sp>
+        <p:nvSpPr>
+          <p:cNvPr id="3" name="Text Placeholder 2"/>
+          <p:cNvSpPr/>
+          <p:nvPr>
+            <p:ph type="body" idx="3"/>
+          </p:nvPr>
+        </p:nvSpPr>
+        <p:spPr/>
+        <p:txBody>
+          <a:bodyPr/>
+          <a:p>
+            <a:endParaRPr lang="en-US"/>
+          </a:p>
+        </p:txBody>
+      </p:sp>
+    </p:spTree>
+  </p:cSld>
+  <p:clrMapOvr>
+    <a:masterClrMapping/>
+  </p:clrMapOvr>
+</p:notes>
+</file>
+
+<file path=ppt/notesSlides/notesSlide5.xml><?xml version="1.0" encoding="utf-8"?>
 <p:notes xmlns:a="http://schemas.openxmlformats.org/drawingml/2006/main" xmlns:r="http://schemas.openxmlformats.org/officeDocument/2006/relationships" xmlns:p="http://schemas.openxmlformats.org/presentationml/2006/main">
   <p:cSld>
     <p:spTree>
@@ -7943,6 +8032,209 @@
       <p:bldP spid="9" grpId="0" animBg="1"/>
       <p:bldP spid="10" grpId="0"/>
       <p:bldP spid="11" grpId="0" animBg="1"/>
+    </p:bldLst>
+  </p:timing>
+</p:sld>
+</file>
+
+<file path=ppt/slides/slide10.xml><?xml version="1.0" encoding="utf-8"?>
+<p:sld xmlns:a="http://schemas.openxmlformats.org/drawingml/2006/main" xmlns:r="http://schemas.openxmlformats.org/officeDocument/2006/relationships" xmlns:p="http://schemas.openxmlformats.org/presentationml/2006/main">
+  <p:cSld>
+    <p:spTree>
+      <p:nvGrpSpPr>
+        <p:cNvPr id="1" name=""/>
+        <p:cNvGrpSpPr/>
+        <p:nvPr/>
+      </p:nvGrpSpPr>
+      <p:grpSpPr>
+        <a:xfrm>
+          <a:off x="0" y="0"/>
+          <a:ext cx="0" cy="0"/>
+          <a:chOff x="0" y="0"/>
+          <a:chExt cx="0" cy="0"/>
+        </a:xfrm>
+      </p:grpSpPr>
+      <p:sp>
+        <p:nvSpPr>
+          <p:cNvPr id="6" name="文本框 5"/>
+          <p:cNvSpPr txBox="1"/>
+          <p:nvPr/>
+        </p:nvSpPr>
+        <p:spPr>
+          <a:xfrm>
+            <a:off x="3591560" y="2099945"/>
+            <a:ext cx="5009515" cy="1938020"/>
+          </a:xfrm>
+          <a:prstGeom prst="rect">
+            <a:avLst/>
+          </a:prstGeom>
+          <a:noFill/>
+        </p:spPr>
+        <p:txBody>
+          <a:bodyPr wrap="square" rtlCol="0">
+            <a:spAutoFit/>
+          </a:bodyPr>
+          <a:lstStyle/>
+          <a:p>
+            <a:pPr algn="dist"/>
+            <a:r>
+              <a:rPr lang="zh-CN" altLang="en-US" sz="12000" b="1" dirty="0">
+                <a:solidFill>
+                  <a:srgbClr val="1A7B80"/>
+                </a:solidFill>
+                <a:latin typeface="Agency FB" panose="020B0503020202020204" pitchFamily="34" charset="0"/>
+                <a:ea typeface="华文琥珀" panose="02010800040101010101" charset="-122"/>
+              </a:rPr>
+              <a:t>谢谢</a:t>
+            </a:r>
+            <a:endParaRPr lang="zh-CN" altLang="en-US" sz="12000" b="1" dirty="0">
+              <a:solidFill>
+                <a:srgbClr val="1A7B80"/>
+              </a:solidFill>
+              <a:latin typeface="Agency FB" panose="020B0503020202020204" pitchFamily="34" charset="0"/>
+              <a:ea typeface="华文琥珀" panose="02010800040101010101" charset="-122"/>
+            </a:endParaRPr>
+          </a:p>
+        </p:txBody>
+      </p:sp>
+    </p:spTree>
+  </p:cSld>
+  <p:clrMapOvr>
+    <a:masterClrMapping/>
+  </p:clrMapOvr>
+  <p:timing>
+    <p:tnLst>
+      <p:par>
+        <p:cTn id="1" dur="indefinite" restart="never" nodeType="tmRoot">
+          <p:childTnLst>
+            <p:seq concurrent="1" nextAc="seek">
+              <p:cTn id="2" dur="indefinite" nodeType="mainSeq">
+                <p:childTnLst>
+                  <p:par>
+                    <p:cTn id="3" fill="hold">
+                      <p:stCondLst>
+                        <p:cond delay="indefinite"/>
+                        <p:cond evt="onBegin" delay="0">
+                          <p:tn val="2"/>
+                        </p:cond>
+                      </p:stCondLst>
+                      <p:childTnLst>
+                        <p:par>
+                          <p:cTn id="4" fill="hold">
+                            <p:stCondLst>
+                              <p:cond delay="0"/>
+                            </p:stCondLst>
+                            <p:childTnLst>
+                              <p:par>
+                                <p:cTn id="5" presetID="53" presetClass="entr" presetSubtype="16" fill="hold" grpId="0" nodeType="afterEffect">
+                                  <p:stCondLst>
+                                    <p:cond delay="0"/>
+                                  </p:stCondLst>
+                                  <p:childTnLst>
+                                    <p:set>
+                                      <p:cBhvr>
+                                        <p:cTn id="6" dur="1" fill="hold">
+                                          <p:stCondLst>
+                                            <p:cond delay="0"/>
+                                          </p:stCondLst>
+                                        </p:cTn>
+                                        <p:tgtEl>
+                                          <p:spTgt spid="6"/>
+                                        </p:tgtEl>
+                                        <p:attrNameLst>
+                                          <p:attrName>style.visibility</p:attrName>
+                                        </p:attrNameLst>
+                                      </p:cBhvr>
+                                      <p:to>
+                                        <p:strVal val="visible"/>
+                                      </p:to>
+                                    </p:set>
+                                    <p:anim calcmode="lin" valueType="num">
+                                      <p:cBhvr>
+                                        <p:cTn id="7" dur="500" fill="hold"/>
+                                        <p:tgtEl>
+                                          <p:spTgt spid="6"/>
+                                        </p:tgtEl>
+                                        <p:attrNameLst>
+                                          <p:attrName>ppt_w</p:attrName>
+                                        </p:attrNameLst>
+                                      </p:cBhvr>
+                                      <p:tavLst>
+                                        <p:tav tm="0">
+                                          <p:val>
+                                            <p:fltVal val="0"/>
+                                          </p:val>
+                                        </p:tav>
+                                        <p:tav tm="100000">
+                                          <p:val>
+                                            <p:strVal val="#ppt_w"/>
+                                          </p:val>
+                                        </p:tav>
+                                      </p:tavLst>
+                                    </p:anim>
+                                    <p:anim calcmode="lin" valueType="num">
+                                      <p:cBhvr>
+                                        <p:cTn id="8" dur="500" fill="hold"/>
+                                        <p:tgtEl>
+                                          <p:spTgt spid="6"/>
+                                        </p:tgtEl>
+                                        <p:attrNameLst>
+                                          <p:attrName>ppt_h</p:attrName>
+                                        </p:attrNameLst>
+                                      </p:cBhvr>
+                                      <p:tavLst>
+                                        <p:tav tm="0">
+                                          <p:val>
+                                            <p:fltVal val="0"/>
+                                          </p:val>
+                                        </p:tav>
+                                        <p:tav tm="100000">
+                                          <p:val>
+                                            <p:strVal val="#ppt_h"/>
+                                          </p:val>
+                                        </p:tav>
+                                      </p:tavLst>
+                                    </p:anim>
+                                    <p:animEffect transition="in" filter="fade">
+                                      <p:cBhvr>
+                                        <p:cTn id="9" dur="500"/>
+                                        <p:tgtEl>
+                                          <p:spTgt spid="6"/>
+                                        </p:tgtEl>
+                                      </p:cBhvr>
+                                    </p:animEffect>
+                                  </p:childTnLst>
+                                </p:cTn>
+                              </p:par>
+                            </p:childTnLst>
+                          </p:cTn>
+                        </p:par>
+                      </p:childTnLst>
+                    </p:cTn>
+                  </p:par>
+                </p:childTnLst>
+              </p:cTn>
+              <p:prevCondLst>
+                <p:cond evt="onPrev" delay="0">
+                  <p:tgtEl>
+                    <p:sldTgt/>
+                  </p:tgtEl>
+                </p:cond>
+              </p:prevCondLst>
+              <p:nextCondLst>
+                <p:cond evt="onNext" delay="0">
+                  <p:tgtEl>
+                    <p:sldTgt/>
+                  </p:tgtEl>
+                </p:cond>
+              </p:nextCondLst>
+            </p:seq>
+          </p:childTnLst>
+        </p:cTn>
+      </p:par>
+    </p:tnLst>
+    <p:bldLst>
+      <p:bldP spid="6" grpId="0"/>
     </p:bldLst>
   </p:timing>
 </p:sld>
@@ -15326,46 +15618,6 @@
       </p:grpSp>
       <p:sp>
         <p:nvSpPr>
-          <p:cNvPr id="74" name="Line 6"/>
-          <p:cNvSpPr>
-            <a:spLocks noChangeShapeType="1"/>
-          </p:cNvSpPr>
-          <p:nvPr/>
-        </p:nvSpPr>
-        <p:spPr bwMode="auto">
-          <a:xfrm flipV="1">
-            <a:off x="5492115" y="1410970"/>
-            <a:ext cx="2295525" cy="3078480"/>
-          </a:xfrm>
-          <a:prstGeom prst="line">
-            <a:avLst/>
-          </a:prstGeom>
-          <a:noFill/>
-          <a:ln w="101600">
-            <a:solidFill>
-              <a:schemeClr val="accent1"/>
-            </a:solidFill>
-            <a:round/>
-            <a:tailEnd type="triangle" w="med" len="med"/>
-          </a:ln>
-          <a:extLst>
-            <a:ext uri="{909E8E84-426E-40DD-AFC4-6F175D3DCCD1}">
-              <a14:hiddenFill xmlns:a14="http://schemas.microsoft.com/office/drawing/2010/main">
-                <a:noFill/>
-              </a14:hiddenFill>
-            </a:ext>
-          </a:extLst>
-        </p:spPr>
-        <p:txBody>
-          <a:bodyPr/>
-          <a:lstStyle/>
-          <a:p>
-            <a:endParaRPr lang="zh-CN" altLang="en-US"/>
-          </a:p>
-        </p:txBody>
-      </p:sp>
-      <p:sp>
-        <p:nvSpPr>
           <p:cNvPr id="10277" name="Line 58"/>
           <p:cNvSpPr>
             <a:spLocks noChangeShapeType="1"/>
@@ -15575,81 +15827,139 @@
           </a:p>
         </p:txBody>
       </p:sp>
-      <p:cxnSp>
-        <p:nvCxnSpPr>
-          <p:cNvPr id="75" name="Straight Arrow Connector 74"/>
-          <p:cNvCxnSpPr>
-            <a:stCxn id="74" idx="0"/>
-          </p:cNvCxnSpPr>
+      <p:grpSp>
+        <p:nvGrpSpPr>
+          <p:cNvPr id="11" name="Group 10"/>
+          <p:cNvGrpSpPr/>
           <p:nvPr/>
-        </p:nvCxnSpPr>
-        <p:spPr>
-          <a:xfrm flipV="1">
-            <a:off x="5492115" y="2964815"/>
-            <a:ext cx="777875" cy="1524635"/>
+        </p:nvGrpSpPr>
+        <p:grpSpPr>
+          <a:xfrm>
+            <a:off x="3960495" y="1410970"/>
+            <a:ext cx="3826510" cy="3107690"/>
+            <a:chOff x="6237" y="2222"/>
+            <a:chExt cx="6026" cy="4894"/>
           </a:xfrm>
-          <a:prstGeom prst="straightConnector1">
-            <a:avLst/>
-          </a:prstGeom>
-          <a:ln w="101600">
-            <a:tailEnd type="arrow"/>
-          </a:ln>
-        </p:spPr>
-        <p:style>
-          <a:lnRef idx="1">
-            <a:schemeClr val="accent1"/>
-          </a:lnRef>
-          <a:fillRef idx="0">
-            <a:schemeClr val="accent1"/>
-          </a:fillRef>
-          <a:effectRef idx="0">
-            <a:schemeClr val="accent1"/>
-          </a:effectRef>
-          <a:fontRef idx="minor">
-            <a:schemeClr val="tx1"/>
-          </a:fontRef>
-        </p:style>
-      </p:cxnSp>
-      <p:cxnSp>
-        <p:nvCxnSpPr>
-          <p:cNvPr id="3" name="Straight Arrow Connector 2"/>
-          <p:cNvCxnSpPr>
-            <a:stCxn id="10294" idx="4"/>
-          </p:cNvCxnSpPr>
-          <p:nvPr/>
-        </p:nvCxnSpPr>
-        <p:spPr>
-          <a:xfrm flipH="1" flipV="1">
-            <a:off x="3960495" y="2951480"/>
-            <a:ext cx="1548130" cy="1567180"/>
-          </a:xfrm>
-          <a:prstGeom prst="straightConnector1">
-            <a:avLst/>
-          </a:prstGeom>
-          <a:ln w="101600">
-            <a:tailEnd type="arrow"/>
-          </a:ln>
-        </p:spPr>
-        <p:style>
-          <a:lnRef idx="1">
-            <a:schemeClr val="accent1"/>
-          </a:lnRef>
-          <a:fillRef idx="0">
-            <a:schemeClr val="accent1"/>
-          </a:fillRef>
-          <a:effectRef idx="0">
-            <a:schemeClr val="accent1"/>
-          </a:effectRef>
-          <a:fontRef idx="minor">
-            <a:schemeClr val="tx1"/>
-          </a:fontRef>
-        </p:style>
-      </p:cxnSp>
+        </p:grpSpPr>
+        <p:sp>
+          <p:nvSpPr>
+            <p:cNvPr id="74" name="Line 6"/>
+            <p:cNvSpPr>
+              <a:spLocks noChangeShapeType="1"/>
+            </p:cNvSpPr>
+            <p:nvPr/>
+          </p:nvSpPr>
+          <p:spPr bwMode="auto">
+            <a:xfrm flipV="1">
+              <a:off x="8649" y="2222"/>
+              <a:ext cx="3615" cy="4848"/>
+            </a:xfrm>
+            <a:prstGeom prst="line">
+              <a:avLst/>
+            </a:prstGeom>
+            <a:noFill/>
+            <a:ln w="101600">
+              <a:solidFill>
+                <a:schemeClr val="accent1"/>
+              </a:solidFill>
+              <a:round/>
+              <a:tailEnd type="triangle" w="med" len="med"/>
+            </a:ln>
+            <a:extLst>
+              <a:ext uri="{909E8E84-426E-40DD-AFC4-6F175D3DCCD1}">
+                <a14:hiddenFill xmlns:a14="http://schemas.microsoft.com/office/drawing/2010/main">
+                  <a:noFill/>
+                </a14:hiddenFill>
+              </a:ext>
+            </a:extLst>
+          </p:spPr>
+          <p:txBody>
+            <a:bodyPr/>
+            <a:lstStyle/>
+            <a:p>
+              <a:endParaRPr lang="zh-CN" altLang="en-US"/>
+            </a:p>
+          </p:txBody>
+        </p:sp>
+        <p:cxnSp>
+          <p:nvCxnSpPr>
+            <p:cNvPr id="75" name="Straight Arrow Connector 74"/>
+            <p:cNvCxnSpPr>
+              <a:stCxn id="74" idx="0"/>
+            </p:cNvCxnSpPr>
+            <p:nvPr/>
+          </p:nvCxnSpPr>
+          <p:spPr>
+            <a:xfrm flipV="1">
+              <a:off x="8649" y="4669"/>
+              <a:ext cx="1225" cy="2401"/>
+            </a:xfrm>
+            <a:prstGeom prst="straightConnector1">
+              <a:avLst/>
+            </a:prstGeom>
+            <a:ln w="101600">
+              <a:tailEnd type="arrow"/>
+            </a:ln>
+          </p:spPr>
+          <p:style>
+            <a:lnRef idx="1">
+              <a:schemeClr val="accent1"/>
+            </a:lnRef>
+            <a:fillRef idx="0">
+              <a:schemeClr val="accent1"/>
+            </a:fillRef>
+            <a:effectRef idx="0">
+              <a:schemeClr val="accent1"/>
+            </a:effectRef>
+            <a:fontRef idx="minor">
+              <a:schemeClr val="tx1"/>
+            </a:fontRef>
+          </p:style>
+        </p:cxnSp>
+        <p:cxnSp>
+          <p:nvCxnSpPr>
+            <p:cNvPr id="3" name="Straight Arrow Connector 2"/>
+            <p:cNvCxnSpPr>
+              <a:stCxn id="10294" idx="4"/>
+            </p:cNvCxnSpPr>
+            <p:nvPr/>
+          </p:nvCxnSpPr>
+          <p:spPr>
+            <a:xfrm flipH="1" flipV="1">
+              <a:off x="6237" y="4648"/>
+              <a:ext cx="2438" cy="2468"/>
+            </a:xfrm>
+            <a:prstGeom prst="straightConnector1">
+              <a:avLst/>
+            </a:prstGeom>
+            <a:ln w="101600">
+              <a:tailEnd type="arrow"/>
+            </a:ln>
+          </p:spPr>
+          <p:style>
+            <a:lnRef idx="1">
+              <a:schemeClr val="accent1"/>
+            </a:lnRef>
+            <a:fillRef idx="0">
+              <a:schemeClr val="accent1"/>
+            </a:fillRef>
+            <a:effectRef idx="0">
+              <a:schemeClr val="accent1"/>
+            </a:effectRef>
+            <a:fontRef idx="minor">
+              <a:schemeClr val="tx1"/>
+            </a:fontRef>
+          </p:style>
+        </p:cxnSp>
+      </p:grpSp>
     </p:spTree>
   </p:cSld>
   <p:clrMapOvr>
     <a:masterClrMapping/>
   </p:clrMapOvr>
+  <p:transition>
+    <p:fade thruBlk="1"/>
+  </p:transition>
   <p:timing>
     <p:tnLst>
       <p:par>
@@ -15853,6 +16163,4802 @@
 </file>
 
 <file path=ppt/slides/slide6.xml><?xml version="1.0" encoding="utf-8"?>
+<p:sld xmlns:a="http://schemas.openxmlformats.org/drawingml/2006/main" xmlns:r="http://schemas.openxmlformats.org/officeDocument/2006/relationships" xmlns:p="http://schemas.openxmlformats.org/presentationml/2006/main">
+  <p:cSld>
+    <p:spTree>
+      <p:nvGrpSpPr>
+        <p:cNvPr id="1" name=""/>
+        <p:cNvGrpSpPr/>
+        <p:nvPr/>
+      </p:nvGrpSpPr>
+      <p:grpSpPr>
+        <a:xfrm>
+          <a:off x="0" y="0"/>
+          <a:ext cx="0" cy="0"/>
+          <a:chOff x="0" y="0"/>
+          <a:chExt cx="0" cy="0"/>
+        </a:xfrm>
+      </p:grpSpPr>
+      <p:sp>
+        <p:nvSpPr>
+          <p:cNvPr id="2" name="文本框 1"/>
+          <p:cNvSpPr txBox="1"/>
+          <p:nvPr/>
+        </p:nvSpPr>
+        <p:spPr>
+          <a:xfrm>
+            <a:off x="824865" y="363220"/>
+            <a:ext cx="1471295" cy="521970"/>
+          </a:xfrm>
+          <a:prstGeom prst="rect">
+            <a:avLst/>
+          </a:prstGeom>
+          <a:noFill/>
+        </p:spPr>
+        <p:txBody>
+          <a:bodyPr wrap="none" rtlCol="0">
+            <a:spAutoFit/>
+          </a:bodyPr>
+          <a:lstStyle/>
+          <a:p>
+            <a:r>
+              <a:rPr lang="en-US" altLang="zh-CN" sz="2800" dirty="0">
+                <a:solidFill>
+                  <a:srgbClr val="092B2D"/>
+                </a:solidFill>
+                <a:latin typeface="微软雅黑" panose="020B0503020204020204" charset="-122"/>
+                <a:ea typeface="微软雅黑" panose="020B0503020204020204" charset="-122"/>
+              </a:rPr>
+              <a:t>2</a:t>
+            </a:r>
+            <a:r>
+              <a:rPr lang="zh-CN" altLang="en-US" sz="2800" dirty="0">
+                <a:solidFill>
+                  <a:srgbClr val="092B2D"/>
+                </a:solidFill>
+                <a:latin typeface="微软雅黑" panose="020B0503020204020204" charset="-122"/>
+                <a:ea typeface="微软雅黑" panose="020B0503020204020204" charset="-122"/>
+              </a:rPr>
+              <a:t>阶张量</a:t>
+            </a:r>
+            <a:endParaRPr lang="zh-CN" altLang="en-US" sz="2800" dirty="0">
+              <a:solidFill>
+                <a:srgbClr val="092B2D"/>
+              </a:solidFill>
+              <a:latin typeface="微软雅黑" panose="020B0503020204020204" charset="-122"/>
+              <a:ea typeface="微软雅黑" panose="020B0503020204020204" charset="-122"/>
+            </a:endParaRPr>
+          </a:p>
+        </p:txBody>
+      </p:sp>
+      <p:sp>
+        <p:nvSpPr>
+          <p:cNvPr id="4" name="Text Box 3"/>
+          <p:cNvSpPr txBox="1"/>
+          <p:nvPr/>
+        </p:nvSpPr>
+        <p:spPr>
+          <a:xfrm>
+            <a:off x="824865" y="1863725"/>
+            <a:ext cx="1059180" cy="1476375"/>
+          </a:xfrm>
+          <a:prstGeom prst="rect">
+            <a:avLst/>
+          </a:prstGeom>
+          <a:noFill/>
+          <a:ln w="12700" cmpd="sng">
+            <a:solidFill>
+              <a:schemeClr val="accent1">
+                <a:shade val="50000"/>
+              </a:schemeClr>
+            </a:solidFill>
+            <a:prstDash val="solid"/>
+          </a:ln>
+        </p:spPr>
+        <p:txBody>
+          <a:bodyPr wrap="none" rtlCol="0">
+            <a:spAutoFit/>
+          </a:bodyPr>
+          <a:p>
+            <a:r>
+              <a:rPr lang="en-US"/>
+              <a:t>(</a:t>
+            </a:r>
+            <a:endParaRPr lang="en-US"/>
+          </a:p>
+          <a:p>
+            <a:r>
+              <a:rPr lang="en-US"/>
+              <a:t>    (3,4),</a:t>
+            </a:r>
+            <a:endParaRPr lang="en-US"/>
+          </a:p>
+          <a:p>
+            <a:r>
+              <a:rPr lang="en-US"/>
+              <a:t>    (1,2),</a:t>
+            </a:r>
+            <a:endParaRPr lang="en-US"/>
+          </a:p>
+          <a:p>
+            <a:r>
+              <a:rPr lang="en-US"/>
+              <a:t>    (-2,-2)</a:t>
+            </a:r>
+            <a:endParaRPr lang="en-US"/>
+          </a:p>
+          <a:p>
+            <a:r>
+              <a:rPr lang="en-US"/>
+              <a:t>)</a:t>
+            </a:r>
+            <a:endParaRPr lang="en-US"/>
+          </a:p>
+        </p:txBody>
+      </p:sp>
+      <p:sp>
+        <p:nvSpPr>
+          <p:cNvPr id="5" name="Text Box 4"/>
+          <p:cNvSpPr txBox="1"/>
+          <p:nvPr/>
+        </p:nvSpPr>
+        <p:spPr>
+          <a:xfrm>
+            <a:off x="824865" y="4139565"/>
+            <a:ext cx="1033780" cy="1476375"/>
+          </a:xfrm>
+          <a:prstGeom prst="rect">
+            <a:avLst/>
+          </a:prstGeom>
+          <a:noFill/>
+          <a:ln w="12700" cmpd="sng">
+            <a:solidFill>
+              <a:schemeClr val="accent1">
+                <a:shade val="50000"/>
+              </a:schemeClr>
+            </a:solidFill>
+            <a:prstDash val="solid"/>
+          </a:ln>
+        </p:spPr>
+        <p:txBody>
+          <a:bodyPr wrap="none" rtlCol="0">
+            <a:spAutoFit/>
+          </a:bodyPr>
+          <a:p>
+            <a:r>
+              <a:rPr lang="en-US"/>
+              <a:t>[</a:t>
+            </a:r>
+            <a:endParaRPr lang="en-US"/>
+          </a:p>
+          <a:p>
+            <a:r>
+              <a:rPr lang="en-US"/>
+              <a:t>    [3,4],</a:t>
+            </a:r>
+            <a:endParaRPr lang="en-US"/>
+          </a:p>
+          <a:p>
+            <a:r>
+              <a:rPr lang="en-US"/>
+              <a:t>    [1,2],</a:t>
+            </a:r>
+            <a:endParaRPr lang="en-US"/>
+          </a:p>
+          <a:p>
+            <a:r>
+              <a:rPr lang="en-US"/>
+              <a:t>    [-2,-2]</a:t>
+            </a:r>
+            <a:endParaRPr lang="en-US"/>
+          </a:p>
+          <a:p>
+            <a:r>
+              <a:rPr lang="en-US"/>
+              <a:t>]</a:t>
+            </a:r>
+            <a:endParaRPr lang="en-US"/>
+          </a:p>
+        </p:txBody>
+      </p:sp>
+      <p:cxnSp>
+        <p:nvCxnSpPr>
+          <p:cNvPr id="6" name="Straight Arrow Connector 5"/>
+          <p:cNvCxnSpPr>
+            <a:stCxn id="4" idx="2"/>
+            <a:endCxn id="5" idx="0"/>
+          </p:cNvCxnSpPr>
+          <p:nvPr/>
+        </p:nvCxnSpPr>
+        <p:spPr>
+          <a:xfrm flipH="1">
+            <a:off x="1341755" y="3340100"/>
+            <a:ext cx="12700" cy="799465"/>
+          </a:xfrm>
+          <a:prstGeom prst="straightConnector1">
+            <a:avLst/>
+          </a:prstGeom>
+          <a:ln>
+            <a:tailEnd type="arrow"/>
+          </a:ln>
+        </p:spPr>
+        <p:style>
+          <a:lnRef idx="1">
+            <a:schemeClr val="accent1"/>
+          </a:lnRef>
+          <a:fillRef idx="0">
+            <a:schemeClr val="accent1"/>
+          </a:fillRef>
+          <a:effectRef idx="0">
+            <a:schemeClr val="accent1"/>
+          </a:effectRef>
+          <a:fontRef idx="minor">
+            <a:schemeClr val="tx1"/>
+          </a:fontRef>
+        </p:style>
+      </p:cxnSp>
+      <p:sp>
+        <p:nvSpPr>
+          <p:cNvPr id="17" name="AutoShape 3"/>
+          <p:cNvSpPr>
+            <a:spLocks noChangeAspect="1" noChangeArrowheads="1" noTextEdit="1"/>
+          </p:cNvSpPr>
+          <p:nvPr/>
+        </p:nvSpPr>
+        <p:spPr bwMode="auto">
+          <a:xfrm>
+            <a:off x="2576637" y="1070536"/>
+            <a:ext cx="8709025" cy="5853901"/>
+          </a:xfrm>
+          <a:prstGeom prst="rect">
+            <a:avLst/>
+          </a:prstGeom>
+          <a:noFill/>
+          <a:ln>
+            <a:noFill/>
+          </a:ln>
+          <a:extLst>
+            <a:ext uri="{909E8E84-426E-40DD-AFC4-6F175D3DCCD1}">
+              <a14:hiddenFill xmlns:a14="http://schemas.microsoft.com/office/drawing/2010/main">
+                <a:solidFill>
+                  <a:srgbClr val="FFFFFF"/>
+                </a:solidFill>
+              </a14:hiddenFill>
+            </a:ext>
+            <a:ext uri="{91240B29-F687-4F45-9708-019B960494DF}">
+              <a14:hiddenLine xmlns:a14="http://schemas.microsoft.com/office/drawing/2010/main" w="9525">
+                <a:solidFill>
+                  <a:srgbClr val="000000"/>
+                </a:solidFill>
+                <a:miter lim="800000"/>
+                <a:headEnd/>
+                <a:tailEnd/>
+              </a14:hiddenLine>
+            </a:ext>
+          </a:extLst>
+        </p:spPr>
+        <p:txBody>
+          <a:bodyPr vert="horz" wrap="square" lIns="91440" tIns="45720" rIns="91440" bIns="45720" numCol="1" anchor="t" anchorCtr="0" compatLnSpc="1"/>
+          <a:lstStyle/>
+          <a:p>
+            <a:endParaRPr lang="zh-CN" altLang="en-US"/>
+          </a:p>
+        </p:txBody>
+      </p:sp>
+      <p:grpSp>
+        <p:nvGrpSpPr>
+          <p:cNvPr id="20" name="组合 10301"/>
+          <p:cNvGrpSpPr/>
+          <p:nvPr/>
+        </p:nvGrpSpPr>
+        <p:grpSpPr>
+          <a:xfrm>
+            <a:off x="2585615" y="1079514"/>
+            <a:ext cx="8691068" cy="5219429"/>
+            <a:chOff x="1356890" y="1334149"/>
+            <a:chExt cx="8691068" cy="5219429"/>
+          </a:xfrm>
+        </p:grpSpPr>
+        <p:sp>
+          <p:nvSpPr>
+            <p:cNvPr id="21" name="Line 5"/>
+            <p:cNvSpPr>
+              <a:spLocks noChangeShapeType="1"/>
+            </p:cNvSpPr>
+            <p:nvPr/>
+          </p:nvSpPr>
+          <p:spPr bwMode="auto">
+            <a:xfrm>
+              <a:off x="1967420" y="1334149"/>
+              <a:ext cx="0" cy="5219429"/>
+            </a:xfrm>
+            <a:prstGeom prst="line">
+              <a:avLst/>
+            </a:prstGeom>
+            <a:noFill/>
+            <a:ln w="0">
+              <a:solidFill>
+                <a:srgbClr val="C0C0C0"/>
+              </a:solidFill>
+              <a:prstDash val="solid"/>
+              <a:round/>
+            </a:ln>
+            <a:extLst>
+              <a:ext uri="{909E8E84-426E-40DD-AFC4-6F175D3DCCD1}">
+                <a14:hiddenFill xmlns:a14="http://schemas.microsoft.com/office/drawing/2010/main">
+                  <a:noFill/>
+                </a14:hiddenFill>
+              </a:ext>
+            </a:extLst>
+          </p:spPr>
+          <p:txBody>
+            <a:bodyPr vert="horz" wrap="square" lIns="91440" tIns="45720" rIns="91440" bIns="45720" numCol="1" anchor="t" anchorCtr="0" compatLnSpc="1"/>
+            <a:lstStyle/>
+            <a:p>
+              <a:endParaRPr lang="zh-CN" altLang="en-US"/>
+            </a:p>
+          </p:txBody>
+        </p:sp>
+        <p:sp>
+          <p:nvSpPr>
+            <p:cNvPr id="22" name="Line 6"/>
+            <p:cNvSpPr>
+              <a:spLocks noChangeShapeType="1"/>
+            </p:cNvSpPr>
+            <p:nvPr/>
+          </p:nvSpPr>
+          <p:spPr bwMode="auto">
+            <a:xfrm>
+              <a:off x="2730582" y="1334149"/>
+              <a:ext cx="0" cy="5219429"/>
+            </a:xfrm>
+            <a:prstGeom prst="line">
+              <a:avLst/>
+            </a:prstGeom>
+            <a:noFill/>
+            <a:ln w="0">
+              <a:solidFill>
+                <a:srgbClr val="C0C0C0"/>
+              </a:solidFill>
+              <a:prstDash val="solid"/>
+              <a:round/>
+            </a:ln>
+            <a:extLst>
+              <a:ext uri="{909E8E84-426E-40DD-AFC4-6F175D3DCCD1}">
+                <a14:hiddenFill xmlns:a14="http://schemas.microsoft.com/office/drawing/2010/main">
+                  <a:noFill/>
+                </a14:hiddenFill>
+              </a:ext>
+            </a:extLst>
+          </p:spPr>
+          <p:txBody>
+            <a:bodyPr vert="horz" wrap="square" lIns="91440" tIns="45720" rIns="91440" bIns="45720" numCol="1" anchor="t" anchorCtr="0" compatLnSpc="1"/>
+            <a:lstStyle/>
+            <a:p>
+              <a:endParaRPr lang="zh-CN" altLang="en-US"/>
+            </a:p>
+          </p:txBody>
+        </p:sp>
+        <p:sp>
+          <p:nvSpPr>
+            <p:cNvPr id="23" name="Line 7"/>
+            <p:cNvSpPr>
+              <a:spLocks noChangeShapeType="1"/>
+            </p:cNvSpPr>
+            <p:nvPr/>
+          </p:nvSpPr>
+          <p:spPr bwMode="auto">
+            <a:xfrm>
+              <a:off x="3502722" y="1334149"/>
+              <a:ext cx="0" cy="5219429"/>
+            </a:xfrm>
+            <a:prstGeom prst="line">
+              <a:avLst/>
+            </a:prstGeom>
+            <a:noFill/>
+            <a:ln w="0">
+              <a:solidFill>
+                <a:srgbClr val="C0C0C0"/>
+              </a:solidFill>
+              <a:prstDash val="solid"/>
+              <a:round/>
+            </a:ln>
+            <a:extLst>
+              <a:ext uri="{909E8E84-426E-40DD-AFC4-6F175D3DCCD1}">
+                <a14:hiddenFill xmlns:a14="http://schemas.microsoft.com/office/drawing/2010/main">
+                  <a:noFill/>
+                </a14:hiddenFill>
+              </a:ext>
+            </a:extLst>
+          </p:spPr>
+          <p:txBody>
+            <a:bodyPr vert="horz" wrap="square" lIns="91440" tIns="45720" rIns="91440" bIns="45720" numCol="1" anchor="t" anchorCtr="0" compatLnSpc="1"/>
+            <a:lstStyle/>
+            <a:p>
+              <a:endParaRPr lang="zh-CN" altLang="en-US"/>
+            </a:p>
+          </p:txBody>
+        </p:sp>
+        <p:sp>
+          <p:nvSpPr>
+            <p:cNvPr id="24" name="Line 8"/>
+            <p:cNvSpPr>
+              <a:spLocks noChangeShapeType="1"/>
+            </p:cNvSpPr>
+            <p:nvPr/>
+          </p:nvSpPr>
+          <p:spPr bwMode="auto">
+            <a:xfrm>
+              <a:off x="4274863" y="1334149"/>
+              <a:ext cx="0" cy="5219429"/>
+            </a:xfrm>
+            <a:prstGeom prst="line">
+              <a:avLst/>
+            </a:prstGeom>
+            <a:noFill/>
+            <a:ln w="0">
+              <a:solidFill>
+                <a:srgbClr val="C0C0C0"/>
+              </a:solidFill>
+              <a:prstDash val="solid"/>
+              <a:round/>
+            </a:ln>
+            <a:extLst>
+              <a:ext uri="{909E8E84-426E-40DD-AFC4-6F175D3DCCD1}">
+                <a14:hiddenFill xmlns:a14="http://schemas.microsoft.com/office/drawing/2010/main">
+                  <a:noFill/>
+                </a14:hiddenFill>
+              </a:ext>
+            </a:extLst>
+          </p:spPr>
+          <p:txBody>
+            <a:bodyPr vert="horz" wrap="square" lIns="91440" tIns="45720" rIns="91440" bIns="45720" numCol="1" anchor="t" anchorCtr="0" compatLnSpc="1"/>
+            <a:lstStyle/>
+            <a:p>
+              <a:endParaRPr lang="zh-CN" altLang="en-US"/>
+            </a:p>
+          </p:txBody>
+        </p:sp>
+        <p:sp>
+          <p:nvSpPr>
+            <p:cNvPr id="25" name="Line 9"/>
+            <p:cNvSpPr>
+              <a:spLocks noChangeShapeType="1"/>
+            </p:cNvSpPr>
+            <p:nvPr/>
+          </p:nvSpPr>
+          <p:spPr bwMode="auto">
+            <a:xfrm>
+              <a:off x="5047003" y="1334149"/>
+              <a:ext cx="0" cy="5219429"/>
+            </a:xfrm>
+            <a:prstGeom prst="line">
+              <a:avLst/>
+            </a:prstGeom>
+            <a:noFill/>
+            <a:ln w="0">
+              <a:solidFill>
+                <a:srgbClr val="C0C0C0"/>
+              </a:solidFill>
+              <a:prstDash val="solid"/>
+              <a:round/>
+            </a:ln>
+            <a:extLst>
+              <a:ext uri="{909E8E84-426E-40DD-AFC4-6F175D3DCCD1}">
+                <a14:hiddenFill xmlns:a14="http://schemas.microsoft.com/office/drawing/2010/main">
+                  <a:noFill/>
+                </a14:hiddenFill>
+              </a:ext>
+            </a:extLst>
+          </p:spPr>
+          <p:txBody>
+            <a:bodyPr vert="horz" wrap="square" lIns="91440" tIns="45720" rIns="91440" bIns="45720" numCol="1" anchor="t" anchorCtr="0" compatLnSpc="1"/>
+            <a:lstStyle/>
+            <a:p>
+              <a:endParaRPr lang="zh-CN" altLang="en-US"/>
+            </a:p>
+          </p:txBody>
+        </p:sp>
+        <p:sp>
+          <p:nvSpPr>
+            <p:cNvPr id="26" name="Line 10"/>
+            <p:cNvSpPr>
+              <a:spLocks noChangeShapeType="1"/>
+            </p:cNvSpPr>
+            <p:nvPr/>
+          </p:nvSpPr>
+          <p:spPr bwMode="auto">
+            <a:xfrm>
+              <a:off x="5819143" y="1334149"/>
+              <a:ext cx="0" cy="5219429"/>
+            </a:xfrm>
+            <a:prstGeom prst="line">
+              <a:avLst/>
+            </a:prstGeom>
+            <a:noFill/>
+            <a:ln w="0">
+              <a:solidFill>
+                <a:srgbClr val="C0C0C0"/>
+              </a:solidFill>
+              <a:prstDash val="solid"/>
+              <a:round/>
+            </a:ln>
+            <a:extLst>
+              <a:ext uri="{909E8E84-426E-40DD-AFC4-6F175D3DCCD1}">
+                <a14:hiddenFill xmlns:a14="http://schemas.microsoft.com/office/drawing/2010/main">
+                  <a:noFill/>
+                </a14:hiddenFill>
+              </a:ext>
+            </a:extLst>
+          </p:spPr>
+          <p:txBody>
+            <a:bodyPr vert="horz" wrap="square" lIns="91440" tIns="45720" rIns="91440" bIns="45720" numCol="1" anchor="t" anchorCtr="0" compatLnSpc="1"/>
+            <a:lstStyle/>
+            <a:p>
+              <a:endParaRPr lang="zh-CN" altLang="en-US"/>
+            </a:p>
+          </p:txBody>
+        </p:sp>
+        <p:sp>
+          <p:nvSpPr>
+            <p:cNvPr id="27" name="Line 11"/>
+            <p:cNvSpPr>
+              <a:spLocks noChangeShapeType="1"/>
+            </p:cNvSpPr>
+            <p:nvPr/>
+          </p:nvSpPr>
+          <p:spPr bwMode="auto">
+            <a:xfrm>
+              <a:off x="6582305" y="1334149"/>
+              <a:ext cx="0" cy="5219429"/>
+            </a:xfrm>
+            <a:prstGeom prst="line">
+              <a:avLst/>
+            </a:prstGeom>
+            <a:noFill/>
+            <a:ln w="0">
+              <a:solidFill>
+                <a:srgbClr val="C0C0C0"/>
+              </a:solidFill>
+              <a:prstDash val="solid"/>
+              <a:round/>
+            </a:ln>
+            <a:extLst>
+              <a:ext uri="{909E8E84-426E-40DD-AFC4-6F175D3DCCD1}">
+                <a14:hiddenFill xmlns:a14="http://schemas.microsoft.com/office/drawing/2010/main">
+                  <a:noFill/>
+                </a14:hiddenFill>
+              </a:ext>
+            </a:extLst>
+          </p:spPr>
+          <p:txBody>
+            <a:bodyPr vert="horz" wrap="square" lIns="91440" tIns="45720" rIns="91440" bIns="45720" numCol="1" anchor="t" anchorCtr="0" compatLnSpc="1"/>
+            <a:lstStyle/>
+            <a:p>
+              <a:endParaRPr lang="zh-CN" altLang="en-US"/>
+            </a:p>
+          </p:txBody>
+        </p:sp>
+        <p:sp>
+          <p:nvSpPr>
+            <p:cNvPr id="28" name="Line 12"/>
+            <p:cNvSpPr>
+              <a:spLocks noChangeShapeType="1"/>
+            </p:cNvSpPr>
+            <p:nvPr/>
+          </p:nvSpPr>
+          <p:spPr bwMode="auto">
+            <a:xfrm>
+              <a:off x="7354446" y="1334149"/>
+              <a:ext cx="0" cy="5219429"/>
+            </a:xfrm>
+            <a:prstGeom prst="line">
+              <a:avLst/>
+            </a:prstGeom>
+            <a:noFill/>
+            <a:ln w="0">
+              <a:solidFill>
+                <a:srgbClr val="C0C0C0"/>
+              </a:solidFill>
+              <a:prstDash val="solid"/>
+              <a:round/>
+            </a:ln>
+            <a:extLst>
+              <a:ext uri="{909E8E84-426E-40DD-AFC4-6F175D3DCCD1}">
+                <a14:hiddenFill xmlns:a14="http://schemas.microsoft.com/office/drawing/2010/main">
+                  <a:noFill/>
+                </a14:hiddenFill>
+              </a:ext>
+            </a:extLst>
+          </p:spPr>
+          <p:txBody>
+            <a:bodyPr vert="horz" wrap="square" lIns="91440" tIns="45720" rIns="91440" bIns="45720" numCol="1" anchor="t" anchorCtr="0" compatLnSpc="1"/>
+            <a:lstStyle/>
+            <a:p>
+              <a:endParaRPr lang="zh-CN" altLang="en-US"/>
+            </a:p>
+          </p:txBody>
+        </p:sp>
+        <p:sp>
+          <p:nvSpPr>
+            <p:cNvPr id="29" name="Line 13"/>
+            <p:cNvSpPr>
+              <a:spLocks noChangeShapeType="1"/>
+            </p:cNvSpPr>
+            <p:nvPr/>
+          </p:nvSpPr>
+          <p:spPr bwMode="auto">
+            <a:xfrm>
+              <a:off x="8126586" y="1334149"/>
+              <a:ext cx="0" cy="5219429"/>
+            </a:xfrm>
+            <a:prstGeom prst="line">
+              <a:avLst/>
+            </a:prstGeom>
+            <a:noFill/>
+            <a:ln w="0">
+              <a:solidFill>
+                <a:srgbClr val="C0C0C0"/>
+              </a:solidFill>
+              <a:prstDash val="solid"/>
+              <a:round/>
+            </a:ln>
+            <a:extLst>
+              <a:ext uri="{909E8E84-426E-40DD-AFC4-6F175D3DCCD1}">
+                <a14:hiddenFill xmlns:a14="http://schemas.microsoft.com/office/drawing/2010/main">
+                  <a:noFill/>
+                </a14:hiddenFill>
+              </a:ext>
+            </a:extLst>
+          </p:spPr>
+          <p:txBody>
+            <a:bodyPr vert="horz" wrap="square" lIns="91440" tIns="45720" rIns="91440" bIns="45720" numCol="1" anchor="t" anchorCtr="0" compatLnSpc="1"/>
+            <a:lstStyle/>
+            <a:p>
+              <a:endParaRPr lang="zh-CN" altLang="en-US"/>
+            </a:p>
+          </p:txBody>
+        </p:sp>
+        <p:sp>
+          <p:nvSpPr>
+            <p:cNvPr id="30" name="Line 14"/>
+            <p:cNvSpPr>
+              <a:spLocks noChangeShapeType="1"/>
+            </p:cNvSpPr>
+            <p:nvPr/>
+          </p:nvSpPr>
+          <p:spPr bwMode="auto">
+            <a:xfrm>
+              <a:off x="8898726" y="1334149"/>
+              <a:ext cx="0" cy="5219429"/>
+            </a:xfrm>
+            <a:prstGeom prst="line">
+              <a:avLst/>
+            </a:prstGeom>
+            <a:noFill/>
+            <a:ln w="0">
+              <a:solidFill>
+                <a:srgbClr val="C0C0C0"/>
+              </a:solidFill>
+              <a:prstDash val="solid"/>
+              <a:round/>
+            </a:ln>
+            <a:extLst>
+              <a:ext uri="{909E8E84-426E-40DD-AFC4-6F175D3DCCD1}">
+                <a14:hiddenFill xmlns:a14="http://schemas.microsoft.com/office/drawing/2010/main">
+                  <a:noFill/>
+                </a14:hiddenFill>
+              </a:ext>
+            </a:extLst>
+          </p:spPr>
+          <p:txBody>
+            <a:bodyPr vert="horz" wrap="square" lIns="91440" tIns="45720" rIns="91440" bIns="45720" numCol="1" anchor="t" anchorCtr="0" compatLnSpc="1"/>
+            <a:lstStyle/>
+            <a:p>
+              <a:endParaRPr lang="zh-CN" altLang="en-US"/>
+            </a:p>
+          </p:txBody>
+        </p:sp>
+        <p:sp>
+          <p:nvSpPr>
+            <p:cNvPr id="31" name="Line 15"/>
+            <p:cNvSpPr>
+              <a:spLocks noChangeShapeType="1"/>
+            </p:cNvSpPr>
+            <p:nvPr/>
+          </p:nvSpPr>
+          <p:spPr bwMode="auto">
+            <a:xfrm>
+              <a:off x="9670867" y="1334149"/>
+              <a:ext cx="0" cy="5219429"/>
+            </a:xfrm>
+            <a:prstGeom prst="line">
+              <a:avLst/>
+            </a:prstGeom>
+            <a:noFill/>
+            <a:ln w="0">
+              <a:solidFill>
+                <a:srgbClr val="C0C0C0"/>
+              </a:solidFill>
+              <a:prstDash val="solid"/>
+              <a:round/>
+            </a:ln>
+            <a:extLst>
+              <a:ext uri="{909E8E84-426E-40DD-AFC4-6F175D3DCCD1}">
+                <a14:hiddenFill xmlns:a14="http://schemas.microsoft.com/office/drawing/2010/main">
+                  <a:noFill/>
+                </a14:hiddenFill>
+              </a:ext>
+            </a:extLst>
+          </p:spPr>
+          <p:txBody>
+            <a:bodyPr vert="horz" wrap="square" lIns="91440" tIns="45720" rIns="91440" bIns="45720" numCol="1" anchor="t" anchorCtr="0" compatLnSpc="1"/>
+            <a:lstStyle/>
+            <a:p>
+              <a:endParaRPr lang="zh-CN" altLang="en-US"/>
+            </a:p>
+          </p:txBody>
+        </p:sp>
+        <p:sp>
+          <p:nvSpPr>
+            <p:cNvPr id="32" name="Line 16"/>
+            <p:cNvSpPr>
+              <a:spLocks noChangeShapeType="1"/>
+            </p:cNvSpPr>
+            <p:nvPr/>
+          </p:nvSpPr>
+          <p:spPr bwMode="auto">
+            <a:xfrm>
+              <a:off x="1356890" y="1666349"/>
+              <a:ext cx="8691068" cy="0"/>
+            </a:xfrm>
+            <a:prstGeom prst="line">
+              <a:avLst/>
+            </a:prstGeom>
+            <a:noFill/>
+            <a:ln w="0">
+              <a:solidFill>
+                <a:srgbClr val="C0C0C0"/>
+              </a:solidFill>
+              <a:prstDash val="solid"/>
+              <a:round/>
+            </a:ln>
+            <a:extLst>
+              <a:ext uri="{909E8E84-426E-40DD-AFC4-6F175D3DCCD1}">
+                <a14:hiddenFill xmlns:a14="http://schemas.microsoft.com/office/drawing/2010/main">
+                  <a:noFill/>
+                </a14:hiddenFill>
+              </a:ext>
+            </a:extLst>
+          </p:spPr>
+          <p:txBody>
+            <a:bodyPr vert="horz" wrap="square" lIns="91440" tIns="45720" rIns="91440" bIns="45720" numCol="1" anchor="t" anchorCtr="0" compatLnSpc="1"/>
+            <a:lstStyle/>
+            <a:p>
+              <a:endParaRPr lang="zh-CN" altLang="en-US"/>
+            </a:p>
+          </p:txBody>
+        </p:sp>
+        <p:sp>
+          <p:nvSpPr>
+            <p:cNvPr id="33" name="Line 17"/>
+            <p:cNvSpPr>
+              <a:spLocks noChangeShapeType="1"/>
+            </p:cNvSpPr>
+            <p:nvPr/>
+          </p:nvSpPr>
+          <p:spPr bwMode="auto">
+            <a:xfrm>
+              <a:off x="1356890" y="2438490"/>
+              <a:ext cx="8691068" cy="0"/>
+            </a:xfrm>
+            <a:prstGeom prst="line">
+              <a:avLst/>
+            </a:prstGeom>
+            <a:noFill/>
+            <a:ln w="0">
+              <a:solidFill>
+                <a:srgbClr val="C0C0C0"/>
+              </a:solidFill>
+              <a:prstDash val="solid"/>
+              <a:round/>
+            </a:ln>
+            <a:extLst>
+              <a:ext uri="{909E8E84-426E-40DD-AFC4-6F175D3DCCD1}">
+                <a14:hiddenFill xmlns:a14="http://schemas.microsoft.com/office/drawing/2010/main">
+                  <a:noFill/>
+                </a14:hiddenFill>
+              </a:ext>
+            </a:extLst>
+          </p:spPr>
+          <p:txBody>
+            <a:bodyPr vert="horz" wrap="square" lIns="91440" tIns="45720" rIns="91440" bIns="45720" numCol="1" anchor="t" anchorCtr="0" compatLnSpc="1"/>
+            <a:lstStyle/>
+            <a:p>
+              <a:endParaRPr lang="zh-CN" altLang="en-US"/>
+            </a:p>
+          </p:txBody>
+        </p:sp>
+        <p:sp>
+          <p:nvSpPr>
+            <p:cNvPr id="34" name="Line 18"/>
+            <p:cNvSpPr>
+              <a:spLocks noChangeShapeType="1"/>
+            </p:cNvSpPr>
+            <p:nvPr/>
+          </p:nvSpPr>
+          <p:spPr bwMode="auto">
+            <a:xfrm>
+              <a:off x="1356890" y="3201652"/>
+              <a:ext cx="8691068" cy="0"/>
+            </a:xfrm>
+            <a:prstGeom prst="line">
+              <a:avLst/>
+            </a:prstGeom>
+            <a:noFill/>
+            <a:ln w="0">
+              <a:solidFill>
+                <a:srgbClr val="C0C0C0"/>
+              </a:solidFill>
+              <a:prstDash val="solid"/>
+              <a:round/>
+            </a:ln>
+            <a:extLst>
+              <a:ext uri="{909E8E84-426E-40DD-AFC4-6F175D3DCCD1}">
+                <a14:hiddenFill xmlns:a14="http://schemas.microsoft.com/office/drawing/2010/main">
+                  <a:noFill/>
+                </a14:hiddenFill>
+              </a:ext>
+            </a:extLst>
+          </p:spPr>
+          <p:txBody>
+            <a:bodyPr vert="horz" wrap="square" lIns="91440" tIns="45720" rIns="91440" bIns="45720" numCol="1" anchor="t" anchorCtr="0" compatLnSpc="1"/>
+            <a:lstStyle/>
+            <a:p>
+              <a:endParaRPr lang="zh-CN" altLang="en-US"/>
+            </a:p>
+          </p:txBody>
+        </p:sp>
+        <p:sp>
+          <p:nvSpPr>
+            <p:cNvPr id="36" name="Line 19"/>
+            <p:cNvSpPr>
+              <a:spLocks noChangeShapeType="1"/>
+            </p:cNvSpPr>
+            <p:nvPr/>
+          </p:nvSpPr>
+          <p:spPr bwMode="auto">
+            <a:xfrm>
+              <a:off x="1356890" y="3973792"/>
+              <a:ext cx="8691068" cy="0"/>
+            </a:xfrm>
+            <a:prstGeom prst="line">
+              <a:avLst/>
+            </a:prstGeom>
+            <a:noFill/>
+            <a:ln w="0">
+              <a:solidFill>
+                <a:srgbClr val="C0C0C0"/>
+              </a:solidFill>
+              <a:prstDash val="solid"/>
+              <a:round/>
+            </a:ln>
+            <a:extLst>
+              <a:ext uri="{909E8E84-426E-40DD-AFC4-6F175D3DCCD1}">
+                <a14:hiddenFill xmlns:a14="http://schemas.microsoft.com/office/drawing/2010/main">
+                  <a:noFill/>
+                </a14:hiddenFill>
+              </a:ext>
+            </a:extLst>
+          </p:spPr>
+          <p:txBody>
+            <a:bodyPr vert="horz" wrap="square" lIns="91440" tIns="45720" rIns="91440" bIns="45720" numCol="1" anchor="t" anchorCtr="0" compatLnSpc="1"/>
+            <a:lstStyle/>
+            <a:p>
+              <a:endParaRPr lang="zh-CN" altLang="en-US"/>
+            </a:p>
+          </p:txBody>
+        </p:sp>
+        <p:sp>
+          <p:nvSpPr>
+            <p:cNvPr id="37" name="Line 20"/>
+            <p:cNvSpPr>
+              <a:spLocks noChangeShapeType="1"/>
+            </p:cNvSpPr>
+            <p:nvPr/>
+          </p:nvSpPr>
+          <p:spPr bwMode="auto">
+            <a:xfrm>
+              <a:off x="1356890" y="4745932"/>
+              <a:ext cx="8691068" cy="0"/>
+            </a:xfrm>
+            <a:prstGeom prst="line">
+              <a:avLst/>
+            </a:prstGeom>
+            <a:noFill/>
+            <a:ln w="0">
+              <a:solidFill>
+                <a:srgbClr val="C0C0C0"/>
+              </a:solidFill>
+              <a:prstDash val="solid"/>
+              <a:round/>
+            </a:ln>
+            <a:extLst>
+              <a:ext uri="{909E8E84-426E-40DD-AFC4-6F175D3DCCD1}">
+                <a14:hiddenFill xmlns:a14="http://schemas.microsoft.com/office/drawing/2010/main">
+                  <a:noFill/>
+                </a14:hiddenFill>
+              </a:ext>
+            </a:extLst>
+          </p:spPr>
+          <p:txBody>
+            <a:bodyPr vert="horz" wrap="square" lIns="91440" tIns="45720" rIns="91440" bIns="45720" numCol="1" anchor="t" anchorCtr="0" compatLnSpc="1"/>
+            <a:lstStyle/>
+            <a:p>
+              <a:endParaRPr lang="zh-CN" altLang="en-US"/>
+            </a:p>
+          </p:txBody>
+        </p:sp>
+        <p:sp>
+          <p:nvSpPr>
+            <p:cNvPr id="38" name="Line 21"/>
+            <p:cNvSpPr>
+              <a:spLocks noChangeShapeType="1"/>
+            </p:cNvSpPr>
+            <p:nvPr/>
+          </p:nvSpPr>
+          <p:spPr bwMode="auto">
+            <a:xfrm>
+              <a:off x="1356890" y="5518072"/>
+              <a:ext cx="8691068" cy="0"/>
+            </a:xfrm>
+            <a:prstGeom prst="line">
+              <a:avLst/>
+            </a:prstGeom>
+            <a:noFill/>
+            <a:ln w="0">
+              <a:solidFill>
+                <a:srgbClr val="C0C0C0"/>
+              </a:solidFill>
+              <a:prstDash val="solid"/>
+              <a:round/>
+            </a:ln>
+            <a:extLst>
+              <a:ext uri="{909E8E84-426E-40DD-AFC4-6F175D3DCCD1}">
+                <a14:hiddenFill xmlns:a14="http://schemas.microsoft.com/office/drawing/2010/main">
+                  <a:noFill/>
+                </a14:hiddenFill>
+              </a:ext>
+            </a:extLst>
+          </p:spPr>
+          <p:txBody>
+            <a:bodyPr vert="horz" wrap="square" lIns="91440" tIns="45720" rIns="91440" bIns="45720" numCol="1" anchor="t" anchorCtr="0" compatLnSpc="1"/>
+            <a:lstStyle/>
+            <a:p>
+              <a:endParaRPr lang="zh-CN" altLang="en-US"/>
+            </a:p>
+          </p:txBody>
+        </p:sp>
+        <p:sp>
+          <p:nvSpPr>
+            <p:cNvPr id="39" name="Line 22"/>
+            <p:cNvSpPr>
+              <a:spLocks noChangeShapeType="1"/>
+            </p:cNvSpPr>
+            <p:nvPr/>
+          </p:nvSpPr>
+          <p:spPr bwMode="auto">
+            <a:xfrm>
+              <a:off x="1356890" y="6290213"/>
+              <a:ext cx="8691068" cy="0"/>
+            </a:xfrm>
+            <a:prstGeom prst="line">
+              <a:avLst/>
+            </a:prstGeom>
+            <a:noFill/>
+            <a:ln w="0">
+              <a:solidFill>
+                <a:srgbClr val="C0C0C0"/>
+              </a:solidFill>
+              <a:prstDash val="solid"/>
+              <a:round/>
+            </a:ln>
+            <a:extLst>
+              <a:ext uri="{909E8E84-426E-40DD-AFC4-6F175D3DCCD1}">
+                <a14:hiddenFill xmlns:a14="http://schemas.microsoft.com/office/drawing/2010/main">
+                  <a:noFill/>
+                </a14:hiddenFill>
+              </a:ext>
+            </a:extLst>
+          </p:spPr>
+          <p:txBody>
+            <a:bodyPr vert="horz" wrap="square" lIns="91440" tIns="45720" rIns="91440" bIns="45720" numCol="1" anchor="t" anchorCtr="0" compatLnSpc="1"/>
+            <a:lstStyle/>
+            <a:p>
+              <a:endParaRPr lang="zh-CN" altLang="en-US"/>
+            </a:p>
+          </p:txBody>
+        </p:sp>
+      </p:grpSp>
+      <p:sp>
+        <p:nvSpPr>
+          <p:cNvPr id="57" name="Line 24"/>
+          <p:cNvSpPr>
+            <a:spLocks noChangeShapeType="1"/>
+          </p:cNvSpPr>
+          <p:nvPr/>
+        </p:nvSpPr>
+        <p:spPr bwMode="auto">
+          <a:xfrm flipV="1">
+            <a:off x="5503588" y="1079514"/>
+            <a:ext cx="0" cy="4956063"/>
+          </a:xfrm>
+          <a:prstGeom prst="line">
+            <a:avLst/>
+          </a:prstGeom>
+          <a:noFill/>
+          <a:ln w="28575">
+            <a:solidFill>
+              <a:srgbClr val="000080"/>
+            </a:solidFill>
+            <a:prstDash val="solid"/>
+            <a:round/>
+          </a:ln>
+          <a:extLst>
+            <a:ext uri="{909E8E84-426E-40DD-AFC4-6F175D3DCCD1}">
+              <a14:hiddenFill xmlns:a14="http://schemas.microsoft.com/office/drawing/2010/main">
+                <a:noFill/>
+              </a14:hiddenFill>
+            </a:ext>
+          </a:extLst>
+        </p:spPr>
+        <p:txBody>
+          <a:bodyPr vert="horz" wrap="square" lIns="91440" tIns="45720" rIns="91440" bIns="45720" numCol="1" anchor="t" anchorCtr="0" compatLnSpc="1"/>
+          <a:lstStyle/>
+          <a:p>
+            <a:endParaRPr lang="zh-CN" altLang="en-US"/>
+          </a:p>
+        </p:txBody>
+      </p:sp>
+      <p:sp>
+        <p:nvSpPr>
+          <p:cNvPr id="58" name="Line 25"/>
+          <p:cNvSpPr>
+            <a:spLocks noChangeShapeType="1"/>
+          </p:cNvSpPr>
+          <p:nvPr/>
+        </p:nvSpPr>
+        <p:spPr bwMode="auto">
+          <a:xfrm>
+            <a:off x="5467674" y="1411714"/>
+            <a:ext cx="80805" cy="0"/>
+          </a:xfrm>
+          <a:prstGeom prst="line">
+            <a:avLst/>
+          </a:prstGeom>
+          <a:noFill/>
+          <a:ln w="9525">
+            <a:solidFill>
+              <a:srgbClr val="000080"/>
+            </a:solidFill>
+            <a:prstDash val="solid"/>
+            <a:round/>
+          </a:ln>
+          <a:extLst>
+            <a:ext uri="{909E8E84-426E-40DD-AFC4-6F175D3DCCD1}">
+              <a14:hiddenFill xmlns:a14="http://schemas.microsoft.com/office/drawing/2010/main">
+                <a:noFill/>
+              </a14:hiddenFill>
+            </a:ext>
+          </a:extLst>
+        </p:spPr>
+        <p:txBody>
+          <a:bodyPr vert="horz" wrap="square" lIns="91440" tIns="45720" rIns="91440" bIns="45720" numCol="1" anchor="t" anchorCtr="0" compatLnSpc="1"/>
+          <a:lstStyle/>
+          <a:p>
+            <a:endParaRPr lang="zh-CN" altLang="en-US"/>
+          </a:p>
+        </p:txBody>
+      </p:sp>
+      <p:sp>
+        <p:nvSpPr>
+          <p:cNvPr id="60" name="Line 27"/>
+          <p:cNvSpPr>
+            <a:spLocks noChangeShapeType="1"/>
+          </p:cNvSpPr>
+          <p:nvPr/>
+        </p:nvSpPr>
+        <p:spPr bwMode="auto">
+          <a:xfrm>
+            <a:off x="5467674" y="1797784"/>
+            <a:ext cx="80805" cy="0"/>
+          </a:xfrm>
+          <a:prstGeom prst="line">
+            <a:avLst/>
+          </a:prstGeom>
+          <a:noFill/>
+          <a:ln w="9525">
+            <a:solidFill>
+              <a:srgbClr val="000080"/>
+            </a:solidFill>
+            <a:prstDash val="solid"/>
+            <a:round/>
+          </a:ln>
+          <a:extLst>
+            <a:ext uri="{909E8E84-426E-40DD-AFC4-6F175D3DCCD1}">
+              <a14:hiddenFill xmlns:a14="http://schemas.microsoft.com/office/drawing/2010/main">
+                <a:noFill/>
+              </a14:hiddenFill>
+            </a:ext>
+          </a:extLst>
+        </p:spPr>
+        <p:txBody>
+          <a:bodyPr vert="horz" wrap="square" lIns="91440" tIns="45720" rIns="91440" bIns="45720" numCol="1" anchor="t" anchorCtr="0" compatLnSpc="1"/>
+          <a:lstStyle/>
+          <a:p>
+            <a:endParaRPr lang="zh-CN" altLang="en-US"/>
+          </a:p>
+        </p:txBody>
+      </p:sp>
+      <p:sp>
+        <p:nvSpPr>
+          <p:cNvPr id="61" name="Line 28"/>
+          <p:cNvSpPr>
+            <a:spLocks noChangeShapeType="1"/>
+          </p:cNvSpPr>
+          <p:nvPr/>
+        </p:nvSpPr>
+        <p:spPr bwMode="auto">
+          <a:xfrm>
+            <a:off x="5467674" y="2183855"/>
+            <a:ext cx="80805" cy="0"/>
+          </a:xfrm>
+          <a:prstGeom prst="line">
+            <a:avLst/>
+          </a:prstGeom>
+          <a:noFill/>
+          <a:ln w="9525">
+            <a:solidFill>
+              <a:srgbClr val="000080"/>
+            </a:solidFill>
+            <a:prstDash val="solid"/>
+            <a:round/>
+          </a:ln>
+          <a:extLst>
+            <a:ext uri="{909E8E84-426E-40DD-AFC4-6F175D3DCCD1}">
+              <a14:hiddenFill xmlns:a14="http://schemas.microsoft.com/office/drawing/2010/main">
+                <a:noFill/>
+              </a14:hiddenFill>
+            </a:ext>
+          </a:extLst>
+        </p:spPr>
+        <p:txBody>
+          <a:bodyPr vert="horz" wrap="square" lIns="91440" tIns="45720" rIns="91440" bIns="45720" numCol="1" anchor="t" anchorCtr="0" compatLnSpc="1"/>
+          <a:lstStyle/>
+          <a:p>
+            <a:endParaRPr lang="zh-CN" altLang="en-US"/>
+          </a:p>
+        </p:txBody>
+      </p:sp>
+      <p:sp>
+        <p:nvSpPr>
+          <p:cNvPr id="63" name="Line 30"/>
+          <p:cNvSpPr>
+            <a:spLocks noChangeShapeType="1"/>
+          </p:cNvSpPr>
+          <p:nvPr/>
+        </p:nvSpPr>
+        <p:spPr bwMode="auto">
+          <a:xfrm>
+            <a:off x="5467674" y="2569925"/>
+            <a:ext cx="80805" cy="0"/>
+          </a:xfrm>
+          <a:prstGeom prst="line">
+            <a:avLst/>
+          </a:prstGeom>
+          <a:noFill/>
+          <a:ln w="9525">
+            <a:solidFill>
+              <a:srgbClr val="000080"/>
+            </a:solidFill>
+            <a:prstDash val="solid"/>
+            <a:round/>
+          </a:ln>
+          <a:extLst>
+            <a:ext uri="{909E8E84-426E-40DD-AFC4-6F175D3DCCD1}">
+              <a14:hiddenFill xmlns:a14="http://schemas.microsoft.com/office/drawing/2010/main">
+                <a:noFill/>
+              </a14:hiddenFill>
+            </a:ext>
+          </a:extLst>
+        </p:spPr>
+        <p:txBody>
+          <a:bodyPr vert="horz" wrap="square" lIns="91440" tIns="45720" rIns="91440" bIns="45720" numCol="1" anchor="t" anchorCtr="0" compatLnSpc="1"/>
+          <a:lstStyle/>
+          <a:p>
+            <a:endParaRPr lang="zh-CN" altLang="en-US"/>
+          </a:p>
+        </p:txBody>
+      </p:sp>
+      <p:sp>
+        <p:nvSpPr>
+          <p:cNvPr id="10240" name="Line 31"/>
+          <p:cNvSpPr>
+            <a:spLocks noChangeShapeType="1"/>
+          </p:cNvSpPr>
+          <p:nvPr/>
+        </p:nvSpPr>
+        <p:spPr bwMode="auto">
+          <a:xfrm>
+            <a:off x="5467674" y="2947017"/>
+            <a:ext cx="80805" cy="0"/>
+          </a:xfrm>
+          <a:prstGeom prst="line">
+            <a:avLst/>
+          </a:prstGeom>
+          <a:noFill/>
+          <a:ln w="9525">
+            <a:solidFill>
+              <a:srgbClr val="000080"/>
+            </a:solidFill>
+            <a:prstDash val="solid"/>
+            <a:round/>
+          </a:ln>
+          <a:extLst>
+            <a:ext uri="{909E8E84-426E-40DD-AFC4-6F175D3DCCD1}">
+              <a14:hiddenFill xmlns:a14="http://schemas.microsoft.com/office/drawing/2010/main">
+                <a:noFill/>
+              </a14:hiddenFill>
+            </a:ext>
+          </a:extLst>
+        </p:spPr>
+        <p:txBody>
+          <a:bodyPr vert="horz" wrap="square" lIns="91440" tIns="45720" rIns="91440" bIns="45720" numCol="1" anchor="t" anchorCtr="0" compatLnSpc="1"/>
+          <a:lstStyle/>
+          <a:p>
+            <a:endParaRPr lang="zh-CN" altLang="en-US"/>
+          </a:p>
+        </p:txBody>
+      </p:sp>
+      <p:sp>
+        <p:nvSpPr>
+          <p:cNvPr id="10242" name="Line 33"/>
+          <p:cNvSpPr>
+            <a:spLocks noChangeShapeType="1"/>
+          </p:cNvSpPr>
+          <p:nvPr/>
+        </p:nvSpPr>
+        <p:spPr bwMode="auto">
+          <a:xfrm>
+            <a:off x="5467674" y="3333087"/>
+            <a:ext cx="80805" cy="0"/>
+          </a:xfrm>
+          <a:prstGeom prst="line">
+            <a:avLst/>
+          </a:prstGeom>
+          <a:noFill/>
+          <a:ln w="9525">
+            <a:solidFill>
+              <a:srgbClr val="000080"/>
+            </a:solidFill>
+            <a:prstDash val="solid"/>
+            <a:round/>
+          </a:ln>
+          <a:extLst>
+            <a:ext uri="{909E8E84-426E-40DD-AFC4-6F175D3DCCD1}">
+              <a14:hiddenFill xmlns:a14="http://schemas.microsoft.com/office/drawing/2010/main">
+                <a:noFill/>
+              </a14:hiddenFill>
+            </a:ext>
+          </a:extLst>
+        </p:spPr>
+        <p:txBody>
+          <a:bodyPr vert="horz" wrap="square" lIns="91440" tIns="45720" rIns="91440" bIns="45720" numCol="1" anchor="t" anchorCtr="0" compatLnSpc="1"/>
+          <a:lstStyle/>
+          <a:p>
+            <a:endParaRPr lang="zh-CN" altLang="en-US"/>
+          </a:p>
+        </p:txBody>
+      </p:sp>
+      <p:sp>
+        <p:nvSpPr>
+          <p:cNvPr id="10243" name="Line 34"/>
+          <p:cNvSpPr>
+            <a:spLocks noChangeShapeType="1"/>
+          </p:cNvSpPr>
+          <p:nvPr/>
+        </p:nvSpPr>
+        <p:spPr bwMode="auto">
+          <a:xfrm>
+            <a:off x="5467674" y="3719157"/>
+            <a:ext cx="80805" cy="0"/>
+          </a:xfrm>
+          <a:prstGeom prst="line">
+            <a:avLst/>
+          </a:prstGeom>
+          <a:noFill/>
+          <a:ln w="9525">
+            <a:solidFill>
+              <a:srgbClr val="000080"/>
+            </a:solidFill>
+            <a:prstDash val="solid"/>
+            <a:round/>
+          </a:ln>
+          <a:extLst>
+            <a:ext uri="{909E8E84-426E-40DD-AFC4-6F175D3DCCD1}">
+              <a14:hiddenFill xmlns:a14="http://schemas.microsoft.com/office/drawing/2010/main">
+                <a:noFill/>
+              </a14:hiddenFill>
+            </a:ext>
+          </a:extLst>
+        </p:spPr>
+        <p:txBody>
+          <a:bodyPr vert="horz" wrap="square" lIns="91440" tIns="45720" rIns="91440" bIns="45720" numCol="1" anchor="t" anchorCtr="0" compatLnSpc="1"/>
+          <a:lstStyle/>
+          <a:p>
+            <a:endParaRPr lang="zh-CN" altLang="en-US"/>
+          </a:p>
+        </p:txBody>
+      </p:sp>
+      <p:sp>
+        <p:nvSpPr>
+          <p:cNvPr id="10245" name="Line 36"/>
+          <p:cNvSpPr>
+            <a:spLocks noChangeShapeType="1"/>
+          </p:cNvSpPr>
+          <p:nvPr/>
+        </p:nvSpPr>
+        <p:spPr bwMode="auto">
+          <a:xfrm>
+            <a:off x="5467674" y="4105227"/>
+            <a:ext cx="80805" cy="0"/>
+          </a:xfrm>
+          <a:prstGeom prst="line">
+            <a:avLst/>
+          </a:prstGeom>
+          <a:noFill/>
+          <a:ln w="9525">
+            <a:solidFill>
+              <a:srgbClr val="000080"/>
+            </a:solidFill>
+            <a:prstDash val="solid"/>
+            <a:round/>
+          </a:ln>
+          <a:extLst>
+            <a:ext uri="{909E8E84-426E-40DD-AFC4-6F175D3DCCD1}">
+              <a14:hiddenFill xmlns:a14="http://schemas.microsoft.com/office/drawing/2010/main">
+                <a:noFill/>
+              </a14:hiddenFill>
+            </a:ext>
+          </a:extLst>
+        </p:spPr>
+        <p:txBody>
+          <a:bodyPr vert="horz" wrap="square" lIns="91440" tIns="45720" rIns="91440" bIns="45720" numCol="1" anchor="t" anchorCtr="0" compatLnSpc="1"/>
+          <a:lstStyle/>
+          <a:p>
+            <a:endParaRPr lang="zh-CN" altLang="en-US"/>
+          </a:p>
+        </p:txBody>
+      </p:sp>
+      <p:sp>
+        <p:nvSpPr>
+          <p:cNvPr id="10246" name="Line 37"/>
+          <p:cNvSpPr>
+            <a:spLocks noChangeShapeType="1"/>
+          </p:cNvSpPr>
+          <p:nvPr/>
+        </p:nvSpPr>
+        <p:spPr bwMode="auto">
+          <a:xfrm>
+            <a:off x="5467674" y="4491297"/>
+            <a:ext cx="80805" cy="0"/>
+          </a:xfrm>
+          <a:prstGeom prst="line">
+            <a:avLst/>
+          </a:prstGeom>
+          <a:noFill/>
+          <a:ln w="9525">
+            <a:solidFill>
+              <a:srgbClr val="000080"/>
+            </a:solidFill>
+            <a:prstDash val="solid"/>
+            <a:round/>
+          </a:ln>
+          <a:extLst>
+            <a:ext uri="{909E8E84-426E-40DD-AFC4-6F175D3DCCD1}">
+              <a14:hiddenFill xmlns:a14="http://schemas.microsoft.com/office/drawing/2010/main">
+                <a:noFill/>
+              </a14:hiddenFill>
+            </a:ext>
+          </a:extLst>
+        </p:spPr>
+        <p:txBody>
+          <a:bodyPr vert="horz" wrap="square" lIns="91440" tIns="45720" rIns="91440" bIns="45720" numCol="1" anchor="t" anchorCtr="0" compatLnSpc="1"/>
+          <a:lstStyle/>
+          <a:p>
+            <a:endParaRPr lang="zh-CN" altLang="en-US"/>
+          </a:p>
+        </p:txBody>
+      </p:sp>
+      <p:sp>
+        <p:nvSpPr>
+          <p:cNvPr id="10247" name="Line 38"/>
+          <p:cNvSpPr>
+            <a:spLocks noChangeShapeType="1"/>
+          </p:cNvSpPr>
+          <p:nvPr/>
+        </p:nvSpPr>
+        <p:spPr bwMode="auto">
+          <a:xfrm>
+            <a:off x="5467674" y="4877367"/>
+            <a:ext cx="80805" cy="0"/>
+          </a:xfrm>
+          <a:prstGeom prst="line">
+            <a:avLst/>
+          </a:prstGeom>
+          <a:noFill/>
+          <a:ln w="9525">
+            <a:solidFill>
+              <a:srgbClr val="000080"/>
+            </a:solidFill>
+            <a:prstDash val="solid"/>
+            <a:round/>
+          </a:ln>
+          <a:extLst>
+            <a:ext uri="{909E8E84-426E-40DD-AFC4-6F175D3DCCD1}">
+              <a14:hiddenFill xmlns:a14="http://schemas.microsoft.com/office/drawing/2010/main">
+                <a:noFill/>
+              </a14:hiddenFill>
+            </a:ext>
+          </a:extLst>
+        </p:spPr>
+        <p:txBody>
+          <a:bodyPr vert="horz" wrap="square" lIns="91440" tIns="45720" rIns="91440" bIns="45720" numCol="1" anchor="t" anchorCtr="0" compatLnSpc="1"/>
+          <a:lstStyle/>
+          <a:p>
+            <a:endParaRPr lang="zh-CN" altLang="en-US"/>
+          </a:p>
+        </p:txBody>
+      </p:sp>
+      <p:sp>
+        <p:nvSpPr>
+          <p:cNvPr id="10248" name="Line 39"/>
+          <p:cNvSpPr>
+            <a:spLocks noChangeShapeType="1"/>
+          </p:cNvSpPr>
+          <p:nvPr/>
+        </p:nvSpPr>
+        <p:spPr bwMode="auto">
+          <a:xfrm>
+            <a:off x="5467674" y="5263437"/>
+            <a:ext cx="80805" cy="0"/>
+          </a:xfrm>
+          <a:prstGeom prst="line">
+            <a:avLst/>
+          </a:prstGeom>
+          <a:noFill/>
+          <a:ln w="9525">
+            <a:solidFill>
+              <a:srgbClr val="000080"/>
+            </a:solidFill>
+            <a:prstDash val="solid"/>
+            <a:round/>
+          </a:ln>
+          <a:extLst>
+            <a:ext uri="{909E8E84-426E-40DD-AFC4-6F175D3DCCD1}">
+              <a14:hiddenFill xmlns:a14="http://schemas.microsoft.com/office/drawing/2010/main">
+                <a:noFill/>
+              </a14:hiddenFill>
+            </a:ext>
+          </a:extLst>
+        </p:spPr>
+        <p:txBody>
+          <a:bodyPr vert="horz" wrap="square" lIns="91440" tIns="45720" rIns="91440" bIns="45720" numCol="1" anchor="t" anchorCtr="0" compatLnSpc="1"/>
+          <a:lstStyle/>
+          <a:p>
+            <a:endParaRPr lang="zh-CN" altLang="en-US"/>
+          </a:p>
+        </p:txBody>
+      </p:sp>
+      <p:sp>
+        <p:nvSpPr>
+          <p:cNvPr id="10249" name="Rectangle 40"/>
+          <p:cNvSpPr>
+            <a:spLocks noChangeArrowheads="1"/>
+          </p:cNvSpPr>
+          <p:nvPr/>
+        </p:nvSpPr>
+        <p:spPr bwMode="auto">
+          <a:xfrm>
+            <a:off x="5368912" y="5209567"/>
+            <a:ext cx="134676" cy="152632"/>
+          </a:xfrm>
+          <a:prstGeom prst="rect">
+            <a:avLst/>
+          </a:prstGeom>
+          <a:noFill/>
+          <a:ln>
+            <a:noFill/>
+          </a:ln>
+          <a:extLst>
+            <a:ext uri="{909E8E84-426E-40DD-AFC4-6F175D3DCCD1}">
+              <a14:hiddenFill xmlns:a14="http://schemas.microsoft.com/office/drawing/2010/main">
+                <a:solidFill>
+                  <a:srgbClr val="FFFFFF"/>
+                </a:solidFill>
+              </a14:hiddenFill>
+            </a:ext>
+            <a:ext uri="{91240B29-F687-4F45-9708-019B960494DF}">
+              <a14:hiddenLine xmlns:a14="http://schemas.microsoft.com/office/drawing/2010/main" w="9525">
+                <a:solidFill>
+                  <a:srgbClr val="000000"/>
+                </a:solidFill>
+                <a:miter lim="800000"/>
+                <a:headEnd/>
+                <a:tailEnd/>
+              </a14:hiddenLine>
+            </a:ext>
+          </a:extLst>
+        </p:spPr>
+        <p:txBody>
+          <a:bodyPr vert="horz" wrap="none" lIns="0" tIns="0" rIns="0" bIns="0" numCol="1" anchor="t" anchorCtr="0" compatLnSpc="1">
+            <a:spAutoFit/>
+          </a:bodyPr>
+          <a:lstStyle>
+            <a:lvl1pPr eaLnBrk="0" fontAlgn="base" hangingPunct="0">
+              <a:spcBef>
+                <a:spcPct val="0"/>
+              </a:spcBef>
+              <a:spcAft>
+                <a:spcPct val="0"/>
+              </a:spcAft>
+              <a:defRPr>
+                <a:solidFill>
+                  <a:schemeClr val="tx1"/>
+                </a:solidFill>
+                <a:latin typeface="Arial" panose="020B0604020202090204" pitchFamily="34" charset="0"/>
+              </a:defRPr>
+            </a:lvl1pPr>
+            <a:lvl2pPr eaLnBrk="0" fontAlgn="base" hangingPunct="0">
+              <a:spcBef>
+                <a:spcPct val="0"/>
+              </a:spcBef>
+              <a:spcAft>
+                <a:spcPct val="0"/>
+              </a:spcAft>
+              <a:defRPr>
+                <a:solidFill>
+                  <a:schemeClr val="tx1"/>
+                </a:solidFill>
+                <a:latin typeface="Arial" panose="020B0604020202090204" pitchFamily="34" charset="0"/>
+              </a:defRPr>
+            </a:lvl2pPr>
+            <a:lvl3pPr eaLnBrk="0" fontAlgn="base" hangingPunct="0">
+              <a:spcBef>
+                <a:spcPct val="0"/>
+              </a:spcBef>
+              <a:spcAft>
+                <a:spcPct val="0"/>
+              </a:spcAft>
+              <a:defRPr>
+                <a:solidFill>
+                  <a:schemeClr val="tx1"/>
+                </a:solidFill>
+                <a:latin typeface="Arial" panose="020B0604020202090204" pitchFamily="34" charset="0"/>
+              </a:defRPr>
+            </a:lvl3pPr>
+            <a:lvl4pPr eaLnBrk="0" fontAlgn="base" hangingPunct="0">
+              <a:spcBef>
+                <a:spcPct val="0"/>
+              </a:spcBef>
+              <a:spcAft>
+                <a:spcPct val="0"/>
+              </a:spcAft>
+              <a:defRPr>
+                <a:solidFill>
+                  <a:schemeClr val="tx1"/>
+                </a:solidFill>
+                <a:latin typeface="Arial" panose="020B0604020202090204" pitchFamily="34" charset="0"/>
+              </a:defRPr>
+            </a:lvl4pPr>
+            <a:lvl5pPr eaLnBrk="0" fontAlgn="base" hangingPunct="0">
+              <a:spcBef>
+                <a:spcPct val="0"/>
+              </a:spcBef>
+              <a:spcAft>
+                <a:spcPct val="0"/>
+              </a:spcAft>
+              <a:defRPr>
+                <a:solidFill>
+                  <a:schemeClr val="tx1"/>
+                </a:solidFill>
+                <a:latin typeface="Arial" panose="020B0604020202090204" pitchFamily="34" charset="0"/>
+              </a:defRPr>
+            </a:lvl5pPr>
+            <a:lvl6pPr eaLnBrk="0" fontAlgn="base" hangingPunct="0">
+              <a:spcBef>
+                <a:spcPct val="0"/>
+              </a:spcBef>
+              <a:spcAft>
+                <a:spcPct val="0"/>
+              </a:spcAft>
+              <a:defRPr>
+                <a:solidFill>
+                  <a:schemeClr val="tx1"/>
+                </a:solidFill>
+                <a:latin typeface="Arial" panose="020B0604020202090204" pitchFamily="34" charset="0"/>
+              </a:defRPr>
+            </a:lvl6pPr>
+            <a:lvl7pPr eaLnBrk="0" fontAlgn="base" hangingPunct="0">
+              <a:spcBef>
+                <a:spcPct val="0"/>
+              </a:spcBef>
+              <a:spcAft>
+                <a:spcPct val="0"/>
+              </a:spcAft>
+              <a:defRPr>
+                <a:solidFill>
+                  <a:schemeClr val="tx1"/>
+                </a:solidFill>
+                <a:latin typeface="Arial" panose="020B0604020202090204" pitchFamily="34" charset="0"/>
+              </a:defRPr>
+            </a:lvl7pPr>
+            <a:lvl8pPr eaLnBrk="0" fontAlgn="base" hangingPunct="0">
+              <a:spcBef>
+                <a:spcPct val="0"/>
+              </a:spcBef>
+              <a:spcAft>
+                <a:spcPct val="0"/>
+              </a:spcAft>
+              <a:defRPr>
+                <a:solidFill>
+                  <a:schemeClr val="tx1"/>
+                </a:solidFill>
+                <a:latin typeface="Arial" panose="020B0604020202090204" pitchFamily="34" charset="0"/>
+              </a:defRPr>
+            </a:lvl8pPr>
+            <a:lvl9pPr eaLnBrk="0" fontAlgn="base" hangingPunct="0">
+              <a:spcBef>
+                <a:spcPct val="0"/>
+              </a:spcBef>
+              <a:spcAft>
+                <a:spcPct val="0"/>
+              </a:spcAft>
+              <a:defRPr>
+                <a:solidFill>
+                  <a:schemeClr val="tx1"/>
+                </a:solidFill>
+                <a:latin typeface="Arial" panose="020B0604020202090204" pitchFamily="34" charset="0"/>
+              </a:defRPr>
+            </a:lvl9pPr>
+          </a:lstStyle>
+          <a:p>
+            <a:pPr marL="0" marR="0" lvl="0" indent="0" algn="l" defTabSz="914400" rtl="0" eaLnBrk="0" fontAlgn="base" latinLnBrk="0" hangingPunct="0">
+              <a:lnSpc>
+                <a:spcPct val="100000"/>
+              </a:lnSpc>
+              <a:spcBef>
+                <a:spcPct val="0"/>
+              </a:spcBef>
+              <a:spcAft>
+                <a:spcPct val="0"/>
+              </a:spcAft>
+              <a:buClrTx/>
+              <a:buSzTx/>
+              <a:buFontTx/>
+              <a:buNone/>
+            </a:pPr>
+            <a:r>
+              <a:rPr kumimoji="0" lang="zh-CN" altLang="zh-CN" sz="800" b="0" i="0" u="none" strike="noStrike" cap="none" normalizeH="0" baseline="0">
+                <a:ln>
+                  <a:noFill/>
+                </a:ln>
+                <a:solidFill>
+                  <a:srgbClr val="000080"/>
+                </a:solidFill>
+                <a:effectLst/>
+              </a:rPr>
+              <a:t>-1</a:t>
+            </a:r>
+            <a:endParaRPr kumimoji="0" lang="zh-CN" altLang="zh-CN" sz="1800" b="0" i="0" u="none" strike="noStrike" cap="none" normalizeH="0" baseline="0">
+              <a:ln>
+                <a:noFill/>
+              </a:ln>
+              <a:solidFill>
+                <a:schemeClr val="tx1"/>
+              </a:solidFill>
+              <a:effectLst/>
+              <a:latin typeface="Arial" panose="020B0604020202090204" pitchFamily="34" charset="0"/>
+            </a:endParaRPr>
+          </a:p>
+        </p:txBody>
+      </p:sp>
+      <p:sp>
+        <p:nvSpPr>
+          <p:cNvPr id="10250" name="Line 41"/>
+          <p:cNvSpPr>
+            <a:spLocks noChangeShapeType="1"/>
+          </p:cNvSpPr>
+          <p:nvPr/>
+        </p:nvSpPr>
+        <p:spPr bwMode="auto">
+          <a:xfrm>
+            <a:off x="5467674" y="5649508"/>
+            <a:ext cx="80805" cy="0"/>
+          </a:xfrm>
+          <a:prstGeom prst="line">
+            <a:avLst/>
+          </a:prstGeom>
+          <a:noFill/>
+          <a:ln w="9525">
+            <a:solidFill>
+              <a:srgbClr val="000080"/>
+            </a:solidFill>
+            <a:prstDash val="solid"/>
+            <a:round/>
+          </a:ln>
+          <a:extLst>
+            <a:ext uri="{909E8E84-426E-40DD-AFC4-6F175D3DCCD1}">
+              <a14:hiddenFill xmlns:a14="http://schemas.microsoft.com/office/drawing/2010/main">
+                <a:noFill/>
+              </a14:hiddenFill>
+            </a:ext>
+          </a:extLst>
+        </p:spPr>
+        <p:txBody>
+          <a:bodyPr vert="horz" wrap="square" lIns="91440" tIns="45720" rIns="91440" bIns="45720" numCol="1" anchor="t" anchorCtr="0" compatLnSpc="1"/>
+          <a:lstStyle/>
+          <a:p>
+            <a:endParaRPr lang="zh-CN" altLang="en-US"/>
+          </a:p>
+        </p:txBody>
+      </p:sp>
+      <p:sp>
+        <p:nvSpPr>
+          <p:cNvPr id="10266" name="Line 47"/>
+          <p:cNvSpPr>
+            <a:spLocks noChangeShapeType="1"/>
+          </p:cNvSpPr>
+          <p:nvPr/>
+        </p:nvSpPr>
+        <p:spPr bwMode="auto">
+          <a:xfrm>
+            <a:off x="3582215" y="4491297"/>
+            <a:ext cx="6545236" cy="0"/>
+          </a:xfrm>
+          <a:prstGeom prst="line">
+            <a:avLst/>
+          </a:prstGeom>
+          <a:noFill/>
+          <a:ln w="28575">
+            <a:solidFill>
+              <a:srgbClr val="000080"/>
+            </a:solidFill>
+            <a:prstDash val="solid"/>
+            <a:round/>
+          </a:ln>
+          <a:extLst>
+            <a:ext uri="{909E8E84-426E-40DD-AFC4-6F175D3DCCD1}">
+              <a14:hiddenFill xmlns:a14="http://schemas.microsoft.com/office/drawing/2010/main">
+                <a:noFill/>
+              </a14:hiddenFill>
+            </a:ext>
+          </a:extLst>
+        </p:spPr>
+        <p:txBody>
+          <a:bodyPr vert="horz" wrap="square" lIns="91440" tIns="45720" rIns="91440" bIns="45720" numCol="1" anchor="t" anchorCtr="0" compatLnSpc="1"/>
+          <a:lstStyle/>
+          <a:p>
+            <a:endParaRPr lang="zh-CN" altLang="en-US"/>
+          </a:p>
+        </p:txBody>
+      </p:sp>
+      <p:sp>
+        <p:nvSpPr>
+          <p:cNvPr id="10270" name="Line 51"/>
+          <p:cNvSpPr>
+            <a:spLocks noChangeShapeType="1"/>
+          </p:cNvSpPr>
+          <p:nvPr/>
+        </p:nvSpPr>
+        <p:spPr bwMode="auto">
+          <a:xfrm>
+            <a:off x="3959307" y="4455384"/>
+            <a:ext cx="0" cy="80805"/>
+          </a:xfrm>
+          <a:prstGeom prst="line">
+            <a:avLst/>
+          </a:prstGeom>
+          <a:noFill/>
+          <a:ln w="9525">
+            <a:solidFill>
+              <a:srgbClr val="000080"/>
+            </a:solidFill>
+            <a:prstDash val="solid"/>
+            <a:round/>
+          </a:ln>
+          <a:extLst>
+            <a:ext uri="{909E8E84-426E-40DD-AFC4-6F175D3DCCD1}">
+              <a14:hiddenFill xmlns:a14="http://schemas.microsoft.com/office/drawing/2010/main">
+                <a:noFill/>
+              </a14:hiddenFill>
+            </a:ext>
+          </a:extLst>
+        </p:spPr>
+        <p:txBody>
+          <a:bodyPr vert="horz" wrap="square" lIns="91440" tIns="45720" rIns="91440" bIns="45720" numCol="1" anchor="t" anchorCtr="0" compatLnSpc="1"/>
+          <a:lstStyle/>
+          <a:p>
+            <a:endParaRPr lang="zh-CN" altLang="en-US"/>
+          </a:p>
+        </p:txBody>
+      </p:sp>
+      <p:sp>
+        <p:nvSpPr>
+          <p:cNvPr id="10271" name="Rectangle 52"/>
+          <p:cNvSpPr>
+            <a:spLocks noChangeArrowheads="1"/>
+          </p:cNvSpPr>
+          <p:nvPr/>
+        </p:nvSpPr>
+        <p:spPr bwMode="auto">
+          <a:xfrm>
+            <a:off x="3923393" y="4554146"/>
+            <a:ext cx="134676" cy="152632"/>
+          </a:xfrm>
+          <a:prstGeom prst="rect">
+            <a:avLst/>
+          </a:prstGeom>
+          <a:noFill/>
+          <a:ln>
+            <a:noFill/>
+          </a:ln>
+          <a:extLst>
+            <a:ext uri="{909E8E84-426E-40DD-AFC4-6F175D3DCCD1}">
+              <a14:hiddenFill xmlns:a14="http://schemas.microsoft.com/office/drawing/2010/main">
+                <a:solidFill>
+                  <a:srgbClr val="FFFFFF"/>
+                </a:solidFill>
+              </a14:hiddenFill>
+            </a:ext>
+            <a:ext uri="{91240B29-F687-4F45-9708-019B960494DF}">
+              <a14:hiddenLine xmlns:a14="http://schemas.microsoft.com/office/drawing/2010/main" w="9525">
+                <a:solidFill>
+                  <a:srgbClr val="000000"/>
+                </a:solidFill>
+                <a:miter lim="800000"/>
+                <a:headEnd/>
+                <a:tailEnd/>
+              </a14:hiddenLine>
+            </a:ext>
+          </a:extLst>
+        </p:spPr>
+        <p:txBody>
+          <a:bodyPr vert="horz" wrap="none" lIns="0" tIns="0" rIns="0" bIns="0" numCol="1" anchor="t" anchorCtr="0" compatLnSpc="1">
+            <a:spAutoFit/>
+          </a:bodyPr>
+          <a:lstStyle>
+            <a:lvl1pPr eaLnBrk="0" fontAlgn="base" hangingPunct="0">
+              <a:spcBef>
+                <a:spcPct val="0"/>
+              </a:spcBef>
+              <a:spcAft>
+                <a:spcPct val="0"/>
+              </a:spcAft>
+              <a:defRPr>
+                <a:solidFill>
+                  <a:schemeClr val="tx1"/>
+                </a:solidFill>
+                <a:latin typeface="Arial" panose="020B0604020202090204" pitchFamily="34" charset="0"/>
+              </a:defRPr>
+            </a:lvl1pPr>
+            <a:lvl2pPr eaLnBrk="0" fontAlgn="base" hangingPunct="0">
+              <a:spcBef>
+                <a:spcPct val="0"/>
+              </a:spcBef>
+              <a:spcAft>
+                <a:spcPct val="0"/>
+              </a:spcAft>
+              <a:defRPr>
+                <a:solidFill>
+                  <a:schemeClr val="tx1"/>
+                </a:solidFill>
+                <a:latin typeface="Arial" panose="020B0604020202090204" pitchFamily="34" charset="0"/>
+              </a:defRPr>
+            </a:lvl2pPr>
+            <a:lvl3pPr eaLnBrk="0" fontAlgn="base" hangingPunct="0">
+              <a:spcBef>
+                <a:spcPct val="0"/>
+              </a:spcBef>
+              <a:spcAft>
+                <a:spcPct val="0"/>
+              </a:spcAft>
+              <a:defRPr>
+                <a:solidFill>
+                  <a:schemeClr val="tx1"/>
+                </a:solidFill>
+                <a:latin typeface="Arial" panose="020B0604020202090204" pitchFamily="34" charset="0"/>
+              </a:defRPr>
+            </a:lvl3pPr>
+            <a:lvl4pPr eaLnBrk="0" fontAlgn="base" hangingPunct="0">
+              <a:spcBef>
+                <a:spcPct val="0"/>
+              </a:spcBef>
+              <a:spcAft>
+                <a:spcPct val="0"/>
+              </a:spcAft>
+              <a:defRPr>
+                <a:solidFill>
+                  <a:schemeClr val="tx1"/>
+                </a:solidFill>
+                <a:latin typeface="Arial" panose="020B0604020202090204" pitchFamily="34" charset="0"/>
+              </a:defRPr>
+            </a:lvl4pPr>
+            <a:lvl5pPr eaLnBrk="0" fontAlgn="base" hangingPunct="0">
+              <a:spcBef>
+                <a:spcPct val="0"/>
+              </a:spcBef>
+              <a:spcAft>
+                <a:spcPct val="0"/>
+              </a:spcAft>
+              <a:defRPr>
+                <a:solidFill>
+                  <a:schemeClr val="tx1"/>
+                </a:solidFill>
+                <a:latin typeface="Arial" panose="020B0604020202090204" pitchFamily="34" charset="0"/>
+              </a:defRPr>
+            </a:lvl5pPr>
+            <a:lvl6pPr eaLnBrk="0" fontAlgn="base" hangingPunct="0">
+              <a:spcBef>
+                <a:spcPct val="0"/>
+              </a:spcBef>
+              <a:spcAft>
+                <a:spcPct val="0"/>
+              </a:spcAft>
+              <a:defRPr>
+                <a:solidFill>
+                  <a:schemeClr val="tx1"/>
+                </a:solidFill>
+                <a:latin typeface="Arial" panose="020B0604020202090204" pitchFamily="34" charset="0"/>
+              </a:defRPr>
+            </a:lvl6pPr>
+            <a:lvl7pPr eaLnBrk="0" fontAlgn="base" hangingPunct="0">
+              <a:spcBef>
+                <a:spcPct val="0"/>
+              </a:spcBef>
+              <a:spcAft>
+                <a:spcPct val="0"/>
+              </a:spcAft>
+              <a:defRPr>
+                <a:solidFill>
+                  <a:schemeClr val="tx1"/>
+                </a:solidFill>
+                <a:latin typeface="Arial" panose="020B0604020202090204" pitchFamily="34" charset="0"/>
+              </a:defRPr>
+            </a:lvl7pPr>
+            <a:lvl8pPr eaLnBrk="0" fontAlgn="base" hangingPunct="0">
+              <a:spcBef>
+                <a:spcPct val="0"/>
+              </a:spcBef>
+              <a:spcAft>
+                <a:spcPct val="0"/>
+              </a:spcAft>
+              <a:defRPr>
+                <a:solidFill>
+                  <a:schemeClr val="tx1"/>
+                </a:solidFill>
+                <a:latin typeface="Arial" panose="020B0604020202090204" pitchFamily="34" charset="0"/>
+              </a:defRPr>
+            </a:lvl8pPr>
+            <a:lvl9pPr eaLnBrk="0" fontAlgn="base" hangingPunct="0">
+              <a:spcBef>
+                <a:spcPct val="0"/>
+              </a:spcBef>
+              <a:spcAft>
+                <a:spcPct val="0"/>
+              </a:spcAft>
+              <a:defRPr>
+                <a:solidFill>
+                  <a:schemeClr val="tx1"/>
+                </a:solidFill>
+                <a:latin typeface="Arial" panose="020B0604020202090204" pitchFamily="34" charset="0"/>
+              </a:defRPr>
+            </a:lvl9pPr>
+          </a:lstStyle>
+          <a:p>
+            <a:pPr marL="0" marR="0" lvl="0" indent="0" algn="l" defTabSz="914400" rtl="0" eaLnBrk="0" fontAlgn="base" latinLnBrk="0" hangingPunct="0">
+              <a:lnSpc>
+                <a:spcPct val="100000"/>
+              </a:lnSpc>
+              <a:spcBef>
+                <a:spcPct val="0"/>
+              </a:spcBef>
+              <a:spcAft>
+                <a:spcPct val="0"/>
+              </a:spcAft>
+              <a:buClrTx/>
+              <a:buSzTx/>
+              <a:buFontTx/>
+              <a:buNone/>
+            </a:pPr>
+            <a:r>
+              <a:rPr kumimoji="0" lang="zh-CN" altLang="zh-CN" sz="800" b="0" i="0" u="none" strike="noStrike" cap="none" normalizeH="0" baseline="0" dirty="0">
+                <a:ln>
+                  <a:noFill/>
+                </a:ln>
+                <a:solidFill>
+                  <a:srgbClr val="000080"/>
+                </a:solidFill>
+                <a:effectLst/>
+              </a:rPr>
+              <a:t>-2</a:t>
+            </a:r>
+            <a:endParaRPr kumimoji="0" lang="zh-CN" altLang="zh-CN" sz="1800" b="0" i="0" u="none" strike="noStrike" cap="none" normalizeH="0" baseline="0" dirty="0">
+              <a:ln>
+                <a:noFill/>
+              </a:ln>
+              <a:solidFill>
+                <a:schemeClr val="tx1"/>
+              </a:solidFill>
+              <a:effectLst/>
+              <a:latin typeface="Arial" panose="020B0604020202090204" pitchFamily="34" charset="0"/>
+            </a:endParaRPr>
+          </a:p>
+        </p:txBody>
+      </p:sp>
+      <p:sp>
+        <p:nvSpPr>
+          <p:cNvPr id="10272" name="Line 53"/>
+          <p:cNvSpPr>
+            <a:spLocks noChangeShapeType="1"/>
+          </p:cNvSpPr>
+          <p:nvPr/>
+        </p:nvSpPr>
+        <p:spPr bwMode="auto">
+          <a:xfrm>
+            <a:off x="4345377" y="4455384"/>
+            <a:ext cx="0" cy="80805"/>
+          </a:xfrm>
+          <a:prstGeom prst="line">
+            <a:avLst/>
+          </a:prstGeom>
+          <a:noFill/>
+          <a:ln w="9525">
+            <a:solidFill>
+              <a:srgbClr val="000080"/>
+            </a:solidFill>
+            <a:prstDash val="solid"/>
+            <a:round/>
+          </a:ln>
+          <a:extLst>
+            <a:ext uri="{909E8E84-426E-40DD-AFC4-6F175D3DCCD1}">
+              <a14:hiddenFill xmlns:a14="http://schemas.microsoft.com/office/drawing/2010/main">
+                <a:noFill/>
+              </a14:hiddenFill>
+            </a:ext>
+          </a:extLst>
+        </p:spPr>
+        <p:txBody>
+          <a:bodyPr vert="horz" wrap="square" lIns="91440" tIns="45720" rIns="91440" bIns="45720" numCol="1" anchor="t" anchorCtr="0" compatLnSpc="1"/>
+          <a:lstStyle/>
+          <a:p>
+            <a:endParaRPr lang="zh-CN" altLang="en-US"/>
+          </a:p>
+        </p:txBody>
+      </p:sp>
+      <p:sp>
+        <p:nvSpPr>
+          <p:cNvPr id="10273" name="Line 54"/>
+          <p:cNvSpPr>
+            <a:spLocks noChangeShapeType="1"/>
+          </p:cNvSpPr>
+          <p:nvPr/>
+        </p:nvSpPr>
+        <p:spPr bwMode="auto">
+          <a:xfrm>
+            <a:off x="4731447" y="4455384"/>
+            <a:ext cx="0" cy="80805"/>
+          </a:xfrm>
+          <a:prstGeom prst="line">
+            <a:avLst/>
+          </a:prstGeom>
+          <a:noFill/>
+          <a:ln w="9525">
+            <a:solidFill>
+              <a:srgbClr val="000080"/>
+            </a:solidFill>
+            <a:prstDash val="solid"/>
+            <a:round/>
+          </a:ln>
+          <a:extLst>
+            <a:ext uri="{909E8E84-426E-40DD-AFC4-6F175D3DCCD1}">
+              <a14:hiddenFill xmlns:a14="http://schemas.microsoft.com/office/drawing/2010/main">
+                <a:noFill/>
+              </a14:hiddenFill>
+            </a:ext>
+          </a:extLst>
+        </p:spPr>
+        <p:txBody>
+          <a:bodyPr vert="horz" wrap="square" lIns="91440" tIns="45720" rIns="91440" bIns="45720" numCol="1" anchor="t" anchorCtr="0" compatLnSpc="1"/>
+          <a:lstStyle/>
+          <a:p>
+            <a:endParaRPr lang="zh-CN" altLang="en-US"/>
+          </a:p>
+        </p:txBody>
+      </p:sp>
+      <p:sp>
+        <p:nvSpPr>
+          <p:cNvPr id="10274" name="Line 55"/>
+          <p:cNvSpPr>
+            <a:spLocks noChangeShapeType="1"/>
+          </p:cNvSpPr>
+          <p:nvPr/>
+        </p:nvSpPr>
+        <p:spPr bwMode="auto">
+          <a:xfrm>
+            <a:off x="5117517" y="4455384"/>
+            <a:ext cx="0" cy="80805"/>
+          </a:xfrm>
+          <a:prstGeom prst="line">
+            <a:avLst/>
+          </a:prstGeom>
+          <a:noFill/>
+          <a:ln w="9525">
+            <a:solidFill>
+              <a:srgbClr val="000080"/>
+            </a:solidFill>
+            <a:prstDash val="solid"/>
+            <a:round/>
+          </a:ln>
+          <a:extLst>
+            <a:ext uri="{909E8E84-426E-40DD-AFC4-6F175D3DCCD1}">
+              <a14:hiddenFill xmlns:a14="http://schemas.microsoft.com/office/drawing/2010/main">
+                <a:noFill/>
+              </a14:hiddenFill>
+            </a:ext>
+          </a:extLst>
+        </p:spPr>
+        <p:txBody>
+          <a:bodyPr vert="horz" wrap="square" lIns="91440" tIns="45720" rIns="91440" bIns="45720" numCol="1" anchor="t" anchorCtr="0" compatLnSpc="1"/>
+          <a:lstStyle/>
+          <a:p>
+            <a:endParaRPr lang="zh-CN" altLang="en-US"/>
+          </a:p>
+        </p:txBody>
+      </p:sp>
+      <p:sp>
+        <p:nvSpPr>
+          <p:cNvPr id="10275" name="Line 56"/>
+          <p:cNvSpPr>
+            <a:spLocks noChangeShapeType="1"/>
+          </p:cNvSpPr>
+          <p:nvPr/>
+        </p:nvSpPr>
+        <p:spPr bwMode="auto">
+          <a:xfrm>
+            <a:off x="5503588" y="4455384"/>
+            <a:ext cx="0" cy="80805"/>
+          </a:xfrm>
+          <a:prstGeom prst="line">
+            <a:avLst/>
+          </a:prstGeom>
+          <a:noFill/>
+          <a:ln w="9525">
+            <a:solidFill>
+              <a:srgbClr val="000080"/>
+            </a:solidFill>
+            <a:prstDash val="solid"/>
+            <a:round/>
+          </a:ln>
+          <a:extLst>
+            <a:ext uri="{909E8E84-426E-40DD-AFC4-6F175D3DCCD1}">
+              <a14:hiddenFill xmlns:a14="http://schemas.microsoft.com/office/drawing/2010/main">
+                <a:noFill/>
+              </a14:hiddenFill>
+            </a:ext>
+          </a:extLst>
+        </p:spPr>
+        <p:txBody>
+          <a:bodyPr vert="horz" wrap="square" lIns="91440" tIns="45720" rIns="91440" bIns="45720" numCol="1" anchor="t" anchorCtr="0" compatLnSpc="1"/>
+          <a:lstStyle/>
+          <a:p>
+            <a:endParaRPr lang="zh-CN" altLang="en-US"/>
+          </a:p>
+        </p:txBody>
+      </p:sp>
+      <p:sp>
+        <p:nvSpPr>
+          <p:cNvPr id="10276" name="Line 57"/>
+          <p:cNvSpPr>
+            <a:spLocks noChangeShapeType="1"/>
+          </p:cNvSpPr>
+          <p:nvPr/>
+        </p:nvSpPr>
+        <p:spPr bwMode="auto">
+          <a:xfrm>
+            <a:off x="5889658" y="4455384"/>
+            <a:ext cx="0" cy="80805"/>
+          </a:xfrm>
+          <a:prstGeom prst="line">
+            <a:avLst/>
+          </a:prstGeom>
+          <a:noFill/>
+          <a:ln w="9525">
+            <a:solidFill>
+              <a:srgbClr val="000080"/>
+            </a:solidFill>
+            <a:prstDash val="solid"/>
+            <a:round/>
+          </a:ln>
+          <a:extLst>
+            <a:ext uri="{909E8E84-426E-40DD-AFC4-6F175D3DCCD1}">
+              <a14:hiddenFill xmlns:a14="http://schemas.microsoft.com/office/drawing/2010/main">
+                <a:noFill/>
+              </a14:hiddenFill>
+            </a:ext>
+          </a:extLst>
+        </p:spPr>
+        <p:txBody>
+          <a:bodyPr vert="horz" wrap="square" lIns="91440" tIns="45720" rIns="91440" bIns="45720" numCol="1" anchor="t" anchorCtr="0" compatLnSpc="1"/>
+          <a:lstStyle/>
+          <a:p>
+            <a:endParaRPr lang="zh-CN" altLang="en-US"/>
+          </a:p>
+        </p:txBody>
+      </p:sp>
+      <p:sp>
+        <p:nvSpPr>
+          <p:cNvPr id="10278" name="Line 59"/>
+          <p:cNvSpPr>
+            <a:spLocks noChangeShapeType="1"/>
+          </p:cNvSpPr>
+          <p:nvPr/>
+        </p:nvSpPr>
+        <p:spPr bwMode="auto">
+          <a:xfrm>
+            <a:off x="6661798" y="4455384"/>
+            <a:ext cx="0" cy="80805"/>
+          </a:xfrm>
+          <a:prstGeom prst="line">
+            <a:avLst/>
+          </a:prstGeom>
+          <a:noFill/>
+          <a:ln w="9525">
+            <a:solidFill>
+              <a:srgbClr val="000080"/>
+            </a:solidFill>
+            <a:prstDash val="solid"/>
+            <a:round/>
+          </a:ln>
+          <a:extLst>
+            <a:ext uri="{909E8E84-426E-40DD-AFC4-6F175D3DCCD1}">
+              <a14:hiddenFill xmlns:a14="http://schemas.microsoft.com/office/drawing/2010/main">
+                <a:noFill/>
+              </a14:hiddenFill>
+            </a:ext>
+          </a:extLst>
+        </p:spPr>
+        <p:txBody>
+          <a:bodyPr vert="horz" wrap="square" lIns="91440" tIns="45720" rIns="91440" bIns="45720" numCol="1" anchor="t" anchorCtr="0" compatLnSpc="1"/>
+          <a:lstStyle/>
+          <a:p>
+            <a:endParaRPr lang="zh-CN" altLang="en-US"/>
+          </a:p>
+        </p:txBody>
+      </p:sp>
+      <p:sp>
+        <p:nvSpPr>
+          <p:cNvPr id="10279" name="Line 60"/>
+          <p:cNvSpPr>
+            <a:spLocks noChangeShapeType="1"/>
+          </p:cNvSpPr>
+          <p:nvPr/>
+        </p:nvSpPr>
+        <p:spPr bwMode="auto">
+          <a:xfrm>
+            <a:off x="7047868" y="4455384"/>
+            <a:ext cx="0" cy="80805"/>
+          </a:xfrm>
+          <a:prstGeom prst="line">
+            <a:avLst/>
+          </a:prstGeom>
+          <a:noFill/>
+          <a:ln w="9525">
+            <a:solidFill>
+              <a:srgbClr val="000080"/>
+            </a:solidFill>
+            <a:prstDash val="solid"/>
+            <a:round/>
+          </a:ln>
+          <a:extLst>
+            <a:ext uri="{909E8E84-426E-40DD-AFC4-6F175D3DCCD1}">
+              <a14:hiddenFill xmlns:a14="http://schemas.microsoft.com/office/drawing/2010/main">
+                <a:noFill/>
+              </a14:hiddenFill>
+            </a:ext>
+          </a:extLst>
+        </p:spPr>
+        <p:txBody>
+          <a:bodyPr vert="horz" wrap="square" lIns="91440" tIns="45720" rIns="91440" bIns="45720" numCol="1" anchor="t" anchorCtr="0" compatLnSpc="1"/>
+          <a:lstStyle/>
+          <a:p>
+            <a:endParaRPr lang="zh-CN" altLang="en-US"/>
+          </a:p>
+        </p:txBody>
+      </p:sp>
+      <p:sp>
+        <p:nvSpPr>
+          <p:cNvPr id="10281" name="Line 62"/>
+          <p:cNvSpPr>
+            <a:spLocks noChangeShapeType="1"/>
+          </p:cNvSpPr>
+          <p:nvPr/>
+        </p:nvSpPr>
+        <p:spPr bwMode="auto">
+          <a:xfrm>
+            <a:off x="7424960" y="4455384"/>
+            <a:ext cx="0" cy="80805"/>
+          </a:xfrm>
+          <a:prstGeom prst="line">
+            <a:avLst/>
+          </a:prstGeom>
+          <a:noFill/>
+          <a:ln w="9525">
+            <a:solidFill>
+              <a:srgbClr val="000080"/>
+            </a:solidFill>
+            <a:prstDash val="solid"/>
+            <a:round/>
+          </a:ln>
+          <a:extLst>
+            <a:ext uri="{909E8E84-426E-40DD-AFC4-6F175D3DCCD1}">
+              <a14:hiddenFill xmlns:a14="http://schemas.microsoft.com/office/drawing/2010/main">
+                <a:noFill/>
+              </a14:hiddenFill>
+            </a:ext>
+          </a:extLst>
+        </p:spPr>
+        <p:txBody>
+          <a:bodyPr vert="horz" wrap="square" lIns="91440" tIns="45720" rIns="91440" bIns="45720" numCol="1" anchor="t" anchorCtr="0" compatLnSpc="1"/>
+          <a:lstStyle/>
+          <a:p>
+            <a:endParaRPr lang="zh-CN" altLang="en-US"/>
+          </a:p>
+        </p:txBody>
+      </p:sp>
+      <p:sp>
+        <p:nvSpPr>
+          <p:cNvPr id="10282" name="Line 63"/>
+          <p:cNvSpPr>
+            <a:spLocks noChangeShapeType="1"/>
+          </p:cNvSpPr>
+          <p:nvPr/>
+        </p:nvSpPr>
+        <p:spPr bwMode="auto">
+          <a:xfrm>
+            <a:off x="7811030" y="4455384"/>
+            <a:ext cx="0" cy="80805"/>
+          </a:xfrm>
+          <a:prstGeom prst="line">
+            <a:avLst/>
+          </a:prstGeom>
+          <a:noFill/>
+          <a:ln w="9525">
+            <a:solidFill>
+              <a:srgbClr val="000080"/>
+            </a:solidFill>
+            <a:prstDash val="solid"/>
+            <a:round/>
+          </a:ln>
+          <a:extLst>
+            <a:ext uri="{909E8E84-426E-40DD-AFC4-6F175D3DCCD1}">
+              <a14:hiddenFill xmlns:a14="http://schemas.microsoft.com/office/drawing/2010/main">
+                <a:noFill/>
+              </a14:hiddenFill>
+            </a:ext>
+          </a:extLst>
+        </p:spPr>
+        <p:txBody>
+          <a:bodyPr vert="horz" wrap="square" lIns="91440" tIns="45720" rIns="91440" bIns="45720" numCol="1" anchor="t" anchorCtr="0" compatLnSpc="1"/>
+          <a:lstStyle/>
+          <a:p>
+            <a:endParaRPr lang="zh-CN" altLang="en-US"/>
+          </a:p>
+        </p:txBody>
+      </p:sp>
+      <p:sp>
+        <p:nvSpPr>
+          <p:cNvPr id="10283" name="Line 64"/>
+          <p:cNvSpPr>
+            <a:spLocks noChangeShapeType="1"/>
+          </p:cNvSpPr>
+          <p:nvPr/>
+        </p:nvSpPr>
+        <p:spPr bwMode="auto">
+          <a:xfrm>
+            <a:off x="8197101" y="4455384"/>
+            <a:ext cx="0" cy="80805"/>
+          </a:xfrm>
+          <a:prstGeom prst="line">
+            <a:avLst/>
+          </a:prstGeom>
+          <a:noFill/>
+          <a:ln w="9525">
+            <a:solidFill>
+              <a:srgbClr val="000080"/>
+            </a:solidFill>
+            <a:prstDash val="solid"/>
+            <a:round/>
+          </a:ln>
+          <a:extLst>
+            <a:ext uri="{909E8E84-426E-40DD-AFC4-6F175D3DCCD1}">
+              <a14:hiddenFill xmlns:a14="http://schemas.microsoft.com/office/drawing/2010/main">
+                <a:noFill/>
+              </a14:hiddenFill>
+            </a:ext>
+          </a:extLst>
+        </p:spPr>
+        <p:txBody>
+          <a:bodyPr vert="horz" wrap="square" lIns="91440" tIns="45720" rIns="91440" bIns="45720" numCol="1" anchor="t" anchorCtr="0" compatLnSpc="1"/>
+          <a:lstStyle/>
+          <a:p>
+            <a:endParaRPr lang="zh-CN" altLang="en-US"/>
+          </a:p>
+        </p:txBody>
+      </p:sp>
+      <p:sp>
+        <p:nvSpPr>
+          <p:cNvPr id="10284" name="Line 65"/>
+          <p:cNvSpPr>
+            <a:spLocks noChangeShapeType="1"/>
+          </p:cNvSpPr>
+          <p:nvPr/>
+        </p:nvSpPr>
+        <p:spPr bwMode="auto">
+          <a:xfrm>
+            <a:off x="8583171" y="4455384"/>
+            <a:ext cx="0" cy="80805"/>
+          </a:xfrm>
+          <a:prstGeom prst="line">
+            <a:avLst/>
+          </a:prstGeom>
+          <a:noFill/>
+          <a:ln w="9525">
+            <a:solidFill>
+              <a:srgbClr val="000080"/>
+            </a:solidFill>
+            <a:prstDash val="solid"/>
+            <a:round/>
+          </a:ln>
+          <a:extLst>
+            <a:ext uri="{909E8E84-426E-40DD-AFC4-6F175D3DCCD1}">
+              <a14:hiddenFill xmlns:a14="http://schemas.microsoft.com/office/drawing/2010/main">
+                <a:noFill/>
+              </a14:hiddenFill>
+            </a:ext>
+          </a:extLst>
+        </p:spPr>
+        <p:txBody>
+          <a:bodyPr vert="horz" wrap="square" lIns="91440" tIns="45720" rIns="91440" bIns="45720" numCol="1" anchor="t" anchorCtr="0" compatLnSpc="1"/>
+          <a:lstStyle/>
+          <a:p>
+            <a:endParaRPr lang="zh-CN" altLang="en-US"/>
+          </a:p>
+        </p:txBody>
+      </p:sp>
+      <p:sp>
+        <p:nvSpPr>
+          <p:cNvPr id="10286" name="Line 67"/>
+          <p:cNvSpPr>
+            <a:spLocks noChangeShapeType="1"/>
+          </p:cNvSpPr>
+          <p:nvPr/>
+        </p:nvSpPr>
+        <p:spPr bwMode="auto">
+          <a:xfrm>
+            <a:off x="8969241" y="4455384"/>
+            <a:ext cx="0" cy="80805"/>
+          </a:xfrm>
+          <a:prstGeom prst="line">
+            <a:avLst/>
+          </a:prstGeom>
+          <a:noFill/>
+          <a:ln w="9525">
+            <a:solidFill>
+              <a:srgbClr val="000080"/>
+            </a:solidFill>
+            <a:prstDash val="solid"/>
+            <a:round/>
+          </a:ln>
+          <a:extLst>
+            <a:ext uri="{909E8E84-426E-40DD-AFC4-6F175D3DCCD1}">
+              <a14:hiddenFill xmlns:a14="http://schemas.microsoft.com/office/drawing/2010/main">
+                <a:noFill/>
+              </a14:hiddenFill>
+            </a:ext>
+          </a:extLst>
+        </p:spPr>
+        <p:txBody>
+          <a:bodyPr vert="horz" wrap="square" lIns="91440" tIns="45720" rIns="91440" bIns="45720" numCol="1" anchor="t" anchorCtr="0" compatLnSpc="1"/>
+          <a:lstStyle/>
+          <a:p>
+            <a:endParaRPr lang="zh-CN" altLang="en-US"/>
+          </a:p>
+        </p:txBody>
+      </p:sp>
+      <p:sp>
+        <p:nvSpPr>
+          <p:cNvPr id="10287" name="Line 68"/>
+          <p:cNvSpPr>
+            <a:spLocks noChangeShapeType="1"/>
+          </p:cNvSpPr>
+          <p:nvPr/>
+        </p:nvSpPr>
+        <p:spPr bwMode="auto">
+          <a:xfrm>
+            <a:off x="9355311" y="4455384"/>
+            <a:ext cx="0" cy="80805"/>
+          </a:xfrm>
+          <a:prstGeom prst="line">
+            <a:avLst/>
+          </a:prstGeom>
+          <a:noFill/>
+          <a:ln w="9525">
+            <a:solidFill>
+              <a:srgbClr val="000080"/>
+            </a:solidFill>
+            <a:prstDash val="solid"/>
+            <a:round/>
+          </a:ln>
+          <a:extLst>
+            <a:ext uri="{909E8E84-426E-40DD-AFC4-6F175D3DCCD1}">
+              <a14:hiddenFill xmlns:a14="http://schemas.microsoft.com/office/drawing/2010/main">
+                <a:noFill/>
+              </a14:hiddenFill>
+            </a:ext>
+          </a:extLst>
+        </p:spPr>
+        <p:txBody>
+          <a:bodyPr vert="horz" wrap="square" lIns="91440" tIns="45720" rIns="91440" bIns="45720" numCol="1" anchor="t" anchorCtr="0" compatLnSpc="1"/>
+          <a:lstStyle/>
+          <a:p>
+            <a:endParaRPr lang="zh-CN" altLang="en-US"/>
+          </a:p>
+        </p:txBody>
+      </p:sp>
+      <p:sp>
+        <p:nvSpPr>
+          <p:cNvPr id="10288" name="Line 69"/>
+          <p:cNvSpPr>
+            <a:spLocks noChangeShapeType="1"/>
+          </p:cNvSpPr>
+          <p:nvPr/>
+        </p:nvSpPr>
+        <p:spPr bwMode="auto">
+          <a:xfrm>
+            <a:off x="9741381" y="4455384"/>
+            <a:ext cx="0" cy="80805"/>
+          </a:xfrm>
+          <a:prstGeom prst="line">
+            <a:avLst/>
+          </a:prstGeom>
+          <a:noFill/>
+          <a:ln w="9525">
+            <a:solidFill>
+              <a:srgbClr val="000080"/>
+            </a:solidFill>
+            <a:prstDash val="solid"/>
+            <a:round/>
+          </a:ln>
+          <a:extLst>
+            <a:ext uri="{909E8E84-426E-40DD-AFC4-6F175D3DCCD1}">
+              <a14:hiddenFill xmlns:a14="http://schemas.microsoft.com/office/drawing/2010/main">
+                <a:noFill/>
+              </a14:hiddenFill>
+            </a:ext>
+          </a:extLst>
+        </p:spPr>
+        <p:txBody>
+          <a:bodyPr vert="horz" wrap="square" lIns="91440" tIns="45720" rIns="91440" bIns="45720" numCol="1" anchor="t" anchorCtr="0" compatLnSpc="1"/>
+          <a:lstStyle/>
+          <a:p>
+            <a:endParaRPr lang="zh-CN" altLang="en-US"/>
+          </a:p>
+        </p:txBody>
+      </p:sp>
+      <p:sp>
+        <p:nvSpPr>
+          <p:cNvPr id="10294" name="Oval 75"/>
+          <p:cNvSpPr>
+            <a:spLocks noChangeArrowheads="1"/>
+          </p:cNvSpPr>
+          <p:nvPr/>
+        </p:nvSpPr>
+        <p:spPr bwMode="auto">
+          <a:xfrm>
+            <a:off x="5485631" y="4473340"/>
+            <a:ext cx="44892" cy="44892"/>
+          </a:xfrm>
+          <a:prstGeom prst="ellipse">
+            <a:avLst/>
+          </a:prstGeom>
+          <a:solidFill>
+            <a:srgbClr val="FF0000"/>
+          </a:solidFill>
+          <a:ln w="0">
+            <a:solidFill>
+              <a:srgbClr val="000000"/>
+            </a:solidFill>
+            <a:prstDash val="solid"/>
+            <a:round/>
+          </a:ln>
+        </p:spPr>
+        <p:txBody>
+          <a:bodyPr vert="horz" wrap="square" lIns="91440" tIns="45720" rIns="91440" bIns="45720" numCol="1" anchor="t" anchorCtr="0" compatLnSpc="1"/>
+          <a:lstStyle/>
+          <a:p>
+            <a:endParaRPr lang="zh-CN" altLang="en-US"/>
+          </a:p>
+        </p:txBody>
+      </p:sp>
+      <p:grpSp>
+        <p:nvGrpSpPr>
+          <p:cNvPr id="10303" name="组合 10302"/>
+          <p:cNvGrpSpPr/>
+          <p:nvPr/>
+        </p:nvGrpSpPr>
+        <p:grpSpPr>
+          <a:xfrm>
+            <a:off x="5309845" y="2063302"/>
+            <a:ext cx="89784" cy="1750784"/>
+            <a:chOff x="4167122" y="2384619"/>
+            <a:chExt cx="98762" cy="1750784"/>
+          </a:xfrm>
+        </p:grpSpPr>
+        <p:sp>
+          <p:nvSpPr>
+            <p:cNvPr id="62" name="Rectangle 29"/>
+            <p:cNvSpPr>
+              <a:spLocks noChangeArrowheads="1"/>
+            </p:cNvSpPr>
+            <p:nvPr/>
+          </p:nvSpPr>
+          <p:spPr bwMode="auto">
+            <a:xfrm>
+              <a:off x="4167122" y="2384619"/>
+              <a:ext cx="98762" cy="215481"/>
+            </a:xfrm>
+            <a:prstGeom prst="rect">
+              <a:avLst/>
+            </a:prstGeom>
+            <a:noFill/>
+            <a:ln>
+              <a:noFill/>
+            </a:ln>
+            <a:extLst>
+              <a:ext uri="{909E8E84-426E-40DD-AFC4-6F175D3DCCD1}">
+                <a14:hiddenFill xmlns:a14="http://schemas.microsoft.com/office/drawing/2010/main">
+                  <a:solidFill>
+                    <a:srgbClr val="FFFFFF"/>
+                  </a:solidFill>
+                </a14:hiddenFill>
+              </a:ext>
+              <a:ext uri="{91240B29-F687-4F45-9708-019B960494DF}">
+                <a14:hiddenLine xmlns:a14="http://schemas.microsoft.com/office/drawing/2010/main" w="9525">
+                  <a:solidFill>
+                    <a:srgbClr val="000000"/>
+                  </a:solidFill>
+                  <a:miter lim="800000"/>
+                  <a:headEnd/>
+                  <a:tailEnd/>
+                </a14:hiddenLine>
+              </a:ext>
+            </a:extLst>
+          </p:spPr>
+          <p:txBody>
+            <a:bodyPr vert="horz" wrap="none" lIns="0" tIns="0" rIns="0" bIns="0" numCol="1" anchor="t" anchorCtr="0" compatLnSpc="1">
+              <a:spAutoFit/>
+            </a:bodyPr>
+            <a:lstStyle>
+              <a:lvl1pPr eaLnBrk="0" fontAlgn="base" hangingPunct="0">
+                <a:spcBef>
+                  <a:spcPct val="0"/>
+                </a:spcBef>
+                <a:spcAft>
+                  <a:spcPct val="0"/>
+                </a:spcAft>
+                <a:defRPr>
+                  <a:solidFill>
+                    <a:schemeClr val="tx1"/>
+                  </a:solidFill>
+                  <a:latin typeface="Arial" panose="020B0604020202090204" pitchFamily="34" charset="0"/>
+                </a:defRPr>
+              </a:lvl1pPr>
+              <a:lvl2pPr eaLnBrk="0" fontAlgn="base" hangingPunct="0">
+                <a:spcBef>
+                  <a:spcPct val="0"/>
+                </a:spcBef>
+                <a:spcAft>
+                  <a:spcPct val="0"/>
+                </a:spcAft>
+                <a:defRPr>
+                  <a:solidFill>
+                    <a:schemeClr val="tx1"/>
+                  </a:solidFill>
+                  <a:latin typeface="Arial" panose="020B0604020202090204" pitchFamily="34" charset="0"/>
+                </a:defRPr>
+              </a:lvl2pPr>
+              <a:lvl3pPr eaLnBrk="0" fontAlgn="base" hangingPunct="0">
+                <a:spcBef>
+                  <a:spcPct val="0"/>
+                </a:spcBef>
+                <a:spcAft>
+                  <a:spcPct val="0"/>
+                </a:spcAft>
+                <a:defRPr>
+                  <a:solidFill>
+                    <a:schemeClr val="tx1"/>
+                  </a:solidFill>
+                  <a:latin typeface="Arial" panose="020B0604020202090204" pitchFamily="34" charset="0"/>
+                </a:defRPr>
+              </a:lvl3pPr>
+              <a:lvl4pPr eaLnBrk="0" fontAlgn="base" hangingPunct="0">
+                <a:spcBef>
+                  <a:spcPct val="0"/>
+                </a:spcBef>
+                <a:spcAft>
+                  <a:spcPct val="0"/>
+                </a:spcAft>
+                <a:defRPr>
+                  <a:solidFill>
+                    <a:schemeClr val="tx1"/>
+                  </a:solidFill>
+                  <a:latin typeface="Arial" panose="020B0604020202090204" pitchFamily="34" charset="0"/>
+                </a:defRPr>
+              </a:lvl4pPr>
+              <a:lvl5pPr eaLnBrk="0" fontAlgn="base" hangingPunct="0">
+                <a:spcBef>
+                  <a:spcPct val="0"/>
+                </a:spcBef>
+                <a:spcAft>
+                  <a:spcPct val="0"/>
+                </a:spcAft>
+                <a:defRPr>
+                  <a:solidFill>
+                    <a:schemeClr val="tx1"/>
+                  </a:solidFill>
+                  <a:latin typeface="Arial" panose="020B0604020202090204" pitchFamily="34" charset="0"/>
+                </a:defRPr>
+              </a:lvl5pPr>
+              <a:lvl6pPr eaLnBrk="0" fontAlgn="base" hangingPunct="0">
+                <a:spcBef>
+                  <a:spcPct val="0"/>
+                </a:spcBef>
+                <a:spcAft>
+                  <a:spcPct val="0"/>
+                </a:spcAft>
+                <a:defRPr>
+                  <a:solidFill>
+                    <a:schemeClr val="tx1"/>
+                  </a:solidFill>
+                  <a:latin typeface="Arial" panose="020B0604020202090204" pitchFamily="34" charset="0"/>
+                </a:defRPr>
+              </a:lvl6pPr>
+              <a:lvl7pPr eaLnBrk="0" fontAlgn="base" hangingPunct="0">
+                <a:spcBef>
+                  <a:spcPct val="0"/>
+                </a:spcBef>
+                <a:spcAft>
+                  <a:spcPct val="0"/>
+                </a:spcAft>
+                <a:defRPr>
+                  <a:solidFill>
+                    <a:schemeClr val="tx1"/>
+                  </a:solidFill>
+                  <a:latin typeface="Arial" panose="020B0604020202090204" pitchFamily="34" charset="0"/>
+                </a:defRPr>
+              </a:lvl7pPr>
+              <a:lvl8pPr eaLnBrk="0" fontAlgn="base" hangingPunct="0">
+                <a:spcBef>
+                  <a:spcPct val="0"/>
+                </a:spcBef>
+                <a:spcAft>
+                  <a:spcPct val="0"/>
+                </a:spcAft>
+                <a:defRPr>
+                  <a:solidFill>
+                    <a:schemeClr val="tx1"/>
+                  </a:solidFill>
+                  <a:latin typeface="Arial" panose="020B0604020202090204" pitchFamily="34" charset="0"/>
+                </a:defRPr>
+              </a:lvl8pPr>
+              <a:lvl9pPr eaLnBrk="0" fontAlgn="base" hangingPunct="0">
+                <a:spcBef>
+                  <a:spcPct val="0"/>
+                </a:spcBef>
+                <a:spcAft>
+                  <a:spcPct val="0"/>
+                </a:spcAft>
+                <a:defRPr>
+                  <a:solidFill>
+                    <a:schemeClr val="tx1"/>
+                  </a:solidFill>
+                  <a:latin typeface="Arial" panose="020B0604020202090204" pitchFamily="34" charset="0"/>
+                </a:defRPr>
+              </a:lvl9pPr>
+            </a:lstStyle>
+            <a:p>
+              <a:pPr marL="0" marR="0" lvl="0" indent="0" algn="l" defTabSz="914400" rtl="0" eaLnBrk="0" fontAlgn="base" latinLnBrk="0" hangingPunct="0">
+                <a:lnSpc>
+                  <a:spcPct val="100000"/>
+                </a:lnSpc>
+                <a:spcBef>
+                  <a:spcPct val="0"/>
+                </a:spcBef>
+                <a:spcAft>
+                  <a:spcPct val="0"/>
+                </a:spcAft>
+                <a:buClrTx/>
+                <a:buSzTx/>
+                <a:buFontTx/>
+                <a:buNone/>
+              </a:pPr>
+              <a:r>
+                <a:rPr kumimoji="0" lang="zh-CN" altLang="zh-CN" sz="1400" b="0" i="0" u="none" strike="noStrike" cap="none" normalizeH="0" baseline="0">
+                  <a:ln>
+                    <a:noFill/>
+                  </a:ln>
+                  <a:solidFill>
+                    <a:srgbClr val="000080"/>
+                  </a:solidFill>
+                  <a:effectLst/>
+                </a:rPr>
+                <a:t>3</a:t>
+              </a:r>
+              <a:endParaRPr kumimoji="0" lang="zh-CN" altLang="zh-CN" sz="4000" b="0" i="0" u="none" strike="noStrike" cap="none" normalizeH="0" baseline="0">
+                <a:ln>
+                  <a:noFill/>
+                </a:ln>
+                <a:solidFill>
+                  <a:schemeClr val="tx1"/>
+                </a:solidFill>
+                <a:effectLst/>
+                <a:latin typeface="Arial" panose="020B0604020202090204" pitchFamily="34" charset="0"/>
+              </a:endParaRPr>
+            </a:p>
+          </p:txBody>
+        </p:sp>
+        <p:sp>
+          <p:nvSpPr>
+            <p:cNvPr id="10241" name="Rectangle 32"/>
+            <p:cNvSpPr>
+              <a:spLocks noChangeArrowheads="1"/>
+            </p:cNvSpPr>
+            <p:nvPr/>
+          </p:nvSpPr>
+          <p:spPr bwMode="auto">
+            <a:xfrm>
+              <a:off x="4167122" y="3147781"/>
+              <a:ext cx="98762" cy="215481"/>
+            </a:xfrm>
+            <a:prstGeom prst="rect">
+              <a:avLst/>
+            </a:prstGeom>
+            <a:noFill/>
+            <a:ln>
+              <a:noFill/>
+            </a:ln>
+            <a:extLst>
+              <a:ext uri="{909E8E84-426E-40DD-AFC4-6F175D3DCCD1}">
+                <a14:hiddenFill xmlns:a14="http://schemas.microsoft.com/office/drawing/2010/main">
+                  <a:solidFill>
+                    <a:srgbClr val="FFFFFF"/>
+                  </a:solidFill>
+                </a14:hiddenFill>
+              </a:ext>
+              <a:ext uri="{91240B29-F687-4F45-9708-019B960494DF}">
+                <a14:hiddenLine xmlns:a14="http://schemas.microsoft.com/office/drawing/2010/main" w="9525">
+                  <a:solidFill>
+                    <a:srgbClr val="000000"/>
+                  </a:solidFill>
+                  <a:miter lim="800000"/>
+                  <a:headEnd/>
+                  <a:tailEnd/>
+                </a14:hiddenLine>
+              </a:ext>
+            </a:extLst>
+          </p:spPr>
+          <p:txBody>
+            <a:bodyPr vert="horz" wrap="none" lIns="0" tIns="0" rIns="0" bIns="0" numCol="1" anchor="t" anchorCtr="0" compatLnSpc="1">
+              <a:spAutoFit/>
+            </a:bodyPr>
+            <a:lstStyle>
+              <a:lvl1pPr eaLnBrk="0" fontAlgn="base" hangingPunct="0">
+                <a:spcBef>
+                  <a:spcPct val="0"/>
+                </a:spcBef>
+                <a:spcAft>
+                  <a:spcPct val="0"/>
+                </a:spcAft>
+                <a:defRPr>
+                  <a:solidFill>
+                    <a:schemeClr val="tx1"/>
+                  </a:solidFill>
+                  <a:latin typeface="Arial" panose="020B0604020202090204" pitchFamily="34" charset="0"/>
+                </a:defRPr>
+              </a:lvl1pPr>
+              <a:lvl2pPr eaLnBrk="0" fontAlgn="base" hangingPunct="0">
+                <a:spcBef>
+                  <a:spcPct val="0"/>
+                </a:spcBef>
+                <a:spcAft>
+                  <a:spcPct val="0"/>
+                </a:spcAft>
+                <a:defRPr>
+                  <a:solidFill>
+                    <a:schemeClr val="tx1"/>
+                  </a:solidFill>
+                  <a:latin typeface="Arial" panose="020B0604020202090204" pitchFamily="34" charset="0"/>
+                </a:defRPr>
+              </a:lvl2pPr>
+              <a:lvl3pPr eaLnBrk="0" fontAlgn="base" hangingPunct="0">
+                <a:spcBef>
+                  <a:spcPct val="0"/>
+                </a:spcBef>
+                <a:spcAft>
+                  <a:spcPct val="0"/>
+                </a:spcAft>
+                <a:defRPr>
+                  <a:solidFill>
+                    <a:schemeClr val="tx1"/>
+                  </a:solidFill>
+                  <a:latin typeface="Arial" panose="020B0604020202090204" pitchFamily="34" charset="0"/>
+                </a:defRPr>
+              </a:lvl3pPr>
+              <a:lvl4pPr eaLnBrk="0" fontAlgn="base" hangingPunct="0">
+                <a:spcBef>
+                  <a:spcPct val="0"/>
+                </a:spcBef>
+                <a:spcAft>
+                  <a:spcPct val="0"/>
+                </a:spcAft>
+                <a:defRPr>
+                  <a:solidFill>
+                    <a:schemeClr val="tx1"/>
+                  </a:solidFill>
+                  <a:latin typeface="Arial" panose="020B0604020202090204" pitchFamily="34" charset="0"/>
+                </a:defRPr>
+              </a:lvl4pPr>
+              <a:lvl5pPr eaLnBrk="0" fontAlgn="base" hangingPunct="0">
+                <a:spcBef>
+                  <a:spcPct val="0"/>
+                </a:spcBef>
+                <a:spcAft>
+                  <a:spcPct val="0"/>
+                </a:spcAft>
+                <a:defRPr>
+                  <a:solidFill>
+                    <a:schemeClr val="tx1"/>
+                  </a:solidFill>
+                  <a:latin typeface="Arial" panose="020B0604020202090204" pitchFamily="34" charset="0"/>
+                </a:defRPr>
+              </a:lvl5pPr>
+              <a:lvl6pPr eaLnBrk="0" fontAlgn="base" hangingPunct="0">
+                <a:spcBef>
+                  <a:spcPct val="0"/>
+                </a:spcBef>
+                <a:spcAft>
+                  <a:spcPct val="0"/>
+                </a:spcAft>
+                <a:defRPr>
+                  <a:solidFill>
+                    <a:schemeClr val="tx1"/>
+                  </a:solidFill>
+                  <a:latin typeface="Arial" panose="020B0604020202090204" pitchFamily="34" charset="0"/>
+                </a:defRPr>
+              </a:lvl6pPr>
+              <a:lvl7pPr eaLnBrk="0" fontAlgn="base" hangingPunct="0">
+                <a:spcBef>
+                  <a:spcPct val="0"/>
+                </a:spcBef>
+                <a:spcAft>
+                  <a:spcPct val="0"/>
+                </a:spcAft>
+                <a:defRPr>
+                  <a:solidFill>
+                    <a:schemeClr val="tx1"/>
+                  </a:solidFill>
+                  <a:latin typeface="Arial" panose="020B0604020202090204" pitchFamily="34" charset="0"/>
+                </a:defRPr>
+              </a:lvl7pPr>
+              <a:lvl8pPr eaLnBrk="0" fontAlgn="base" hangingPunct="0">
+                <a:spcBef>
+                  <a:spcPct val="0"/>
+                </a:spcBef>
+                <a:spcAft>
+                  <a:spcPct val="0"/>
+                </a:spcAft>
+                <a:defRPr>
+                  <a:solidFill>
+                    <a:schemeClr val="tx1"/>
+                  </a:solidFill>
+                  <a:latin typeface="Arial" panose="020B0604020202090204" pitchFamily="34" charset="0"/>
+                </a:defRPr>
+              </a:lvl8pPr>
+              <a:lvl9pPr eaLnBrk="0" fontAlgn="base" hangingPunct="0">
+                <a:spcBef>
+                  <a:spcPct val="0"/>
+                </a:spcBef>
+                <a:spcAft>
+                  <a:spcPct val="0"/>
+                </a:spcAft>
+                <a:defRPr>
+                  <a:solidFill>
+                    <a:schemeClr val="tx1"/>
+                  </a:solidFill>
+                  <a:latin typeface="Arial" panose="020B0604020202090204" pitchFamily="34" charset="0"/>
+                </a:defRPr>
+              </a:lvl9pPr>
+            </a:lstStyle>
+            <a:p>
+              <a:pPr marL="0" marR="0" lvl="0" indent="0" algn="l" defTabSz="914400" rtl="0" eaLnBrk="0" fontAlgn="base" latinLnBrk="0" hangingPunct="0">
+                <a:lnSpc>
+                  <a:spcPct val="100000"/>
+                </a:lnSpc>
+                <a:spcBef>
+                  <a:spcPct val="0"/>
+                </a:spcBef>
+                <a:spcAft>
+                  <a:spcPct val="0"/>
+                </a:spcAft>
+                <a:buClrTx/>
+                <a:buSzTx/>
+                <a:buFontTx/>
+                <a:buNone/>
+              </a:pPr>
+              <a:r>
+                <a:rPr kumimoji="0" lang="zh-CN" altLang="zh-CN" sz="1400" b="0" i="0" u="none" strike="noStrike" cap="none" normalizeH="0" baseline="0">
+                  <a:ln>
+                    <a:noFill/>
+                  </a:ln>
+                  <a:solidFill>
+                    <a:srgbClr val="000080"/>
+                  </a:solidFill>
+                  <a:effectLst/>
+                </a:rPr>
+                <a:t>2</a:t>
+              </a:r>
+              <a:endParaRPr kumimoji="0" lang="zh-CN" altLang="zh-CN" sz="4000" b="0" i="0" u="none" strike="noStrike" cap="none" normalizeH="0" baseline="0">
+                <a:ln>
+                  <a:noFill/>
+                </a:ln>
+                <a:solidFill>
+                  <a:schemeClr val="tx1"/>
+                </a:solidFill>
+                <a:effectLst/>
+                <a:latin typeface="Arial" panose="020B0604020202090204" pitchFamily="34" charset="0"/>
+              </a:endParaRPr>
+            </a:p>
+          </p:txBody>
+        </p:sp>
+        <p:sp>
+          <p:nvSpPr>
+            <p:cNvPr id="10244" name="Rectangle 35"/>
+            <p:cNvSpPr>
+              <a:spLocks noChangeArrowheads="1"/>
+            </p:cNvSpPr>
+            <p:nvPr/>
+          </p:nvSpPr>
+          <p:spPr bwMode="auto">
+            <a:xfrm>
+              <a:off x="4167122" y="3919922"/>
+              <a:ext cx="98762" cy="215481"/>
+            </a:xfrm>
+            <a:prstGeom prst="rect">
+              <a:avLst/>
+            </a:prstGeom>
+            <a:noFill/>
+            <a:ln>
+              <a:noFill/>
+            </a:ln>
+            <a:extLst>
+              <a:ext uri="{909E8E84-426E-40DD-AFC4-6F175D3DCCD1}">
+                <a14:hiddenFill xmlns:a14="http://schemas.microsoft.com/office/drawing/2010/main">
+                  <a:solidFill>
+                    <a:srgbClr val="FFFFFF"/>
+                  </a:solidFill>
+                </a14:hiddenFill>
+              </a:ext>
+              <a:ext uri="{91240B29-F687-4F45-9708-019B960494DF}">
+                <a14:hiddenLine xmlns:a14="http://schemas.microsoft.com/office/drawing/2010/main" w="9525">
+                  <a:solidFill>
+                    <a:srgbClr val="000000"/>
+                  </a:solidFill>
+                  <a:miter lim="800000"/>
+                  <a:headEnd/>
+                  <a:tailEnd/>
+                </a14:hiddenLine>
+              </a:ext>
+            </a:extLst>
+          </p:spPr>
+          <p:txBody>
+            <a:bodyPr vert="horz" wrap="none" lIns="0" tIns="0" rIns="0" bIns="0" numCol="1" anchor="t" anchorCtr="0" compatLnSpc="1">
+              <a:spAutoFit/>
+            </a:bodyPr>
+            <a:lstStyle>
+              <a:lvl1pPr eaLnBrk="0" fontAlgn="base" hangingPunct="0">
+                <a:spcBef>
+                  <a:spcPct val="0"/>
+                </a:spcBef>
+                <a:spcAft>
+                  <a:spcPct val="0"/>
+                </a:spcAft>
+                <a:defRPr>
+                  <a:solidFill>
+                    <a:schemeClr val="tx1"/>
+                  </a:solidFill>
+                  <a:latin typeface="Arial" panose="020B0604020202090204" pitchFamily="34" charset="0"/>
+                </a:defRPr>
+              </a:lvl1pPr>
+              <a:lvl2pPr eaLnBrk="0" fontAlgn="base" hangingPunct="0">
+                <a:spcBef>
+                  <a:spcPct val="0"/>
+                </a:spcBef>
+                <a:spcAft>
+                  <a:spcPct val="0"/>
+                </a:spcAft>
+                <a:defRPr>
+                  <a:solidFill>
+                    <a:schemeClr val="tx1"/>
+                  </a:solidFill>
+                  <a:latin typeface="Arial" panose="020B0604020202090204" pitchFamily="34" charset="0"/>
+                </a:defRPr>
+              </a:lvl2pPr>
+              <a:lvl3pPr eaLnBrk="0" fontAlgn="base" hangingPunct="0">
+                <a:spcBef>
+                  <a:spcPct val="0"/>
+                </a:spcBef>
+                <a:spcAft>
+                  <a:spcPct val="0"/>
+                </a:spcAft>
+                <a:defRPr>
+                  <a:solidFill>
+                    <a:schemeClr val="tx1"/>
+                  </a:solidFill>
+                  <a:latin typeface="Arial" panose="020B0604020202090204" pitchFamily="34" charset="0"/>
+                </a:defRPr>
+              </a:lvl3pPr>
+              <a:lvl4pPr eaLnBrk="0" fontAlgn="base" hangingPunct="0">
+                <a:spcBef>
+                  <a:spcPct val="0"/>
+                </a:spcBef>
+                <a:spcAft>
+                  <a:spcPct val="0"/>
+                </a:spcAft>
+                <a:defRPr>
+                  <a:solidFill>
+                    <a:schemeClr val="tx1"/>
+                  </a:solidFill>
+                  <a:latin typeface="Arial" panose="020B0604020202090204" pitchFamily="34" charset="0"/>
+                </a:defRPr>
+              </a:lvl4pPr>
+              <a:lvl5pPr eaLnBrk="0" fontAlgn="base" hangingPunct="0">
+                <a:spcBef>
+                  <a:spcPct val="0"/>
+                </a:spcBef>
+                <a:spcAft>
+                  <a:spcPct val="0"/>
+                </a:spcAft>
+                <a:defRPr>
+                  <a:solidFill>
+                    <a:schemeClr val="tx1"/>
+                  </a:solidFill>
+                  <a:latin typeface="Arial" panose="020B0604020202090204" pitchFamily="34" charset="0"/>
+                </a:defRPr>
+              </a:lvl5pPr>
+              <a:lvl6pPr eaLnBrk="0" fontAlgn="base" hangingPunct="0">
+                <a:spcBef>
+                  <a:spcPct val="0"/>
+                </a:spcBef>
+                <a:spcAft>
+                  <a:spcPct val="0"/>
+                </a:spcAft>
+                <a:defRPr>
+                  <a:solidFill>
+                    <a:schemeClr val="tx1"/>
+                  </a:solidFill>
+                  <a:latin typeface="Arial" panose="020B0604020202090204" pitchFamily="34" charset="0"/>
+                </a:defRPr>
+              </a:lvl6pPr>
+              <a:lvl7pPr eaLnBrk="0" fontAlgn="base" hangingPunct="0">
+                <a:spcBef>
+                  <a:spcPct val="0"/>
+                </a:spcBef>
+                <a:spcAft>
+                  <a:spcPct val="0"/>
+                </a:spcAft>
+                <a:defRPr>
+                  <a:solidFill>
+                    <a:schemeClr val="tx1"/>
+                  </a:solidFill>
+                  <a:latin typeface="Arial" panose="020B0604020202090204" pitchFamily="34" charset="0"/>
+                </a:defRPr>
+              </a:lvl7pPr>
+              <a:lvl8pPr eaLnBrk="0" fontAlgn="base" hangingPunct="0">
+                <a:spcBef>
+                  <a:spcPct val="0"/>
+                </a:spcBef>
+                <a:spcAft>
+                  <a:spcPct val="0"/>
+                </a:spcAft>
+                <a:defRPr>
+                  <a:solidFill>
+                    <a:schemeClr val="tx1"/>
+                  </a:solidFill>
+                  <a:latin typeface="Arial" panose="020B0604020202090204" pitchFamily="34" charset="0"/>
+                </a:defRPr>
+              </a:lvl8pPr>
+              <a:lvl9pPr eaLnBrk="0" fontAlgn="base" hangingPunct="0">
+                <a:spcBef>
+                  <a:spcPct val="0"/>
+                </a:spcBef>
+                <a:spcAft>
+                  <a:spcPct val="0"/>
+                </a:spcAft>
+                <a:defRPr>
+                  <a:solidFill>
+                    <a:schemeClr val="tx1"/>
+                  </a:solidFill>
+                  <a:latin typeface="Arial" panose="020B0604020202090204" pitchFamily="34" charset="0"/>
+                </a:defRPr>
+              </a:lvl9pPr>
+            </a:lstStyle>
+            <a:p>
+              <a:pPr marL="0" marR="0" lvl="0" indent="0" algn="l" defTabSz="914400" rtl="0" eaLnBrk="0" fontAlgn="base" latinLnBrk="0" hangingPunct="0">
+                <a:lnSpc>
+                  <a:spcPct val="100000"/>
+                </a:lnSpc>
+                <a:spcBef>
+                  <a:spcPct val="0"/>
+                </a:spcBef>
+                <a:spcAft>
+                  <a:spcPct val="0"/>
+                </a:spcAft>
+                <a:buClrTx/>
+                <a:buSzTx/>
+                <a:buFontTx/>
+                <a:buNone/>
+              </a:pPr>
+              <a:r>
+                <a:rPr kumimoji="0" lang="zh-CN" altLang="zh-CN" sz="1400" b="0" i="0" u="none" strike="noStrike" cap="none" normalizeH="0" baseline="0">
+                  <a:ln>
+                    <a:noFill/>
+                  </a:ln>
+                  <a:solidFill>
+                    <a:srgbClr val="000080"/>
+                  </a:solidFill>
+                  <a:effectLst/>
+                </a:rPr>
+                <a:t>1</a:t>
+              </a:r>
+              <a:endParaRPr kumimoji="0" lang="zh-CN" altLang="zh-CN" sz="4000" b="0" i="0" u="none" strike="noStrike" cap="none" normalizeH="0" baseline="0">
+                <a:ln>
+                  <a:noFill/>
+                </a:ln>
+                <a:solidFill>
+                  <a:schemeClr val="tx1"/>
+                </a:solidFill>
+                <a:effectLst/>
+                <a:latin typeface="Arial" panose="020B0604020202090204" pitchFamily="34" charset="0"/>
+              </a:endParaRPr>
+            </a:p>
+          </p:txBody>
+        </p:sp>
+      </p:grpSp>
+      <p:graphicFrame>
+        <p:nvGraphicFramePr>
+          <p:cNvPr id="64" name="Object 7"/>
+          <p:cNvGraphicFramePr/>
+          <p:nvPr/>
+        </p:nvGraphicFramePr>
+        <p:xfrm>
+          <a:off x="5157442" y="4563883"/>
+          <a:ext cx="292275" cy="340051"/>
+        </p:xfrm>
+        <a:graphic>
+          <a:graphicData uri="http://schemas.openxmlformats.org/presentationml/2006/ole">
+            <mc:AlternateContent xmlns:mc="http://schemas.openxmlformats.org/markup-compatibility/2006">
+              <mc:Choice xmlns:v="urn:schemas-microsoft-com:vml" Requires="v">
+                <p:oleObj spid="_x0000_s6304" name="" r:id="rId1" imgW="152400" imgH="177800" progId="Equation.DSMT4">
+                  <p:embed/>
+                </p:oleObj>
+              </mc:Choice>
+              <mc:Fallback>
+                <p:oleObj name="" r:id="rId1" imgW="152400" imgH="177800" progId="Equation.DSMT4">
+                  <p:embed/>
+                  <p:pic>
+                    <p:nvPicPr>
+                      <p:cNvPr id="0" name="Object 7"/>
+                      <p:cNvPicPr>
+                        <a:picLocks noChangeArrowheads="1"/>
+                      </p:cNvPicPr>
+                      <p:nvPr/>
+                    </p:nvPicPr>
+                    <p:blipFill>
+                      <a:blip r:embed="rId2">
+                        <a:extLst>
+                          <a:ext uri="{28A0092B-C50C-407E-A947-70E740481C1C}">
+                            <a14:useLocalDpi xmlns:a14="http://schemas.microsoft.com/office/drawing/2010/main" val="0"/>
+                          </a:ext>
+                        </a:extLst>
+                      </a:blip>
+                      <a:srcRect/>
+                      <a:stretch>
+                        <a:fillRect/>
+                      </a:stretch>
+                    </p:blipFill>
+                    <p:spPr bwMode="auto">
+                      <a:xfrm>
+                        <a:off x="5157442" y="4563883"/>
+                        <a:ext cx="292275" cy="340051"/>
+                      </a:xfrm>
+                      <a:prstGeom prst="rect">
+                        <a:avLst/>
+                      </a:prstGeom>
+                      <a:noFill/>
+                      <a:ln>
+                        <a:noFill/>
+                      </a:ln>
+                    </p:spPr>
+                  </p:pic>
+                </p:oleObj>
+              </mc:Fallback>
+            </mc:AlternateContent>
+          </a:graphicData>
+        </a:graphic>
+      </p:graphicFrame>
+      <p:grpSp>
+        <p:nvGrpSpPr>
+          <p:cNvPr id="131" name="组合 130"/>
+          <p:cNvGrpSpPr/>
+          <p:nvPr/>
+        </p:nvGrpSpPr>
+        <p:grpSpPr>
+          <a:xfrm>
+            <a:off x="6223649" y="4569386"/>
+            <a:ext cx="3173449" cy="215481"/>
+            <a:chOff x="5010164" y="4808781"/>
+            <a:chExt cx="3173449" cy="215481"/>
+          </a:xfrm>
+        </p:grpSpPr>
+        <p:sp>
+          <p:nvSpPr>
+            <p:cNvPr id="10280" name="Rectangle 61"/>
+            <p:cNvSpPr>
+              <a:spLocks noChangeArrowheads="1"/>
+            </p:cNvSpPr>
+            <p:nvPr/>
+          </p:nvSpPr>
+          <p:spPr bwMode="auto">
+            <a:xfrm>
+              <a:off x="5792208" y="4808781"/>
+              <a:ext cx="98762" cy="215481"/>
+            </a:xfrm>
+            <a:prstGeom prst="rect">
+              <a:avLst/>
+            </a:prstGeom>
+            <a:noFill/>
+            <a:ln>
+              <a:noFill/>
+            </a:ln>
+            <a:extLst>
+              <a:ext uri="{909E8E84-426E-40DD-AFC4-6F175D3DCCD1}">
+                <a14:hiddenFill xmlns:a14="http://schemas.microsoft.com/office/drawing/2010/main">
+                  <a:solidFill>
+                    <a:srgbClr val="FFFFFF"/>
+                  </a:solidFill>
+                </a14:hiddenFill>
+              </a:ext>
+              <a:ext uri="{91240B29-F687-4F45-9708-019B960494DF}">
+                <a14:hiddenLine xmlns:a14="http://schemas.microsoft.com/office/drawing/2010/main" w="9525">
+                  <a:solidFill>
+                    <a:srgbClr val="000000"/>
+                  </a:solidFill>
+                  <a:miter lim="800000"/>
+                  <a:headEnd/>
+                  <a:tailEnd/>
+                </a14:hiddenLine>
+              </a:ext>
+            </a:extLst>
+          </p:spPr>
+          <p:txBody>
+            <a:bodyPr vert="horz" wrap="none" lIns="0" tIns="0" rIns="0" bIns="0" numCol="1" anchor="t" anchorCtr="0" compatLnSpc="1">
+              <a:spAutoFit/>
+            </a:bodyPr>
+            <a:lstStyle>
+              <a:lvl1pPr eaLnBrk="0" fontAlgn="base" hangingPunct="0">
+                <a:spcBef>
+                  <a:spcPct val="0"/>
+                </a:spcBef>
+                <a:spcAft>
+                  <a:spcPct val="0"/>
+                </a:spcAft>
+                <a:defRPr>
+                  <a:solidFill>
+                    <a:schemeClr val="tx1"/>
+                  </a:solidFill>
+                  <a:latin typeface="Arial" panose="020B0604020202090204" pitchFamily="34" charset="0"/>
+                </a:defRPr>
+              </a:lvl1pPr>
+              <a:lvl2pPr eaLnBrk="0" fontAlgn="base" hangingPunct="0">
+                <a:spcBef>
+                  <a:spcPct val="0"/>
+                </a:spcBef>
+                <a:spcAft>
+                  <a:spcPct val="0"/>
+                </a:spcAft>
+                <a:defRPr>
+                  <a:solidFill>
+                    <a:schemeClr val="tx1"/>
+                  </a:solidFill>
+                  <a:latin typeface="Arial" panose="020B0604020202090204" pitchFamily="34" charset="0"/>
+                </a:defRPr>
+              </a:lvl2pPr>
+              <a:lvl3pPr eaLnBrk="0" fontAlgn="base" hangingPunct="0">
+                <a:spcBef>
+                  <a:spcPct val="0"/>
+                </a:spcBef>
+                <a:spcAft>
+                  <a:spcPct val="0"/>
+                </a:spcAft>
+                <a:defRPr>
+                  <a:solidFill>
+                    <a:schemeClr val="tx1"/>
+                  </a:solidFill>
+                  <a:latin typeface="Arial" panose="020B0604020202090204" pitchFamily="34" charset="0"/>
+                </a:defRPr>
+              </a:lvl3pPr>
+              <a:lvl4pPr eaLnBrk="0" fontAlgn="base" hangingPunct="0">
+                <a:spcBef>
+                  <a:spcPct val="0"/>
+                </a:spcBef>
+                <a:spcAft>
+                  <a:spcPct val="0"/>
+                </a:spcAft>
+                <a:defRPr>
+                  <a:solidFill>
+                    <a:schemeClr val="tx1"/>
+                  </a:solidFill>
+                  <a:latin typeface="Arial" panose="020B0604020202090204" pitchFamily="34" charset="0"/>
+                </a:defRPr>
+              </a:lvl4pPr>
+              <a:lvl5pPr eaLnBrk="0" fontAlgn="base" hangingPunct="0">
+                <a:spcBef>
+                  <a:spcPct val="0"/>
+                </a:spcBef>
+                <a:spcAft>
+                  <a:spcPct val="0"/>
+                </a:spcAft>
+                <a:defRPr>
+                  <a:solidFill>
+                    <a:schemeClr val="tx1"/>
+                  </a:solidFill>
+                  <a:latin typeface="Arial" panose="020B0604020202090204" pitchFamily="34" charset="0"/>
+                </a:defRPr>
+              </a:lvl5pPr>
+              <a:lvl6pPr eaLnBrk="0" fontAlgn="base" hangingPunct="0">
+                <a:spcBef>
+                  <a:spcPct val="0"/>
+                </a:spcBef>
+                <a:spcAft>
+                  <a:spcPct val="0"/>
+                </a:spcAft>
+                <a:defRPr>
+                  <a:solidFill>
+                    <a:schemeClr val="tx1"/>
+                  </a:solidFill>
+                  <a:latin typeface="Arial" panose="020B0604020202090204" pitchFamily="34" charset="0"/>
+                </a:defRPr>
+              </a:lvl6pPr>
+              <a:lvl7pPr eaLnBrk="0" fontAlgn="base" hangingPunct="0">
+                <a:spcBef>
+                  <a:spcPct val="0"/>
+                </a:spcBef>
+                <a:spcAft>
+                  <a:spcPct val="0"/>
+                </a:spcAft>
+                <a:defRPr>
+                  <a:solidFill>
+                    <a:schemeClr val="tx1"/>
+                  </a:solidFill>
+                  <a:latin typeface="Arial" panose="020B0604020202090204" pitchFamily="34" charset="0"/>
+                </a:defRPr>
+              </a:lvl7pPr>
+              <a:lvl8pPr eaLnBrk="0" fontAlgn="base" hangingPunct="0">
+                <a:spcBef>
+                  <a:spcPct val="0"/>
+                </a:spcBef>
+                <a:spcAft>
+                  <a:spcPct val="0"/>
+                </a:spcAft>
+                <a:defRPr>
+                  <a:solidFill>
+                    <a:schemeClr val="tx1"/>
+                  </a:solidFill>
+                  <a:latin typeface="Arial" panose="020B0604020202090204" pitchFamily="34" charset="0"/>
+                </a:defRPr>
+              </a:lvl8pPr>
+              <a:lvl9pPr eaLnBrk="0" fontAlgn="base" hangingPunct="0">
+                <a:spcBef>
+                  <a:spcPct val="0"/>
+                </a:spcBef>
+                <a:spcAft>
+                  <a:spcPct val="0"/>
+                </a:spcAft>
+                <a:defRPr>
+                  <a:solidFill>
+                    <a:schemeClr val="tx1"/>
+                  </a:solidFill>
+                  <a:latin typeface="Arial" panose="020B0604020202090204" pitchFamily="34" charset="0"/>
+                </a:defRPr>
+              </a:lvl9pPr>
+            </a:lstStyle>
+            <a:p>
+              <a:pPr marL="0" marR="0" lvl="0" indent="0" algn="l" defTabSz="914400" rtl="0" eaLnBrk="0" fontAlgn="base" latinLnBrk="0" hangingPunct="0">
+                <a:lnSpc>
+                  <a:spcPct val="100000"/>
+                </a:lnSpc>
+                <a:spcBef>
+                  <a:spcPct val="0"/>
+                </a:spcBef>
+                <a:spcAft>
+                  <a:spcPct val="0"/>
+                </a:spcAft>
+                <a:buClrTx/>
+                <a:buSzTx/>
+                <a:buFontTx/>
+                <a:buNone/>
+              </a:pPr>
+              <a:r>
+                <a:rPr kumimoji="0" lang="zh-CN" altLang="zh-CN" sz="1400" b="0" i="0" u="none" strike="noStrike" cap="none" normalizeH="0" baseline="0" dirty="0">
+                  <a:ln>
+                    <a:noFill/>
+                  </a:ln>
+                  <a:solidFill>
+                    <a:srgbClr val="000080"/>
+                  </a:solidFill>
+                  <a:effectLst/>
+                </a:rPr>
+                <a:t>2</a:t>
+              </a:r>
+              <a:endParaRPr kumimoji="0" lang="zh-CN" altLang="zh-CN" sz="4000" b="0" i="0" u="none" strike="noStrike" cap="none" normalizeH="0" baseline="0" dirty="0">
+                <a:ln>
+                  <a:noFill/>
+                </a:ln>
+                <a:solidFill>
+                  <a:schemeClr val="tx1"/>
+                </a:solidFill>
+                <a:effectLst/>
+                <a:latin typeface="Arial" panose="020B0604020202090204" pitchFamily="34" charset="0"/>
+              </a:endParaRPr>
+            </a:p>
+          </p:txBody>
+        </p:sp>
+        <p:sp>
+          <p:nvSpPr>
+            <p:cNvPr id="10285" name="Rectangle 66"/>
+            <p:cNvSpPr>
+              <a:spLocks noChangeArrowheads="1"/>
+            </p:cNvSpPr>
+            <p:nvPr/>
+          </p:nvSpPr>
+          <p:spPr bwMode="auto">
+            <a:xfrm>
+              <a:off x="7327511" y="4808781"/>
+              <a:ext cx="98762" cy="215481"/>
+            </a:xfrm>
+            <a:prstGeom prst="rect">
+              <a:avLst/>
+            </a:prstGeom>
+            <a:noFill/>
+            <a:ln>
+              <a:noFill/>
+            </a:ln>
+            <a:extLst>
+              <a:ext uri="{909E8E84-426E-40DD-AFC4-6F175D3DCCD1}">
+                <a14:hiddenFill xmlns:a14="http://schemas.microsoft.com/office/drawing/2010/main">
+                  <a:solidFill>
+                    <a:srgbClr val="FFFFFF"/>
+                  </a:solidFill>
+                </a14:hiddenFill>
+              </a:ext>
+              <a:ext uri="{91240B29-F687-4F45-9708-019B960494DF}">
+                <a14:hiddenLine xmlns:a14="http://schemas.microsoft.com/office/drawing/2010/main" w="9525">
+                  <a:solidFill>
+                    <a:srgbClr val="000000"/>
+                  </a:solidFill>
+                  <a:miter lim="800000"/>
+                  <a:headEnd/>
+                  <a:tailEnd/>
+                </a14:hiddenLine>
+              </a:ext>
+            </a:extLst>
+          </p:spPr>
+          <p:txBody>
+            <a:bodyPr vert="horz" wrap="none" lIns="0" tIns="0" rIns="0" bIns="0" numCol="1" anchor="t" anchorCtr="0" compatLnSpc="1">
+              <a:spAutoFit/>
+            </a:bodyPr>
+            <a:lstStyle>
+              <a:lvl1pPr eaLnBrk="0" fontAlgn="base" hangingPunct="0">
+                <a:spcBef>
+                  <a:spcPct val="0"/>
+                </a:spcBef>
+                <a:spcAft>
+                  <a:spcPct val="0"/>
+                </a:spcAft>
+                <a:defRPr>
+                  <a:solidFill>
+                    <a:schemeClr val="tx1"/>
+                  </a:solidFill>
+                  <a:latin typeface="Arial" panose="020B0604020202090204" pitchFamily="34" charset="0"/>
+                </a:defRPr>
+              </a:lvl1pPr>
+              <a:lvl2pPr eaLnBrk="0" fontAlgn="base" hangingPunct="0">
+                <a:spcBef>
+                  <a:spcPct val="0"/>
+                </a:spcBef>
+                <a:spcAft>
+                  <a:spcPct val="0"/>
+                </a:spcAft>
+                <a:defRPr>
+                  <a:solidFill>
+                    <a:schemeClr val="tx1"/>
+                  </a:solidFill>
+                  <a:latin typeface="Arial" panose="020B0604020202090204" pitchFamily="34" charset="0"/>
+                </a:defRPr>
+              </a:lvl2pPr>
+              <a:lvl3pPr eaLnBrk="0" fontAlgn="base" hangingPunct="0">
+                <a:spcBef>
+                  <a:spcPct val="0"/>
+                </a:spcBef>
+                <a:spcAft>
+                  <a:spcPct val="0"/>
+                </a:spcAft>
+                <a:defRPr>
+                  <a:solidFill>
+                    <a:schemeClr val="tx1"/>
+                  </a:solidFill>
+                  <a:latin typeface="Arial" panose="020B0604020202090204" pitchFamily="34" charset="0"/>
+                </a:defRPr>
+              </a:lvl3pPr>
+              <a:lvl4pPr eaLnBrk="0" fontAlgn="base" hangingPunct="0">
+                <a:spcBef>
+                  <a:spcPct val="0"/>
+                </a:spcBef>
+                <a:spcAft>
+                  <a:spcPct val="0"/>
+                </a:spcAft>
+                <a:defRPr>
+                  <a:solidFill>
+                    <a:schemeClr val="tx1"/>
+                  </a:solidFill>
+                  <a:latin typeface="Arial" panose="020B0604020202090204" pitchFamily="34" charset="0"/>
+                </a:defRPr>
+              </a:lvl4pPr>
+              <a:lvl5pPr eaLnBrk="0" fontAlgn="base" hangingPunct="0">
+                <a:spcBef>
+                  <a:spcPct val="0"/>
+                </a:spcBef>
+                <a:spcAft>
+                  <a:spcPct val="0"/>
+                </a:spcAft>
+                <a:defRPr>
+                  <a:solidFill>
+                    <a:schemeClr val="tx1"/>
+                  </a:solidFill>
+                  <a:latin typeface="Arial" panose="020B0604020202090204" pitchFamily="34" charset="0"/>
+                </a:defRPr>
+              </a:lvl5pPr>
+              <a:lvl6pPr eaLnBrk="0" fontAlgn="base" hangingPunct="0">
+                <a:spcBef>
+                  <a:spcPct val="0"/>
+                </a:spcBef>
+                <a:spcAft>
+                  <a:spcPct val="0"/>
+                </a:spcAft>
+                <a:defRPr>
+                  <a:solidFill>
+                    <a:schemeClr val="tx1"/>
+                  </a:solidFill>
+                  <a:latin typeface="Arial" panose="020B0604020202090204" pitchFamily="34" charset="0"/>
+                </a:defRPr>
+              </a:lvl6pPr>
+              <a:lvl7pPr eaLnBrk="0" fontAlgn="base" hangingPunct="0">
+                <a:spcBef>
+                  <a:spcPct val="0"/>
+                </a:spcBef>
+                <a:spcAft>
+                  <a:spcPct val="0"/>
+                </a:spcAft>
+                <a:defRPr>
+                  <a:solidFill>
+                    <a:schemeClr val="tx1"/>
+                  </a:solidFill>
+                  <a:latin typeface="Arial" panose="020B0604020202090204" pitchFamily="34" charset="0"/>
+                </a:defRPr>
+              </a:lvl7pPr>
+              <a:lvl8pPr eaLnBrk="0" fontAlgn="base" hangingPunct="0">
+                <a:spcBef>
+                  <a:spcPct val="0"/>
+                </a:spcBef>
+                <a:spcAft>
+                  <a:spcPct val="0"/>
+                </a:spcAft>
+                <a:defRPr>
+                  <a:solidFill>
+                    <a:schemeClr val="tx1"/>
+                  </a:solidFill>
+                  <a:latin typeface="Arial" panose="020B0604020202090204" pitchFamily="34" charset="0"/>
+                </a:defRPr>
+              </a:lvl8pPr>
+              <a:lvl9pPr eaLnBrk="0" fontAlgn="base" hangingPunct="0">
+                <a:spcBef>
+                  <a:spcPct val="0"/>
+                </a:spcBef>
+                <a:spcAft>
+                  <a:spcPct val="0"/>
+                </a:spcAft>
+                <a:defRPr>
+                  <a:solidFill>
+                    <a:schemeClr val="tx1"/>
+                  </a:solidFill>
+                  <a:latin typeface="Arial" panose="020B0604020202090204" pitchFamily="34" charset="0"/>
+                </a:defRPr>
+              </a:lvl9pPr>
+            </a:lstStyle>
+            <a:p>
+              <a:pPr marL="0" marR="0" lvl="0" indent="0" algn="l" defTabSz="914400" rtl="0" eaLnBrk="0" fontAlgn="base" latinLnBrk="0" hangingPunct="0">
+                <a:lnSpc>
+                  <a:spcPct val="100000"/>
+                </a:lnSpc>
+                <a:spcBef>
+                  <a:spcPct val="0"/>
+                </a:spcBef>
+                <a:spcAft>
+                  <a:spcPct val="0"/>
+                </a:spcAft>
+                <a:buClrTx/>
+                <a:buSzTx/>
+                <a:buFontTx/>
+                <a:buNone/>
+              </a:pPr>
+              <a:r>
+                <a:rPr kumimoji="0" lang="zh-CN" altLang="zh-CN" sz="1400" b="0" i="0" u="none" strike="noStrike" cap="none" normalizeH="0" baseline="0">
+                  <a:ln>
+                    <a:noFill/>
+                  </a:ln>
+                  <a:solidFill>
+                    <a:srgbClr val="000080"/>
+                  </a:solidFill>
+                  <a:effectLst/>
+                </a:rPr>
+                <a:t>4</a:t>
+              </a:r>
+              <a:endParaRPr kumimoji="0" lang="zh-CN" altLang="zh-CN" sz="4000" b="0" i="0" u="none" strike="noStrike" cap="none" normalizeH="0" baseline="0">
+                <a:ln>
+                  <a:noFill/>
+                </a:ln>
+                <a:solidFill>
+                  <a:schemeClr val="tx1"/>
+                </a:solidFill>
+                <a:effectLst/>
+                <a:latin typeface="Arial" panose="020B0604020202090204" pitchFamily="34" charset="0"/>
+              </a:endParaRPr>
+            </a:p>
+          </p:txBody>
+        </p:sp>
+        <p:sp>
+          <p:nvSpPr>
+            <p:cNvPr id="128" name="Rectangle 61"/>
+            <p:cNvSpPr>
+              <a:spLocks noChangeArrowheads="1"/>
+            </p:cNvSpPr>
+            <p:nvPr/>
+          </p:nvSpPr>
+          <p:spPr bwMode="auto">
+            <a:xfrm>
+              <a:off x="5010164" y="4808781"/>
+              <a:ext cx="99386" cy="215444"/>
+            </a:xfrm>
+            <a:prstGeom prst="rect">
+              <a:avLst/>
+            </a:prstGeom>
+            <a:noFill/>
+            <a:ln>
+              <a:noFill/>
+            </a:ln>
+            <a:extLst>
+              <a:ext uri="{909E8E84-426E-40DD-AFC4-6F175D3DCCD1}">
+                <a14:hiddenFill xmlns:a14="http://schemas.microsoft.com/office/drawing/2010/main">
+                  <a:solidFill>
+                    <a:srgbClr val="FFFFFF"/>
+                  </a:solidFill>
+                </a14:hiddenFill>
+              </a:ext>
+              <a:ext uri="{91240B29-F687-4F45-9708-019B960494DF}">
+                <a14:hiddenLine xmlns:a14="http://schemas.microsoft.com/office/drawing/2010/main" w="9525">
+                  <a:solidFill>
+                    <a:srgbClr val="000000"/>
+                  </a:solidFill>
+                  <a:miter lim="800000"/>
+                  <a:headEnd/>
+                  <a:tailEnd/>
+                </a14:hiddenLine>
+              </a:ext>
+            </a:extLst>
+          </p:spPr>
+          <p:txBody>
+            <a:bodyPr vert="horz" wrap="none" lIns="0" tIns="0" rIns="0" bIns="0" numCol="1" anchor="t" anchorCtr="0" compatLnSpc="1">
+              <a:spAutoFit/>
+            </a:bodyPr>
+            <a:lstStyle>
+              <a:lvl1pPr eaLnBrk="0" fontAlgn="base" hangingPunct="0">
+                <a:spcBef>
+                  <a:spcPct val="0"/>
+                </a:spcBef>
+                <a:spcAft>
+                  <a:spcPct val="0"/>
+                </a:spcAft>
+                <a:defRPr>
+                  <a:solidFill>
+                    <a:schemeClr val="tx1"/>
+                  </a:solidFill>
+                  <a:latin typeface="Arial" panose="020B0604020202090204" pitchFamily="34" charset="0"/>
+                </a:defRPr>
+              </a:lvl1pPr>
+              <a:lvl2pPr eaLnBrk="0" fontAlgn="base" hangingPunct="0">
+                <a:spcBef>
+                  <a:spcPct val="0"/>
+                </a:spcBef>
+                <a:spcAft>
+                  <a:spcPct val="0"/>
+                </a:spcAft>
+                <a:defRPr>
+                  <a:solidFill>
+                    <a:schemeClr val="tx1"/>
+                  </a:solidFill>
+                  <a:latin typeface="Arial" panose="020B0604020202090204" pitchFamily="34" charset="0"/>
+                </a:defRPr>
+              </a:lvl2pPr>
+              <a:lvl3pPr eaLnBrk="0" fontAlgn="base" hangingPunct="0">
+                <a:spcBef>
+                  <a:spcPct val="0"/>
+                </a:spcBef>
+                <a:spcAft>
+                  <a:spcPct val="0"/>
+                </a:spcAft>
+                <a:defRPr>
+                  <a:solidFill>
+                    <a:schemeClr val="tx1"/>
+                  </a:solidFill>
+                  <a:latin typeface="Arial" panose="020B0604020202090204" pitchFamily="34" charset="0"/>
+                </a:defRPr>
+              </a:lvl3pPr>
+              <a:lvl4pPr eaLnBrk="0" fontAlgn="base" hangingPunct="0">
+                <a:spcBef>
+                  <a:spcPct val="0"/>
+                </a:spcBef>
+                <a:spcAft>
+                  <a:spcPct val="0"/>
+                </a:spcAft>
+                <a:defRPr>
+                  <a:solidFill>
+                    <a:schemeClr val="tx1"/>
+                  </a:solidFill>
+                  <a:latin typeface="Arial" panose="020B0604020202090204" pitchFamily="34" charset="0"/>
+                </a:defRPr>
+              </a:lvl4pPr>
+              <a:lvl5pPr eaLnBrk="0" fontAlgn="base" hangingPunct="0">
+                <a:spcBef>
+                  <a:spcPct val="0"/>
+                </a:spcBef>
+                <a:spcAft>
+                  <a:spcPct val="0"/>
+                </a:spcAft>
+                <a:defRPr>
+                  <a:solidFill>
+                    <a:schemeClr val="tx1"/>
+                  </a:solidFill>
+                  <a:latin typeface="Arial" panose="020B0604020202090204" pitchFamily="34" charset="0"/>
+                </a:defRPr>
+              </a:lvl5pPr>
+              <a:lvl6pPr eaLnBrk="0" fontAlgn="base" hangingPunct="0">
+                <a:spcBef>
+                  <a:spcPct val="0"/>
+                </a:spcBef>
+                <a:spcAft>
+                  <a:spcPct val="0"/>
+                </a:spcAft>
+                <a:defRPr>
+                  <a:solidFill>
+                    <a:schemeClr val="tx1"/>
+                  </a:solidFill>
+                  <a:latin typeface="Arial" panose="020B0604020202090204" pitchFamily="34" charset="0"/>
+                </a:defRPr>
+              </a:lvl6pPr>
+              <a:lvl7pPr eaLnBrk="0" fontAlgn="base" hangingPunct="0">
+                <a:spcBef>
+                  <a:spcPct val="0"/>
+                </a:spcBef>
+                <a:spcAft>
+                  <a:spcPct val="0"/>
+                </a:spcAft>
+                <a:defRPr>
+                  <a:solidFill>
+                    <a:schemeClr val="tx1"/>
+                  </a:solidFill>
+                  <a:latin typeface="Arial" panose="020B0604020202090204" pitchFamily="34" charset="0"/>
+                </a:defRPr>
+              </a:lvl7pPr>
+              <a:lvl8pPr eaLnBrk="0" fontAlgn="base" hangingPunct="0">
+                <a:spcBef>
+                  <a:spcPct val="0"/>
+                </a:spcBef>
+                <a:spcAft>
+                  <a:spcPct val="0"/>
+                </a:spcAft>
+                <a:defRPr>
+                  <a:solidFill>
+                    <a:schemeClr val="tx1"/>
+                  </a:solidFill>
+                  <a:latin typeface="Arial" panose="020B0604020202090204" pitchFamily="34" charset="0"/>
+                </a:defRPr>
+              </a:lvl8pPr>
+              <a:lvl9pPr eaLnBrk="0" fontAlgn="base" hangingPunct="0">
+                <a:spcBef>
+                  <a:spcPct val="0"/>
+                </a:spcBef>
+                <a:spcAft>
+                  <a:spcPct val="0"/>
+                </a:spcAft>
+                <a:defRPr>
+                  <a:solidFill>
+                    <a:schemeClr val="tx1"/>
+                  </a:solidFill>
+                  <a:latin typeface="Arial" panose="020B0604020202090204" pitchFamily="34" charset="0"/>
+                </a:defRPr>
+              </a:lvl9pPr>
+            </a:lstStyle>
+            <a:p>
+              <a:pPr marL="0" marR="0" lvl="0" indent="0" algn="l" defTabSz="914400" rtl="0" eaLnBrk="0" fontAlgn="base" latinLnBrk="0" hangingPunct="0">
+                <a:lnSpc>
+                  <a:spcPct val="100000"/>
+                </a:lnSpc>
+                <a:spcBef>
+                  <a:spcPct val="0"/>
+                </a:spcBef>
+                <a:spcAft>
+                  <a:spcPct val="0"/>
+                </a:spcAft>
+                <a:buClrTx/>
+                <a:buSzTx/>
+                <a:buFontTx/>
+                <a:buNone/>
+              </a:pPr>
+              <a:r>
+                <a:rPr lang="en-US" altLang="zh-CN" sz="1400" dirty="0">
+                  <a:solidFill>
+                    <a:srgbClr val="000080"/>
+                  </a:solidFill>
+                </a:rPr>
+                <a:t>1</a:t>
+              </a:r>
+              <a:endParaRPr kumimoji="0" lang="zh-CN" altLang="zh-CN" sz="4000" b="0" i="0" u="none" strike="noStrike" cap="none" normalizeH="0" baseline="0" dirty="0">
+                <a:ln>
+                  <a:noFill/>
+                </a:ln>
+                <a:solidFill>
+                  <a:schemeClr val="tx1"/>
+                </a:solidFill>
+                <a:effectLst/>
+                <a:latin typeface="Arial" panose="020B0604020202090204" pitchFamily="34" charset="0"/>
+              </a:endParaRPr>
+            </a:p>
+          </p:txBody>
+        </p:sp>
+        <p:sp>
+          <p:nvSpPr>
+            <p:cNvPr id="129" name="Rectangle 61"/>
+            <p:cNvSpPr>
+              <a:spLocks noChangeArrowheads="1"/>
+            </p:cNvSpPr>
+            <p:nvPr/>
+          </p:nvSpPr>
+          <p:spPr bwMode="auto">
+            <a:xfrm>
+              <a:off x="6548349" y="4808781"/>
+              <a:ext cx="99386" cy="215444"/>
+            </a:xfrm>
+            <a:prstGeom prst="rect">
+              <a:avLst/>
+            </a:prstGeom>
+            <a:noFill/>
+            <a:ln>
+              <a:noFill/>
+            </a:ln>
+            <a:extLst>
+              <a:ext uri="{909E8E84-426E-40DD-AFC4-6F175D3DCCD1}">
+                <a14:hiddenFill xmlns:a14="http://schemas.microsoft.com/office/drawing/2010/main">
+                  <a:solidFill>
+                    <a:srgbClr val="FFFFFF"/>
+                  </a:solidFill>
+                </a14:hiddenFill>
+              </a:ext>
+              <a:ext uri="{91240B29-F687-4F45-9708-019B960494DF}">
+                <a14:hiddenLine xmlns:a14="http://schemas.microsoft.com/office/drawing/2010/main" w="9525">
+                  <a:solidFill>
+                    <a:srgbClr val="000000"/>
+                  </a:solidFill>
+                  <a:miter lim="800000"/>
+                  <a:headEnd/>
+                  <a:tailEnd/>
+                </a14:hiddenLine>
+              </a:ext>
+            </a:extLst>
+          </p:spPr>
+          <p:txBody>
+            <a:bodyPr vert="horz" wrap="none" lIns="0" tIns="0" rIns="0" bIns="0" numCol="1" anchor="t" anchorCtr="0" compatLnSpc="1">
+              <a:spAutoFit/>
+            </a:bodyPr>
+            <a:lstStyle>
+              <a:lvl1pPr eaLnBrk="0" fontAlgn="base" hangingPunct="0">
+                <a:spcBef>
+                  <a:spcPct val="0"/>
+                </a:spcBef>
+                <a:spcAft>
+                  <a:spcPct val="0"/>
+                </a:spcAft>
+                <a:defRPr>
+                  <a:solidFill>
+                    <a:schemeClr val="tx1"/>
+                  </a:solidFill>
+                  <a:latin typeface="Arial" panose="020B0604020202090204" pitchFamily="34" charset="0"/>
+                </a:defRPr>
+              </a:lvl1pPr>
+              <a:lvl2pPr eaLnBrk="0" fontAlgn="base" hangingPunct="0">
+                <a:spcBef>
+                  <a:spcPct val="0"/>
+                </a:spcBef>
+                <a:spcAft>
+                  <a:spcPct val="0"/>
+                </a:spcAft>
+                <a:defRPr>
+                  <a:solidFill>
+                    <a:schemeClr val="tx1"/>
+                  </a:solidFill>
+                  <a:latin typeface="Arial" panose="020B0604020202090204" pitchFamily="34" charset="0"/>
+                </a:defRPr>
+              </a:lvl2pPr>
+              <a:lvl3pPr eaLnBrk="0" fontAlgn="base" hangingPunct="0">
+                <a:spcBef>
+                  <a:spcPct val="0"/>
+                </a:spcBef>
+                <a:spcAft>
+                  <a:spcPct val="0"/>
+                </a:spcAft>
+                <a:defRPr>
+                  <a:solidFill>
+                    <a:schemeClr val="tx1"/>
+                  </a:solidFill>
+                  <a:latin typeface="Arial" panose="020B0604020202090204" pitchFamily="34" charset="0"/>
+                </a:defRPr>
+              </a:lvl3pPr>
+              <a:lvl4pPr eaLnBrk="0" fontAlgn="base" hangingPunct="0">
+                <a:spcBef>
+                  <a:spcPct val="0"/>
+                </a:spcBef>
+                <a:spcAft>
+                  <a:spcPct val="0"/>
+                </a:spcAft>
+                <a:defRPr>
+                  <a:solidFill>
+                    <a:schemeClr val="tx1"/>
+                  </a:solidFill>
+                  <a:latin typeface="Arial" panose="020B0604020202090204" pitchFamily="34" charset="0"/>
+                </a:defRPr>
+              </a:lvl4pPr>
+              <a:lvl5pPr eaLnBrk="0" fontAlgn="base" hangingPunct="0">
+                <a:spcBef>
+                  <a:spcPct val="0"/>
+                </a:spcBef>
+                <a:spcAft>
+                  <a:spcPct val="0"/>
+                </a:spcAft>
+                <a:defRPr>
+                  <a:solidFill>
+                    <a:schemeClr val="tx1"/>
+                  </a:solidFill>
+                  <a:latin typeface="Arial" panose="020B0604020202090204" pitchFamily="34" charset="0"/>
+                </a:defRPr>
+              </a:lvl5pPr>
+              <a:lvl6pPr eaLnBrk="0" fontAlgn="base" hangingPunct="0">
+                <a:spcBef>
+                  <a:spcPct val="0"/>
+                </a:spcBef>
+                <a:spcAft>
+                  <a:spcPct val="0"/>
+                </a:spcAft>
+                <a:defRPr>
+                  <a:solidFill>
+                    <a:schemeClr val="tx1"/>
+                  </a:solidFill>
+                  <a:latin typeface="Arial" panose="020B0604020202090204" pitchFamily="34" charset="0"/>
+                </a:defRPr>
+              </a:lvl6pPr>
+              <a:lvl7pPr eaLnBrk="0" fontAlgn="base" hangingPunct="0">
+                <a:spcBef>
+                  <a:spcPct val="0"/>
+                </a:spcBef>
+                <a:spcAft>
+                  <a:spcPct val="0"/>
+                </a:spcAft>
+                <a:defRPr>
+                  <a:solidFill>
+                    <a:schemeClr val="tx1"/>
+                  </a:solidFill>
+                  <a:latin typeface="Arial" panose="020B0604020202090204" pitchFamily="34" charset="0"/>
+                </a:defRPr>
+              </a:lvl7pPr>
+              <a:lvl8pPr eaLnBrk="0" fontAlgn="base" hangingPunct="0">
+                <a:spcBef>
+                  <a:spcPct val="0"/>
+                </a:spcBef>
+                <a:spcAft>
+                  <a:spcPct val="0"/>
+                </a:spcAft>
+                <a:defRPr>
+                  <a:solidFill>
+                    <a:schemeClr val="tx1"/>
+                  </a:solidFill>
+                  <a:latin typeface="Arial" panose="020B0604020202090204" pitchFamily="34" charset="0"/>
+                </a:defRPr>
+              </a:lvl8pPr>
+              <a:lvl9pPr eaLnBrk="0" fontAlgn="base" hangingPunct="0">
+                <a:spcBef>
+                  <a:spcPct val="0"/>
+                </a:spcBef>
+                <a:spcAft>
+                  <a:spcPct val="0"/>
+                </a:spcAft>
+                <a:defRPr>
+                  <a:solidFill>
+                    <a:schemeClr val="tx1"/>
+                  </a:solidFill>
+                  <a:latin typeface="Arial" panose="020B0604020202090204" pitchFamily="34" charset="0"/>
+                </a:defRPr>
+              </a:lvl9pPr>
+            </a:lstStyle>
+            <a:p>
+              <a:pPr marL="0" marR="0" lvl="0" indent="0" algn="l" defTabSz="914400" rtl="0" eaLnBrk="0" fontAlgn="base" latinLnBrk="0" hangingPunct="0">
+                <a:lnSpc>
+                  <a:spcPct val="100000"/>
+                </a:lnSpc>
+                <a:spcBef>
+                  <a:spcPct val="0"/>
+                </a:spcBef>
+                <a:spcAft>
+                  <a:spcPct val="0"/>
+                </a:spcAft>
+                <a:buClrTx/>
+                <a:buSzTx/>
+                <a:buFontTx/>
+                <a:buNone/>
+              </a:pPr>
+              <a:r>
+                <a:rPr lang="en-US" altLang="zh-CN" sz="1400" dirty="0">
+                  <a:solidFill>
+                    <a:srgbClr val="000080"/>
+                  </a:solidFill>
+                </a:rPr>
+                <a:t>3</a:t>
+              </a:r>
+              <a:endParaRPr kumimoji="0" lang="zh-CN" altLang="zh-CN" sz="4000" b="0" i="0" u="none" strike="noStrike" cap="none" normalizeH="0" baseline="0" dirty="0">
+                <a:ln>
+                  <a:noFill/>
+                </a:ln>
+                <a:solidFill>
+                  <a:schemeClr val="tx1"/>
+                </a:solidFill>
+                <a:effectLst/>
+                <a:latin typeface="Arial" panose="020B0604020202090204" pitchFamily="34" charset="0"/>
+              </a:endParaRPr>
+            </a:p>
+          </p:txBody>
+        </p:sp>
+        <p:sp>
+          <p:nvSpPr>
+            <p:cNvPr id="130" name="Rectangle 61"/>
+            <p:cNvSpPr>
+              <a:spLocks noChangeArrowheads="1"/>
+            </p:cNvSpPr>
+            <p:nvPr/>
+          </p:nvSpPr>
+          <p:spPr bwMode="auto">
+            <a:xfrm>
+              <a:off x="8084227" y="4808781"/>
+              <a:ext cx="99386" cy="215444"/>
+            </a:xfrm>
+            <a:prstGeom prst="rect">
+              <a:avLst/>
+            </a:prstGeom>
+            <a:noFill/>
+            <a:ln>
+              <a:noFill/>
+            </a:ln>
+            <a:extLst>
+              <a:ext uri="{909E8E84-426E-40DD-AFC4-6F175D3DCCD1}">
+                <a14:hiddenFill xmlns:a14="http://schemas.microsoft.com/office/drawing/2010/main">
+                  <a:solidFill>
+                    <a:srgbClr val="FFFFFF"/>
+                  </a:solidFill>
+                </a14:hiddenFill>
+              </a:ext>
+              <a:ext uri="{91240B29-F687-4F45-9708-019B960494DF}">
+                <a14:hiddenLine xmlns:a14="http://schemas.microsoft.com/office/drawing/2010/main" w="9525">
+                  <a:solidFill>
+                    <a:srgbClr val="000000"/>
+                  </a:solidFill>
+                  <a:miter lim="800000"/>
+                  <a:headEnd/>
+                  <a:tailEnd/>
+                </a14:hiddenLine>
+              </a:ext>
+            </a:extLst>
+          </p:spPr>
+          <p:txBody>
+            <a:bodyPr vert="horz" wrap="none" lIns="0" tIns="0" rIns="0" bIns="0" numCol="1" anchor="t" anchorCtr="0" compatLnSpc="1">
+              <a:spAutoFit/>
+            </a:bodyPr>
+            <a:lstStyle>
+              <a:lvl1pPr eaLnBrk="0" fontAlgn="base" hangingPunct="0">
+                <a:spcBef>
+                  <a:spcPct val="0"/>
+                </a:spcBef>
+                <a:spcAft>
+                  <a:spcPct val="0"/>
+                </a:spcAft>
+                <a:defRPr>
+                  <a:solidFill>
+                    <a:schemeClr val="tx1"/>
+                  </a:solidFill>
+                  <a:latin typeface="Arial" panose="020B0604020202090204" pitchFamily="34" charset="0"/>
+                </a:defRPr>
+              </a:lvl1pPr>
+              <a:lvl2pPr eaLnBrk="0" fontAlgn="base" hangingPunct="0">
+                <a:spcBef>
+                  <a:spcPct val="0"/>
+                </a:spcBef>
+                <a:spcAft>
+                  <a:spcPct val="0"/>
+                </a:spcAft>
+                <a:defRPr>
+                  <a:solidFill>
+                    <a:schemeClr val="tx1"/>
+                  </a:solidFill>
+                  <a:latin typeface="Arial" panose="020B0604020202090204" pitchFamily="34" charset="0"/>
+                </a:defRPr>
+              </a:lvl2pPr>
+              <a:lvl3pPr eaLnBrk="0" fontAlgn="base" hangingPunct="0">
+                <a:spcBef>
+                  <a:spcPct val="0"/>
+                </a:spcBef>
+                <a:spcAft>
+                  <a:spcPct val="0"/>
+                </a:spcAft>
+                <a:defRPr>
+                  <a:solidFill>
+                    <a:schemeClr val="tx1"/>
+                  </a:solidFill>
+                  <a:latin typeface="Arial" panose="020B0604020202090204" pitchFamily="34" charset="0"/>
+                </a:defRPr>
+              </a:lvl3pPr>
+              <a:lvl4pPr eaLnBrk="0" fontAlgn="base" hangingPunct="0">
+                <a:spcBef>
+                  <a:spcPct val="0"/>
+                </a:spcBef>
+                <a:spcAft>
+                  <a:spcPct val="0"/>
+                </a:spcAft>
+                <a:defRPr>
+                  <a:solidFill>
+                    <a:schemeClr val="tx1"/>
+                  </a:solidFill>
+                  <a:latin typeface="Arial" panose="020B0604020202090204" pitchFamily="34" charset="0"/>
+                </a:defRPr>
+              </a:lvl4pPr>
+              <a:lvl5pPr eaLnBrk="0" fontAlgn="base" hangingPunct="0">
+                <a:spcBef>
+                  <a:spcPct val="0"/>
+                </a:spcBef>
+                <a:spcAft>
+                  <a:spcPct val="0"/>
+                </a:spcAft>
+                <a:defRPr>
+                  <a:solidFill>
+                    <a:schemeClr val="tx1"/>
+                  </a:solidFill>
+                  <a:latin typeface="Arial" panose="020B0604020202090204" pitchFamily="34" charset="0"/>
+                </a:defRPr>
+              </a:lvl5pPr>
+              <a:lvl6pPr eaLnBrk="0" fontAlgn="base" hangingPunct="0">
+                <a:spcBef>
+                  <a:spcPct val="0"/>
+                </a:spcBef>
+                <a:spcAft>
+                  <a:spcPct val="0"/>
+                </a:spcAft>
+                <a:defRPr>
+                  <a:solidFill>
+                    <a:schemeClr val="tx1"/>
+                  </a:solidFill>
+                  <a:latin typeface="Arial" panose="020B0604020202090204" pitchFamily="34" charset="0"/>
+                </a:defRPr>
+              </a:lvl6pPr>
+              <a:lvl7pPr eaLnBrk="0" fontAlgn="base" hangingPunct="0">
+                <a:spcBef>
+                  <a:spcPct val="0"/>
+                </a:spcBef>
+                <a:spcAft>
+                  <a:spcPct val="0"/>
+                </a:spcAft>
+                <a:defRPr>
+                  <a:solidFill>
+                    <a:schemeClr val="tx1"/>
+                  </a:solidFill>
+                  <a:latin typeface="Arial" panose="020B0604020202090204" pitchFamily="34" charset="0"/>
+                </a:defRPr>
+              </a:lvl7pPr>
+              <a:lvl8pPr eaLnBrk="0" fontAlgn="base" hangingPunct="0">
+                <a:spcBef>
+                  <a:spcPct val="0"/>
+                </a:spcBef>
+                <a:spcAft>
+                  <a:spcPct val="0"/>
+                </a:spcAft>
+                <a:defRPr>
+                  <a:solidFill>
+                    <a:schemeClr val="tx1"/>
+                  </a:solidFill>
+                  <a:latin typeface="Arial" panose="020B0604020202090204" pitchFamily="34" charset="0"/>
+                </a:defRPr>
+              </a:lvl8pPr>
+              <a:lvl9pPr eaLnBrk="0" fontAlgn="base" hangingPunct="0">
+                <a:spcBef>
+                  <a:spcPct val="0"/>
+                </a:spcBef>
+                <a:spcAft>
+                  <a:spcPct val="0"/>
+                </a:spcAft>
+                <a:defRPr>
+                  <a:solidFill>
+                    <a:schemeClr val="tx1"/>
+                  </a:solidFill>
+                  <a:latin typeface="Arial" panose="020B0604020202090204" pitchFamily="34" charset="0"/>
+                </a:defRPr>
+              </a:lvl9pPr>
+            </a:lstStyle>
+            <a:p>
+              <a:pPr marL="0" marR="0" lvl="0" indent="0" algn="l" defTabSz="914400" rtl="0" eaLnBrk="0" fontAlgn="base" latinLnBrk="0" hangingPunct="0">
+                <a:lnSpc>
+                  <a:spcPct val="100000"/>
+                </a:lnSpc>
+                <a:spcBef>
+                  <a:spcPct val="0"/>
+                </a:spcBef>
+                <a:spcAft>
+                  <a:spcPct val="0"/>
+                </a:spcAft>
+                <a:buClrTx/>
+                <a:buSzTx/>
+                <a:buFontTx/>
+                <a:buNone/>
+              </a:pPr>
+              <a:r>
+                <a:rPr lang="en-US" altLang="zh-CN" sz="1400" dirty="0">
+                  <a:solidFill>
+                    <a:srgbClr val="000080"/>
+                  </a:solidFill>
+                </a:rPr>
+                <a:t>5</a:t>
+              </a:r>
+              <a:endParaRPr kumimoji="0" lang="zh-CN" altLang="zh-CN" sz="4000" b="0" i="0" u="none" strike="noStrike" cap="none" normalizeH="0" baseline="0" dirty="0">
+                <a:ln>
+                  <a:noFill/>
+                </a:ln>
+                <a:solidFill>
+                  <a:schemeClr val="tx1"/>
+                </a:solidFill>
+                <a:effectLst/>
+                <a:latin typeface="Arial" panose="020B0604020202090204" pitchFamily="34" charset="0"/>
+              </a:endParaRPr>
+            </a:p>
+          </p:txBody>
+        </p:sp>
+      </p:grpSp>
+      <p:sp>
+        <p:nvSpPr>
+          <p:cNvPr id="10277" name="Line 58"/>
+          <p:cNvSpPr>
+            <a:spLocks noChangeShapeType="1"/>
+          </p:cNvSpPr>
+          <p:nvPr/>
+        </p:nvSpPr>
+        <p:spPr bwMode="auto">
+          <a:xfrm>
+            <a:off x="6275728" y="4455384"/>
+            <a:ext cx="0" cy="80805"/>
+          </a:xfrm>
+          <a:prstGeom prst="line">
+            <a:avLst/>
+          </a:prstGeom>
+          <a:noFill/>
+          <a:ln w="9525">
+            <a:solidFill>
+              <a:srgbClr val="000080"/>
+            </a:solidFill>
+            <a:prstDash val="solid"/>
+            <a:round/>
+          </a:ln>
+          <a:extLst>
+            <a:ext uri="{909E8E84-426E-40DD-AFC4-6F175D3DCCD1}">
+              <a14:hiddenFill xmlns:a14="http://schemas.microsoft.com/office/drawing/2010/main">
+                <a:noFill/>
+              </a14:hiddenFill>
+            </a:ext>
+          </a:extLst>
+        </p:spPr>
+        <p:txBody>
+          <a:bodyPr vert="horz" wrap="square" lIns="91440" tIns="45720" rIns="91440" bIns="45720" numCol="1" anchor="t" anchorCtr="0" compatLnSpc="1"/>
+          <a:lstStyle/>
+          <a:p>
+            <a:endParaRPr lang="zh-CN" altLang="en-US"/>
+          </a:p>
+        </p:txBody>
+      </p:sp>
+      <p:sp>
+        <p:nvSpPr>
+          <p:cNvPr id="10295" name="Oval 76"/>
+          <p:cNvSpPr>
+            <a:spLocks noChangeArrowheads="1"/>
+          </p:cNvSpPr>
+          <p:nvPr/>
+        </p:nvSpPr>
+        <p:spPr bwMode="auto">
+          <a:xfrm>
+            <a:off x="6257771" y="4473340"/>
+            <a:ext cx="44892" cy="44892"/>
+          </a:xfrm>
+          <a:prstGeom prst="ellipse">
+            <a:avLst/>
+          </a:prstGeom>
+          <a:solidFill>
+            <a:schemeClr val="accent1"/>
+          </a:solidFill>
+          <a:ln w="0">
+            <a:solidFill>
+              <a:srgbClr val="000000"/>
+            </a:solidFill>
+            <a:prstDash val="solid"/>
+            <a:round/>
+          </a:ln>
+        </p:spPr>
+        <p:txBody>
+          <a:bodyPr vert="horz" wrap="square" lIns="91440" tIns="45720" rIns="91440" bIns="45720" numCol="1" anchor="t" anchorCtr="0" compatLnSpc="1"/>
+          <a:lstStyle/>
+          <a:p>
+            <a:endParaRPr lang="zh-CN" altLang="en-US"/>
+          </a:p>
+        </p:txBody>
+      </p:sp>
+      <p:cxnSp>
+        <p:nvCxnSpPr>
+          <p:cNvPr id="135" name="直接箭头连接符 134"/>
+          <p:cNvCxnSpPr/>
+          <p:nvPr/>
+        </p:nvCxnSpPr>
+        <p:spPr>
+          <a:xfrm>
+            <a:off x="9603576" y="4488634"/>
+            <a:ext cx="771525" cy="0"/>
+          </a:xfrm>
+          <a:prstGeom prst="straightConnector1">
+            <a:avLst/>
+          </a:prstGeom>
+          <a:ln w="25400">
+            <a:solidFill>
+              <a:srgbClr val="000080"/>
+            </a:solidFill>
+            <a:tailEnd type="triangle"/>
+          </a:ln>
+        </p:spPr>
+        <p:style>
+          <a:lnRef idx="1">
+            <a:schemeClr val="accent1"/>
+          </a:lnRef>
+          <a:fillRef idx="0">
+            <a:schemeClr val="accent1"/>
+          </a:fillRef>
+          <a:effectRef idx="0">
+            <a:schemeClr val="accent1"/>
+          </a:effectRef>
+          <a:fontRef idx="minor">
+            <a:schemeClr val="tx1"/>
+          </a:fontRef>
+        </p:style>
+      </p:cxnSp>
+      <p:cxnSp>
+        <p:nvCxnSpPr>
+          <p:cNvPr id="136" name="直接箭头连接符 135"/>
+          <p:cNvCxnSpPr/>
+          <p:nvPr/>
+        </p:nvCxnSpPr>
+        <p:spPr>
+          <a:xfrm flipV="1">
+            <a:off x="5503990" y="972201"/>
+            <a:ext cx="0" cy="707416"/>
+          </a:xfrm>
+          <a:prstGeom prst="straightConnector1">
+            <a:avLst/>
+          </a:prstGeom>
+          <a:ln w="25400">
+            <a:solidFill>
+              <a:srgbClr val="000080"/>
+            </a:solidFill>
+            <a:tailEnd type="triangle"/>
+          </a:ln>
+        </p:spPr>
+        <p:style>
+          <a:lnRef idx="1">
+            <a:schemeClr val="accent1"/>
+          </a:lnRef>
+          <a:fillRef idx="0">
+            <a:schemeClr val="accent1"/>
+          </a:fillRef>
+          <a:effectRef idx="0">
+            <a:schemeClr val="accent1"/>
+          </a:effectRef>
+          <a:fontRef idx="minor">
+            <a:schemeClr val="tx1"/>
+          </a:fontRef>
+        </p:style>
+      </p:cxnSp>
+      <p:sp>
+        <p:nvSpPr>
+          <p:cNvPr id="139" name="矩形 138"/>
+          <p:cNvSpPr/>
+          <p:nvPr/>
+        </p:nvSpPr>
+        <p:spPr>
+          <a:xfrm>
+            <a:off x="5201491" y="883629"/>
+            <a:ext cx="298480" cy="400110"/>
+          </a:xfrm>
+          <a:prstGeom prst="rect">
+            <a:avLst/>
+          </a:prstGeom>
+        </p:spPr>
+        <p:txBody>
+          <a:bodyPr wrap="none">
+            <a:spAutoFit/>
+          </a:bodyPr>
+          <a:lstStyle/>
+          <a:p>
+            <a:r>
+              <a:rPr lang="en-US" altLang="zh-CN" sz="2000" b="1" i="1" dirty="0">
+                <a:latin typeface="Times New Roman" panose="02020503050405090304" pitchFamily="18" charset="0"/>
+                <a:ea typeface="SimSun" pitchFamily="2" charset="-122"/>
+              </a:rPr>
+              <a:t>y</a:t>
+            </a:r>
+            <a:endParaRPr lang="zh-CN" altLang="en-US" sz="2000" b="1" dirty="0"/>
+          </a:p>
+        </p:txBody>
+      </p:sp>
+      <p:sp>
+        <p:nvSpPr>
+          <p:cNvPr id="140" name="矩形 139"/>
+          <p:cNvSpPr/>
+          <p:nvPr/>
+        </p:nvSpPr>
+        <p:spPr>
+          <a:xfrm>
+            <a:off x="10127451" y="4460072"/>
+            <a:ext cx="312906" cy="400110"/>
+          </a:xfrm>
+          <a:prstGeom prst="rect">
+            <a:avLst/>
+          </a:prstGeom>
+        </p:spPr>
+        <p:txBody>
+          <a:bodyPr wrap="none">
+            <a:spAutoFit/>
+          </a:bodyPr>
+          <a:lstStyle/>
+          <a:p>
+            <a:r>
+              <a:rPr lang="en-US" altLang="zh-CN" sz="2000" b="1" i="1" dirty="0">
+                <a:latin typeface="Times New Roman" panose="02020503050405090304" pitchFamily="18" charset="0"/>
+                <a:ea typeface="SimSun" pitchFamily="2" charset="-122"/>
+              </a:rPr>
+              <a:t>x</a:t>
+            </a:r>
+            <a:endParaRPr lang="zh-CN" altLang="en-US" sz="2000" b="1" dirty="0"/>
+          </a:p>
+        </p:txBody>
+      </p:sp>
+      <p:grpSp>
+        <p:nvGrpSpPr>
+          <p:cNvPr id="10" name="Group 9"/>
+          <p:cNvGrpSpPr/>
+          <p:nvPr/>
+        </p:nvGrpSpPr>
+        <p:grpSpPr>
+          <a:xfrm>
+            <a:off x="3843655" y="1296035"/>
+            <a:ext cx="4083685" cy="1769745"/>
+            <a:chOff x="6053" y="2041"/>
+            <a:chExt cx="6431" cy="2787"/>
+          </a:xfrm>
+        </p:grpSpPr>
+        <p:sp>
+          <p:nvSpPr>
+            <p:cNvPr id="7" name="Oval 6"/>
+            <p:cNvSpPr/>
+            <p:nvPr/>
+          </p:nvSpPr>
+          <p:spPr>
+            <a:xfrm>
+              <a:off x="9709" y="4464"/>
+              <a:ext cx="364" cy="364"/>
+            </a:xfrm>
+            <a:prstGeom prst="ellipse">
+              <a:avLst/>
+            </a:prstGeom>
+          </p:spPr>
+          <p:style>
+            <a:lnRef idx="2">
+              <a:schemeClr val="accent1">
+                <a:shade val="50000"/>
+              </a:schemeClr>
+            </a:lnRef>
+            <a:fillRef idx="1">
+              <a:schemeClr val="accent1"/>
+            </a:fillRef>
+            <a:effectRef idx="0">
+              <a:schemeClr val="accent1"/>
+            </a:effectRef>
+            <a:fontRef idx="minor">
+              <a:schemeClr val="lt1"/>
+            </a:fontRef>
+          </p:style>
+          <p:txBody>
+            <a:bodyPr rtlCol="0" anchor="ctr"/>
+            <a:p>
+              <a:pPr algn="ctr"/>
+              <a:endParaRPr lang="en-US"/>
+            </a:p>
+            <a:p>
+              <a:pPr algn="ctr"/>
+              <a:endParaRPr lang="en-US"/>
+            </a:p>
+          </p:txBody>
+        </p:sp>
+        <p:sp>
+          <p:nvSpPr>
+            <p:cNvPr id="8" name="Oval 7"/>
+            <p:cNvSpPr/>
+            <p:nvPr/>
+          </p:nvSpPr>
+          <p:spPr>
+            <a:xfrm>
+              <a:off x="6053" y="4464"/>
+              <a:ext cx="364" cy="364"/>
+            </a:xfrm>
+            <a:prstGeom prst="ellipse">
+              <a:avLst/>
+            </a:prstGeom>
+          </p:spPr>
+          <p:style>
+            <a:lnRef idx="2">
+              <a:schemeClr val="accent1">
+                <a:shade val="50000"/>
+              </a:schemeClr>
+            </a:lnRef>
+            <a:fillRef idx="1">
+              <a:schemeClr val="accent1"/>
+            </a:fillRef>
+            <a:effectRef idx="0">
+              <a:schemeClr val="accent1"/>
+            </a:effectRef>
+            <a:fontRef idx="minor">
+              <a:schemeClr val="lt1"/>
+            </a:fontRef>
+          </p:style>
+          <p:txBody>
+            <a:bodyPr rtlCol="0" anchor="ctr"/>
+            <a:p>
+              <a:pPr algn="ctr"/>
+              <a:endParaRPr lang="en-US"/>
+            </a:p>
+            <a:p>
+              <a:pPr algn="ctr"/>
+              <a:endParaRPr lang="en-US"/>
+            </a:p>
+          </p:txBody>
+        </p:sp>
+        <p:sp>
+          <p:nvSpPr>
+            <p:cNvPr id="9" name="Oval 8"/>
+            <p:cNvSpPr/>
+            <p:nvPr/>
+          </p:nvSpPr>
+          <p:spPr>
+            <a:xfrm>
+              <a:off x="12120" y="2041"/>
+              <a:ext cx="364" cy="364"/>
+            </a:xfrm>
+            <a:prstGeom prst="ellipse">
+              <a:avLst/>
+            </a:prstGeom>
+          </p:spPr>
+          <p:style>
+            <a:lnRef idx="2">
+              <a:schemeClr val="accent1">
+                <a:shade val="50000"/>
+              </a:schemeClr>
+            </a:lnRef>
+            <a:fillRef idx="1">
+              <a:schemeClr val="accent1"/>
+            </a:fillRef>
+            <a:effectRef idx="0">
+              <a:schemeClr val="accent1"/>
+            </a:effectRef>
+            <a:fontRef idx="minor">
+              <a:schemeClr val="lt1"/>
+            </a:fontRef>
+          </p:style>
+          <p:txBody>
+            <a:bodyPr rtlCol="0" anchor="ctr"/>
+            <a:p>
+              <a:pPr algn="ctr"/>
+              <a:endParaRPr lang="en-US"/>
+            </a:p>
+            <a:p>
+              <a:pPr algn="ctr"/>
+              <a:endParaRPr lang="en-US"/>
+            </a:p>
+          </p:txBody>
+        </p:sp>
+      </p:grpSp>
+    </p:spTree>
+  </p:cSld>
+  <p:clrMapOvr>
+    <a:masterClrMapping/>
+  </p:clrMapOvr>
+  <p:transition>
+    <p:fade thruBlk="1"/>
+  </p:transition>
+  <p:timing>
+    <p:tnLst>
+      <p:par>
+        <p:cTn id="1" dur="indefinite" restart="never" nodeType="tmRoot"/>
+      </p:par>
+    </p:tnLst>
+  </p:timing>
+</p:sld>
+</file>
+
+<file path=ppt/slides/slide7.xml><?xml version="1.0" encoding="utf-8"?>
 <p:sld xmlns:a="http://schemas.openxmlformats.org/drawingml/2006/main" xmlns:r="http://schemas.openxmlformats.org/officeDocument/2006/relationships" xmlns:p="http://schemas.openxmlformats.org/presentationml/2006/main">
   <p:cSld>
     <p:spTree>
@@ -20629,7 +25735,7 @@
 </p:sld>
 </file>
 
-<file path=ppt/slides/slide7.xml><?xml version="1.0" encoding="utf-8"?>
+<file path=ppt/slides/slide8.xml><?xml version="1.0" encoding="utf-8"?>
 <p:sld xmlns:a="http://schemas.openxmlformats.org/drawingml/2006/main" xmlns:r="http://schemas.openxmlformats.org/officeDocument/2006/relationships" xmlns:p="http://schemas.openxmlformats.org/presentationml/2006/main">
   <p:cSld>
     <p:spTree>
@@ -20992,7 +26098,7 @@
 </p:sld>
 </file>
 
-<file path=ppt/slides/slide8.xml><?xml version="1.0" encoding="utf-8"?>
+<file path=ppt/slides/slide9.xml><?xml version="1.0" encoding="utf-8"?>
 <p:sld xmlns:a="http://schemas.openxmlformats.org/drawingml/2006/main" xmlns:r="http://schemas.openxmlformats.org/officeDocument/2006/relationships" xmlns:p="http://schemas.openxmlformats.org/presentationml/2006/main">
   <p:cSld>
     <p:spTree>
@@ -21780,209 +26886,6 @@
     </p:tnLst>
     <p:bldLst>
       <p:bldP spid="2" grpId="0"/>
-    </p:bldLst>
-  </p:timing>
-</p:sld>
-</file>
-
-<file path=ppt/slides/slide9.xml><?xml version="1.0" encoding="utf-8"?>
-<p:sld xmlns:a="http://schemas.openxmlformats.org/drawingml/2006/main" xmlns:r="http://schemas.openxmlformats.org/officeDocument/2006/relationships" xmlns:p="http://schemas.openxmlformats.org/presentationml/2006/main">
-  <p:cSld>
-    <p:spTree>
-      <p:nvGrpSpPr>
-        <p:cNvPr id="1" name=""/>
-        <p:cNvGrpSpPr/>
-        <p:nvPr/>
-      </p:nvGrpSpPr>
-      <p:grpSpPr>
-        <a:xfrm>
-          <a:off x="0" y="0"/>
-          <a:ext cx="0" cy="0"/>
-          <a:chOff x="0" y="0"/>
-          <a:chExt cx="0" cy="0"/>
-        </a:xfrm>
-      </p:grpSpPr>
-      <p:sp>
-        <p:nvSpPr>
-          <p:cNvPr id="6" name="文本框 5"/>
-          <p:cNvSpPr txBox="1"/>
-          <p:nvPr/>
-        </p:nvSpPr>
-        <p:spPr>
-          <a:xfrm>
-            <a:off x="3591560" y="2099945"/>
-            <a:ext cx="5009515" cy="1938020"/>
-          </a:xfrm>
-          <a:prstGeom prst="rect">
-            <a:avLst/>
-          </a:prstGeom>
-          <a:noFill/>
-        </p:spPr>
-        <p:txBody>
-          <a:bodyPr wrap="square" rtlCol="0">
-            <a:spAutoFit/>
-          </a:bodyPr>
-          <a:lstStyle/>
-          <a:p>
-            <a:pPr algn="dist"/>
-            <a:r>
-              <a:rPr lang="zh-CN" altLang="en-US" sz="12000" b="1" dirty="0">
-                <a:solidFill>
-                  <a:srgbClr val="1A7B80"/>
-                </a:solidFill>
-                <a:latin typeface="Agency FB" panose="020B0503020202020204" pitchFamily="34" charset="0"/>
-                <a:ea typeface="华文琥珀" panose="02010800040101010101" charset="-122"/>
-              </a:rPr>
-              <a:t>谢谢</a:t>
-            </a:r>
-            <a:endParaRPr lang="zh-CN" altLang="en-US" sz="12000" b="1" dirty="0">
-              <a:solidFill>
-                <a:srgbClr val="1A7B80"/>
-              </a:solidFill>
-              <a:latin typeface="Agency FB" panose="020B0503020202020204" pitchFamily="34" charset="0"/>
-              <a:ea typeface="华文琥珀" panose="02010800040101010101" charset="-122"/>
-            </a:endParaRPr>
-          </a:p>
-        </p:txBody>
-      </p:sp>
-    </p:spTree>
-  </p:cSld>
-  <p:clrMapOvr>
-    <a:masterClrMapping/>
-  </p:clrMapOvr>
-  <p:timing>
-    <p:tnLst>
-      <p:par>
-        <p:cTn id="1" dur="indefinite" restart="never" nodeType="tmRoot">
-          <p:childTnLst>
-            <p:seq concurrent="1" nextAc="seek">
-              <p:cTn id="2" dur="indefinite" nodeType="mainSeq">
-                <p:childTnLst>
-                  <p:par>
-                    <p:cTn id="3" fill="hold">
-                      <p:stCondLst>
-                        <p:cond delay="indefinite"/>
-                        <p:cond evt="onBegin" delay="0">
-                          <p:tn val="2"/>
-                        </p:cond>
-                      </p:stCondLst>
-                      <p:childTnLst>
-                        <p:par>
-                          <p:cTn id="4" fill="hold">
-                            <p:stCondLst>
-                              <p:cond delay="0"/>
-                            </p:stCondLst>
-                            <p:childTnLst>
-                              <p:par>
-                                <p:cTn id="5" presetID="53" presetClass="entr" presetSubtype="16" fill="hold" grpId="0" nodeType="afterEffect">
-                                  <p:stCondLst>
-                                    <p:cond delay="0"/>
-                                  </p:stCondLst>
-                                  <p:childTnLst>
-                                    <p:set>
-                                      <p:cBhvr>
-                                        <p:cTn id="6" dur="1" fill="hold">
-                                          <p:stCondLst>
-                                            <p:cond delay="0"/>
-                                          </p:stCondLst>
-                                        </p:cTn>
-                                        <p:tgtEl>
-                                          <p:spTgt spid="6"/>
-                                        </p:tgtEl>
-                                        <p:attrNameLst>
-                                          <p:attrName>style.visibility</p:attrName>
-                                        </p:attrNameLst>
-                                      </p:cBhvr>
-                                      <p:to>
-                                        <p:strVal val="visible"/>
-                                      </p:to>
-                                    </p:set>
-                                    <p:anim calcmode="lin" valueType="num">
-                                      <p:cBhvr>
-                                        <p:cTn id="7" dur="500" fill="hold"/>
-                                        <p:tgtEl>
-                                          <p:spTgt spid="6"/>
-                                        </p:tgtEl>
-                                        <p:attrNameLst>
-                                          <p:attrName>ppt_w</p:attrName>
-                                        </p:attrNameLst>
-                                      </p:cBhvr>
-                                      <p:tavLst>
-                                        <p:tav tm="0">
-                                          <p:val>
-                                            <p:fltVal val="0"/>
-                                          </p:val>
-                                        </p:tav>
-                                        <p:tav tm="100000">
-                                          <p:val>
-                                            <p:strVal val="#ppt_w"/>
-                                          </p:val>
-                                        </p:tav>
-                                      </p:tavLst>
-                                    </p:anim>
-                                    <p:anim calcmode="lin" valueType="num">
-                                      <p:cBhvr>
-                                        <p:cTn id="8" dur="500" fill="hold"/>
-                                        <p:tgtEl>
-                                          <p:spTgt spid="6"/>
-                                        </p:tgtEl>
-                                        <p:attrNameLst>
-                                          <p:attrName>ppt_h</p:attrName>
-                                        </p:attrNameLst>
-                                      </p:cBhvr>
-                                      <p:tavLst>
-                                        <p:tav tm="0">
-                                          <p:val>
-                                            <p:fltVal val="0"/>
-                                          </p:val>
-                                        </p:tav>
-                                        <p:tav tm="100000">
-                                          <p:val>
-                                            <p:strVal val="#ppt_h"/>
-                                          </p:val>
-                                        </p:tav>
-                                      </p:tavLst>
-                                    </p:anim>
-                                    <p:animEffect transition="in" filter="fade">
-                                      <p:cBhvr>
-                                        <p:cTn id="9" dur="500"/>
-                                        <p:tgtEl>
-                                          <p:spTgt spid="6"/>
-                                        </p:tgtEl>
-                                      </p:cBhvr>
-                                    </p:animEffect>
-                                  </p:childTnLst>
-                                </p:cTn>
-                              </p:par>
-                            </p:childTnLst>
-                          </p:cTn>
-                        </p:par>
-                      </p:childTnLst>
-                    </p:cTn>
-                  </p:par>
-                </p:childTnLst>
-              </p:cTn>
-              <p:prevCondLst>
-                <p:cond evt="onPrev" delay="0">
-                  <p:tgtEl>
-                    <p:sldTgt/>
-                  </p:tgtEl>
-                </p:cond>
-              </p:prevCondLst>
-              <p:nextCondLst>
-                <p:cond evt="onNext" delay="0">
-                  <p:tgtEl>
-                    <p:sldTgt/>
-                  </p:tgtEl>
-                </p:cond>
-              </p:nextCondLst>
-            </p:seq>
-          </p:childTnLst>
-        </p:cTn>
-      </p:par>
-    </p:tnLst>
-    <p:bldLst>
-      <p:bldP spid="6" grpId="0"/>
     </p:bldLst>
   </p:timing>
 </p:sld>
